--- a/Object-Oriented Programming/Consultation1/Consultation1.pptx
+++ b/Object-Oriented Programming/Consultation1/Consultation1.pptx
@@ -138,28 +138,45 @@
     <p:sldId id="712" r:id="rId132"/>
     <p:sldId id="695" r:id="rId133"/>
     <p:sldId id="696" r:id="rId134"/>
-    <p:sldId id="719" r:id="rId135"/>
-    <p:sldId id="721" r:id="rId136"/>
-    <p:sldId id="732" r:id="rId137"/>
-    <p:sldId id="733" r:id="rId138"/>
-    <p:sldId id="734" r:id="rId139"/>
-    <p:sldId id="735" r:id="rId140"/>
-    <p:sldId id="736" r:id="rId141"/>
-    <p:sldId id="741" r:id="rId142"/>
-    <p:sldId id="738" r:id="rId143"/>
-    <p:sldId id="743" r:id="rId144"/>
-    <p:sldId id="744" r:id="rId145"/>
-    <p:sldId id="731" r:id="rId146"/>
-    <p:sldId id="722" r:id="rId147"/>
-    <p:sldId id="724" r:id="rId148"/>
-    <p:sldId id="723" r:id="rId149"/>
-    <p:sldId id="697" r:id="rId150"/>
-    <p:sldId id="698" r:id="rId151"/>
-    <p:sldId id="720" r:id="rId152"/>
-    <p:sldId id="718" r:id="rId153"/>
-    <p:sldId id="699" r:id="rId154"/>
-    <p:sldId id="737" r:id="rId155"/>
-    <p:sldId id="392" r:id="rId156"/>
+    <p:sldId id="748" r:id="rId135"/>
+    <p:sldId id="719" r:id="rId136"/>
+    <p:sldId id="721" r:id="rId137"/>
+    <p:sldId id="732" r:id="rId138"/>
+    <p:sldId id="733" r:id="rId139"/>
+    <p:sldId id="734" r:id="rId140"/>
+    <p:sldId id="735" r:id="rId141"/>
+    <p:sldId id="736" r:id="rId142"/>
+    <p:sldId id="741" r:id="rId143"/>
+    <p:sldId id="738" r:id="rId144"/>
+    <p:sldId id="743" r:id="rId145"/>
+    <p:sldId id="744" r:id="rId146"/>
+    <p:sldId id="731" r:id="rId147"/>
+    <p:sldId id="722" r:id="rId148"/>
+    <p:sldId id="724" r:id="rId149"/>
+    <p:sldId id="723" r:id="rId150"/>
+    <p:sldId id="697" r:id="rId151"/>
+    <p:sldId id="745" r:id="rId152"/>
+    <p:sldId id="747" r:id="rId153"/>
+    <p:sldId id="751" r:id="rId154"/>
+    <p:sldId id="753" r:id="rId155"/>
+    <p:sldId id="746" r:id="rId156"/>
+    <p:sldId id="763" r:id="rId157"/>
+    <p:sldId id="749" r:id="rId158"/>
+    <p:sldId id="754" r:id="rId159"/>
+    <p:sldId id="755" r:id="rId160"/>
+    <p:sldId id="756" r:id="rId161"/>
+    <p:sldId id="752" r:id="rId162"/>
+    <p:sldId id="757" r:id="rId163"/>
+    <p:sldId id="758" r:id="rId164"/>
+    <p:sldId id="759" r:id="rId165"/>
+    <p:sldId id="760" r:id="rId166"/>
+    <p:sldId id="761" r:id="rId167"/>
+    <p:sldId id="698" r:id="rId168"/>
+    <p:sldId id="720" r:id="rId169"/>
+    <p:sldId id="718" r:id="rId170"/>
+    <p:sldId id="699" r:id="rId171"/>
+    <p:sldId id="737" r:id="rId172"/>
+    <p:sldId id="392" r:id="rId173"/>
   </p:sldIdLst>
   <p:sldSz cx="12192000" cy="6858000"/>
   <p:notesSz cx="6858000" cy="9144000"/>
@@ -415,7 +432,7 @@
           <a:p>
             <a:fld id="{A668673D-F46B-4D54-BC46-393ACD5BD4A2}" type="datetimeFigureOut">
               <a:rPr lang="en-GB" smtClean="0"/>
-              <a:t>20/02/2019</a:t>
+              <a:t>21/02/2019</a:t>
             </a:fld>
             <a:endParaRPr lang="en-GB"/>
           </a:p>
@@ -615,7 +632,7 @@
           <a:p>
             <a:fld id="{A668673D-F46B-4D54-BC46-393ACD5BD4A2}" type="datetimeFigureOut">
               <a:rPr lang="en-GB" smtClean="0"/>
-              <a:t>20/02/2019</a:t>
+              <a:t>21/02/2019</a:t>
             </a:fld>
             <a:endParaRPr lang="en-GB"/>
           </a:p>
@@ -825,7 +842,7 @@
           <a:p>
             <a:fld id="{A668673D-F46B-4D54-BC46-393ACD5BD4A2}" type="datetimeFigureOut">
               <a:rPr lang="en-GB" smtClean="0"/>
-              <a:t>20/02/2019</a:t>
+              <a:t>21/02/2019</a:t>
             </a:fld>
             <a:endParaRPr lang="en-GB"/>
           </a:p>
@@ -1025,7 +1042,7 @@
           <a:p>
             <a:fld id="{A668673D-F46B-4D54-BC46-393ACD5BD4A2}" type="datetimeFigureOut">
               <a:rPr lang="en-GB" smtClean="0"/>
-              <a:t>20/02/2019</a:t>
+              <a:t>21/02/2019</a:t>
             </a:fld>
             <a:endParaRPr lang="en-GB"/>
           </a:p>
@@ -1301,7 +1318,7 @@
           <a:p>
             <a:fld id="{A668673D-F46B-4D54-BC46-393ACD5BD4A2}" type="datetimeFigureOut">
               <a:rPr lang="en-GB" smtClean="0"/>
-              <a:t>20/02/2019</a:t>
+              <a:t>21/02/2019</a:t>
             </a:fld>
             <a:endParaRPr lang="en-GB"/>
           </a:p>
@@ -1569,7 +1586,7 @@
           <a:p>
             <a:fld id="{A668673D-F46B-4D54-BC46-393ACD5BD4A2}" type="datetimeFigureOut">
               <a:rPr lang="en-GB" smtClean="0"/>
-              <a:t>20/02/2019</a:t>
+              <a:t>21/02/2019</a:t>
             </a:fld>
             <a:endParaRPr lang="en-GB"/>
           </a:p>
@@ -1984,7 +2001,7 @@
           <a:p>
             <a:fld id="{A668673D-F46B-4D54-BC46-393ACD5BD4A2}" type="datetimeFigureOut">
               <a:rPr lang="en-GB" smtClean="0"/>
-              <a:t>20/02/2019</a:t>
+              <a:t>21/02/2019</a:t>
             </a:fld>
             <a:endParaRPr lang="en-GB"/>
           </a:p>
@@ -2126,7 +2143,7 @@
           <a:p>
             <a:fld id="{A668673D-F46B-4D54-BC46-393ACD5BD4A2}" type="datetimeFigureOut">
               <a:rPr lang="en-GB" smtClean="0"/>
-              <a:t>20/02/2019</a:t>
+              <a:t>21/02/2019</a:t>
             </a:fld>
             <a:endParaRPr lang="en-GB"/>
           </a:p>
@@ -2239,7 +2256,7 @@
           <a:p>
             <a:fld id="{A668673D-F46B-4D54-BC46-393ACD5BD4A2}" type="datetimeFigureOut">
               <a:rPr lang="en-GB" smtClean="0"/>
-              <a:t>20/02/2019</a:t>
+              <a:t>21/02/2019</a:t>
             </a:fld>
             <a:endParaRPr lang="en-GB"/>
           </a:p>
@@ -2552,7 +2569,7 @@
           <a:p>
             <a:fld id="{A668673D-F46B-4D54-BC46-393ACD5BD4A2}" type="datetimeFigureOut">
               <a:rPr lang="en-GB" smtClean="0"/>
-              <a:t>20/02/2019</a:t>
+              <a:t>21/02/2019</a:t>
             </a:fld>
             <a:endParaRPr lang="en-GB"/>
           </a:p>
@@ -2841,7 +2858,7 @@
           <a:p>
             <a:fld id="{A668673D-F46B-4D54-BC46-393ACD5BD4A2}" type="datetimeFigureOut">
               <a:rPr lang="en-GB" smtClean="0"/>
-              <a:t>20/02/2019</a:t>
+              <a:t>21/02/2019</a:t>
             </a:fld>
             <a:endParaRPr lang="en-GB"/>
           </a:p>
@@ -3084,7 +3101,7 @@
           <a:p>
             <a:fld id="{A668673D-F46B-4D54-BC46-393ACD5BD4A2}" type="datetimeFigureOut">
               <a:rPr lang="en-GB" smtClean="0"/>
-              <a:t>20/02/2019</a:t>
+              <a:t>21/02/2019</a:t>
             </a:fld>
             <a:endParaRPr lang="en-GB"/>
           </a:p>
@@ -10930,7 +10947,7 @@
           <p:cNvPr id="2" name="Заглавие 1">
             <a:extLst>
               <a:ext uri="{FF2B5EF4-FFF2-40B4-BE49-F238E27FC236}">
-                <a16:creationId xmlns:a16="http://schemas.microsoft.com/office/drawing/2014/main" id="{940FCD2E-878E-4797-88DC-F09D33F65C48}"/>
+                <a16:creationId xmlns:a16="http://schemas.microsoft.com/office/drawing/2014/main" id="{8879DED7-28E3-4221-9B48-5CEC3EE6D5B0}"/>
               </a:ext>
             </a:extLst>
           </p:cNvPr>
@@ -10948,7 +10965,7 @@
           <a:p>
             <a:r>
               <a:rPr lang="bg-BG" dirty="0"/>
-              <a:t>Пример</a:t>
+              <a:t>Копиращ конструктор</a:t>
             </a:r>
           </a:p>
         </p:txBody>
@@ -10958,7 +10975,7 @@
           <p:cNvPr id="3" name="Контейнер за съдържание 2">
             <a:extLst>
               <a:ext uri="{FF2B5EF4-FFF2-40B4-BE49-F238E27FC236}">
-                <a16:creationId xmlns:a16="http://schemas.microsoft.com/office/drawing/2014/main" id="{B4F13CB5-DCB6-4534-97F4-316FD6C78712}"/>
+                <a16:creationId xmlns:a16="http://schemas.microsoft.com/office/drawing/2014/main" id="{ACC99057-C521-48F3-937B-98C9FA433744}"/>
               </a:ext>
             </a:extLst>
           </p:cNvPr>
@@ -10969,43 +10986,34 @@
             <p:ph idx="1"/>
           </p:nvPr>
         </p:nvSpPr>
-        <p:spPr>
-          <a:xfrm>
-            <a:off x="838200" y="1825625"/>
-            <a:ext cx="11133406" cy="4351338"/>
-          </a:xfrm>
-        </p:spPr>
+        <p:spPr/>
         <p:txBody>
           <a:bodyPr>
-            <a:normAutofit/>
+            <a:normAutofit fontScale="92500" lnSpcReduction="20000"/>
           </a:bodyPr>
           <a:lstStyle/>
           <a:p>
-            <a:pPr marL="0" indent="0">
-              <a:buNone/>
-            </a:pPr>
-            <a:r>
-              <a:rPr lang="en-GB" dirty="0"/>
-              <a:t>struct Person</a:t>
-            </a:r>
-          </a:p>
-          <a:p>
-            <a:pPr marL="0" indent="0">
-              <a:buNone/>
-            </a:pPr>
-            <a:r>
-              <a:rPr lang="en-GB" dirty="0"/>
-              <a:t>{</a:t>
-            </a:r>
-            <a:endParaRPr lang="bg-BG" dirty="0"/>
-          </a:p>
-          <a:p>
-            <a:pPr marL="0" indent="0">
-              <a:buNone/>
-            </a:pPr>
-            <a:r>
-              <a:rPr lang="en-GB" dirty="0"/>
-              <a:t>	Person(</a:t>
+            <a:r>
+              <a:rPr lang="bg-BG" dirty="0"/>
+              <a:t>Синтаксис</a:t>
+            </a:r>
+            <a:endParaRPr lang="en-GB" dirty="0"/>
+          </a:p>
+          <a:p>
+            <a:pPr marL="0" indent="0">
+              <a:buNone/>
+            </a:pPr>
+            <a:r>
+              <a:rPr lang="en-GB" dirty="0"/>
+              <a:t>&lt;</a:t>
+            </a:r>
+            <a:r>
+              <a:rPr lang="bg-BG" dirty="0" err="1"/>
+              <a:t>име_на_типа</a:t>
+            </a:r>
+            <a:r>
+              <a:rPr lang="bg-BG" dirty="0"/>
+              <a:t>&gt; (</a:t>
             </a:r>
             <a:r>
               <a:rPr lang="en-GB" dirty="0" err="1"/>
@@ -11013,11 +11021,80 @@
             </a:r>
             <a:r>
               <a:rPr lang="en-GB" dirty="0"/>
-              <a:t> Person&amp;); 	</a:t>
+              <a:t> </a:t>
+            </a:r>
+            <a:r>
+              <a:rPr lang="bg-BG" dirty="0"/>
+              <a:t>&lt;</a:t>
+            </a:r>
+            <a:r>
+              <a:rPr lang="bg-BG" dirty="0" err="1"/>
+              <a:t>име_на_типа</a:t>
+            </a:r>
+            <a:r>
+              <a:rPr lang="bg-BG" dirty="0"/>
+              <a:t>&gt; </a:t>
+            </a:r>
+            <a:r>
+              <a:rPr lang="en-GB" dirty="0"/>
+              <a:t>&amp;);</a:t>
+            </a:r>
+          </a:p>
+          <a:p>
+            <a:pPr marL="0" indent="0">
+              <a:buNone/>
+            </a:pPr>
+            <a:endParaRPr lang="en-GB" dirty="0"/>
+          </a:p>
+          <a:p>
+            <a:r>
+              <a:rPr lang="bg-BG" dirty="0"/>
+              <a:t>Пример за клас </a:t>
+            </a:r>
+            <a:r>
+              <a:rPr lang="en-GB" dirty="0"/>
+              <a:t>Person</a:t>
+            </a:r>
+            <a:r>
+              <a:rPr lang="bg-BG" dirty="0"/>
+              <a:t>:</a:t>
+            </a:r>
+          </a:p>
+          <a:p>
+            <a:pPr marL="0" indent="0">
+              <a:buNone/>
+            </a:pPr>
+            <a:r>
+              <a:rPr lang="en-GB" dirty="0"/>
+              <a:t>Person(</a:t>
+            </a:r>
+            <a:r>
+              <a:rPr lang="en-GB" dirty="0" err="1"/>
+              <a:t>const</a:t>
+            </a:r>
+            <a:r>
+              <a:rPr lang="en-GB" dirty="0"/>
+              <a:t> Person &amp;);</a:t>
+            </a:r>
+          </a:p>
+          <a:p>
+            <a:pPr marL="0" indent="0">
+              <a:buNone/>
+            </a:pPr>
+            <a:endParaRPr lang="en-GB" dirty="0"/>
+          </a:p>
+          <a:p>
+            <a:r>
+              <a:rPr lang="bg-BG" dirty="0">
+                <a:solidFill>
+                  <a:srgbClr val="FF0000"/>
+                </a:solidFill>
+              </a:rPr>
+              <a:t>Това е единственият синтаксис за копиращ конструктор!</a:t>
             </a:r>
             <a:endParaRPr lang="en-GB" dirty="0">
               <a:solidFill>
-                <a:srgbClr val="289A00"/>
+                <a:srgbClr val="FF0000"/>
               </a:solidFill>
             </a:endParaRPr>
           </a:p>
@@ -11026,89 +11103,17 @@
               <a:buNone/>
             </a:pPr>
             <a:r>
-              <a:rPr lang="bg-BG" dirty="0"/>
-              <a:t>	</a:t>
-            </a:r>
-            <a:r>
-              <a:rPr lang="en-GB" dirty="0"/>
-              <a:t>int id </a:t>
-            </a:r>
-            <a:r>
-              <a:rPr lang="bg-BG" dirty="0"/>
-              <a:t>=</a:t>
-            </a:r>
-            <a:r>
-              <a:rPr lang="en-GB" dirty="0"/>
-              <a:t> 0;</a:t>
-            </a:r>
-            <a:endParaRPr lang="en-GB" dirty="0">
-              <a:solidFill>
-                <a:srgbClr val="289A00"/>
-              </a:solidFill>
-            </a:endParaRPr>
-          </a:p>
-          <a:p>
-            <a:pPr marL="0" indent="0">
-              <a:buNone/>
-            </a:pPr>
-            <a:r>
-              <a:rPr lang="en-GB" dirty="0"/>
-              <a:t>};</a:t>
-            </a:r>
-          </a:p>
-          <a:p>
-            <a:pPr marL="0" indent="0">
-              <a:buNone/>
-            </a:pPr>
-            <a:r>
-              <a:rPr lang="en-GB" dirty="0"/>
-              <a:t>Person::Person(</a:t>
-            </a:r>
-            <a:r>
-              <a:rPr lang="en-GB" dirty="0" err="1"/>
-              <a:t>const</a:t>
-            </a:r>
-            <a:r>
-              <a:rPr lang="en-GB" dirty="0"/>
-              <a:t> Person&amp; old) : id(old.id</a:t>
-            </a:r>
-            <a:r>
-              <a:rPr lang="bg-BG" dirty="0"/>
-              <a:t>*2</a:t>
-            </a:r>
-            <a:r>
-              <a:rPr lang="en-GB" dirty="0"/>
-              <a:t>)</a:t>
-            </a:r>
-            <a:r>
-              <a:rPr lang="bg-BG" dirty="0"/>
-              <a:t> </a:t>
-            </a:r>
-            <a:r>
-              <a:rPr lang="en-GB" dirty="0"/>
-              <a:t>	</a:t>
-            </a:r>
-            <a:r>
-              <a:rPr lang="bg-BG" dirty="0">
-                <a:solidFill>
-                  <a:srgbClr val="289A00"/>
-                </a:solidFill>
-              </a:rPr>
-              <a:t>//новият обект ще има </a:t>
-            </a:r>
-            <a:endParaRPr lang="en-GB" dirty="0">
-              <a:solidFill>
-                <a:srgbClr val="289A00"/>
-              </a:solidFill>
-            </a:endParaRPr>
-          </a:p>
-          <a:p>
-            <a:pPr marL="0" indent="0">
-              <a:buNone/>
-            </a:pPr>
-            <a:r>
-              <a:rPr lang="en-GB" dirty="0"/>
-              <a:t>{								</a:t>
+              <a:rPr lang="en-GB" dirty="0"/>
+              <a:t>Person (Person);</a:t>
+            </a:r>
+          </a:p>
+          <a:p>
+            <a:pPr marL="0" indent="0">
+              <a:buNone/>
+            </a:pPr>
+            <a:r>
+              <a:rPr lang="en-GB" dirty="0"/>
+              <a:t>Person (Person &amp;);		</a:t>
             </a:r>
             <a:r>
               <a:rPr lang="en-GB" dirty="0">
@@ -11124,26 +11129,40 @@
                   <a:srgbClr val="289A00"/>
                 </a:solidFill>
               </a:rPr>
-              <a:t>двойно по-голямо </a:t>
-            </a:r>
-            <a:r>
-              <a:rPr lang="en-GB" dirty="0">
-                <a:solidFill>
-                  <a:srgbClr val="289A00"/>
-                </a:solidFill>
-              </a:rPr>
-              <a:t>id</a:t>
-            </a:r>
-          </a:p>
-          <a:p>
-            <a:pPr marL="0" indent="0">
-              <a:buNone/>
-            </a:pPr>
-            <a:r>
-              <a:rPr lang="en-GB" dirty="0"/>
-              <a:t>}</a:t>
+              <a:t>това не са копиращи конструктори</a:t>
+            </a:r>
+            <a:endParaRPr lang="en-GB" dirty="0">
+              <a:solidFill>
+                <a:srgbClr val="289A00"/>
+              </a:solidFill>
+            </a:endParaRPr>
+          </a:p>
+          <a:p>
+            <a:pPr marL="0" indent="0">
+              <a:buNone/>
+            </a:pPr>
+            <a:r>
+              <a:rPr lang="en-GB" dirty="0"/>
+              <a:t>Person (</a:t>
+            </a:r>
+            <a:r>
+              <a:rPr lang="en-GB" dirty="0" err="1"/>
+              <a:t>const</a:t>
+            </a:r>
+            <a:r>
+              <a:rPr lang="en-GB" dirty="0"/>
+              <a:t> Person);</a:t>
             </a:r>
             <a:endParaRPr lang="bg-BG" dirty="0"/>
+          </a:p>
+          <a:p>
+            <a:endParaRPr lang="en-GB" dirty="0"/>
+          </a:p>
+          <a:p>
+            <a:pPr marL="0" indent="0">
+              <a:buNone/>
+            </a:pPr>
+            <a:endParaRPr lang="en-GB" dirty="0"/>
           </a:p>
           <a:p>
             <a:endParaRPr lang="bg-BG" dirty="0"/>
@@ -11153,7 +11172,7 @@
     </p:spTree>
     <p:extLst>
       <p:ext uri="{BB962C8B-B14F-4D97-AF65-F5344CB8AC3E}">
-        <p14:creationId xmlns:p14="http://schemas.microsoft.com/office/powerpoint/2010/main" val="339441603"/>
+        <p14:creationId xmlns:p14="http://schemas.microsoft.com/office/powerpoint/2010/main" val="1938512770"/>
       </p:ext>
     </p:extLst>
   </p:cSld>
@@ -11185,7 +11204,7 @@
           <p:cNvPr id="2" name="Заглавие 1">
             <a:extLst>
               <a:ext uri="{FF2B5EF4-FFF2-40B4-BE49-F238E27FC236}">
-                <a16:creationId xmlns:a16="http://schemas.microsoft.com/office/drawing/2014/main" id="{44A10DDB-E0FA-4A26-AFBC-1D9E93B00E6A}"/>
+                <a16:creationId xmlns:a16="http://schemas.microsoft.com/office/drawing/2014/main" id="{940FCD2E-878E-4797-88DC-F09D33F65C48}"/>
               </a:ext>
             </a:extLst>
           </p:cNvPr>
@@ -11203,7 +11222,7 @@
           <a:p>
             <a:r>
               <a:rPr lang="bg-BG" dirty="0"/>
-              <a:t>Пример - пояснение</a:t>
+              <a:t>Пример</a:t>
             </a:r>
           </a:p>
         </p:txBody>
@@ -11213,7 +11232,7 @@
           <p:cNvPr id="3" name="Контейнер за съдържание 2">
             <a:extLst>
               <a:ext uri="{FF2B5EF4-FFF2-40B4-BE49-F238E27FC236}">
-                <a16:creationId xmlns:a16="http://schemas.microsoft.com/office/drawing/2014/main" id="{90F56E57-1ED2-4D95-BE44-47041AF97812}"/>
+                <a16:creationId xmlns:a16="http://schemas.microsoft.com/office/drawing/2014/main" id="{B4F13CB5-DCB6-4534-97F4-316FD6C78712}"/>
               </a:ext>
             </a:extLst>
           </p:cNvPr>
@@ -11224,48 +11243,191 @@
             <p:ph idx="1"/>
           </p:nvPr>
         </p:nvSpPr>
-        <p:spPr/>
-        <p:txBody>
-          <a:bodyPr/>
-          <a:lstStyle/>
-          <a:p>
-            <a:r>
-              <a:rPr lang="bg-BG" dirty="0"/>
-              <a:t>Този конструктор приема като параметър даден обект от същия тип и има достъп до член-данните му</a:t>
-            </a:r>
-          </a:p>
-          <a:p>
+        <p:spPr>
+          <a:xfrm>
+            <a:off x="838200" y="1825625"/>
+            <a:ext cx="11133406" cy="4351338"/>
+          </a:xfrm>
+        </p:spPr>
+        <p:txBody>
+          <a:bodyPr>
+            <a:normAutofit/>
+          </a:bodyPr>
+          <a:lstStyle/>
+          <a:p>
+            <a:pPr marL="0" indent="0">
+              <a:buNone/>
+            </a:pPr>
+            <a:r>
+              <a:rPr lang="en-GB" dirty="0"/>
+              <a:t>struct Person</a:t>
+            </a:r>
+          </a:p>
+          <a:p>
+            <a:pPr marL="0" indent="0">
+              <a:buNone/>
+            </a:pPr>
+            <a:r>
+              <a:rPr lang="en-GB" dirty="0"/>
+              <a:t>{</a:t>
+            </a:r>
             <a:endParaRPr lang="bg-BG" dirty="0"/>
           </a:p>
           <a:p>
-            <a:r>
-              <a:rPr lang="bg-BG" dirty="0"/>
-              <a:t>Ние решаваме какво да правим, като имаме едно наум кога се използва този конструктор</a:t>
-            </a:r>
-          </a:p>
-          <a:p>
+            <a:pPr marL="0" indent="0">
+              <a:buNone/>
+            </a:pPr>
+            <a:r>
+              <a:rPr lang="en-GB" dirty="0"/>
+              <a:t>	Person(</a:t>
+            </a:r>
+            <a:r>
+              <a:rPr lang="en-GB" dirty="0" err="1"/>
+              <a:t>const</a:t>
+            </a:r>
+            <a:r>
+              <a:rPr lang="en-GB" dirty="0"/>
+              <a:t> Person&amp;); 	</a:t>
+            </a:r>
+            <a:endParaRPr lang="en-GB" dirty="0">
+              <a:solidFill>
+                <a:srgbClr val="289A00"/>
+              </a:solidFill>
+            </a:endParaRPr>
+          </a:p>
+          <a:p>
+            <a:pPr marL="0" indent="0">
+              <a:buNone/>
+            </a:pPr>
+            <a:r>
+              <a:rPr lang="bg-BG" dirty="0"/>
+              <a:t>	</a:t>
+            </a:r>
+            <a:r>
+              <a:rPr lang="en-GB" dirty="0"/>
+              <a:t>int id </a:t>
+            </a:r>
+            <a:r>
+              <a:rPr lang="bg-BG" dirty="0"/>
+              <a:t>=</a:t>
+            </a:r>
+            <a:r>
+              <a:rPr lang="en-GB" dirty="0"/>
+              <a:t> 0;</a:t>
+            </a:r>
+            <a:endParaRPr lang="en-GB" dirty="0">
+              <a:solidFill>
+                <a:srgbClr val="289A00"/>
+              </a:solidFill>
+            </a:endParaRPr>
+          </a:p>
+          <a:p>
+            <a:pPr marL="0" indent="0">
+              <a:buNone/>
+            </a:pPr>
+            <a:r>
+              <a:rPr lang="en-GB" dirty="0"/>
+              <a:t>};</a:t>
+            </a:r>
+          </a:p>
+          <a:p>
+            <a:pPr marL="0" indent="0">
+              <a:buNone/>
+            </a:pPr>
+            <a:r>
+              <a:rPr lang="en-GB" dirty="0"/>
+              <a:t>Person::Person(</a:t>
+            </a:r>
+            <a:r>
+              <a:rPr lang="en-GB" dirty="0" err="1"/>
+              <a:t>const</a:t>
+            </a:r>
+            <a:r>
+              <a:rPr lang="en-GB" dirty="0"/>
+              <a:t> Person&amp; old) : id(old.id</a:t>
+            </a:r>
+            <a:r>
+              <a:rPr lang="bg-BG" dirty="0"/>
+              <a:t>*2</a:t>
+            </a:r>
+            <a:r>
+              <a:rPr lang="en-GB" dirty="0"/>
+              <a:t>)</a:t>
+            </a:r>
+            <a:r>
+              <a:rPr lang="bg-BG" dirty="0"/>
+              <a:t> </a:t>
+            </a:r>
+            <a:r>
+              <a:rPr lang="en-GB" dirty="0"/>
+              <a:t>	</a:t>
+            </a:r>
+            <a:r>
+              <a:rPr lang="bg-BG" dirty="0">
+                <a:solidFill>
+                  <a:srgbClr val="289A00"/>
+                </a:solidFill>
+              </a:rPr>
+              <a:t>//новият обект ще има </a:t>
+            </a:r>
+            <a:endParaRPr lang="en-GB" dirty="0">
+              <a:solidFill>
+                <a:srgbClr val="289A00"/>
+              </a:solidFill>
+            </a:endParaRPr>
+          </a:p>
+          <a:p>
+            <a:pPr marL="0" indent="0">
+              <a:buNone/>
+            </a:pPr>
+            <a:r>
+              <a:rPr lang="en-GB" dirty="0"/>
+              <a:t>{								</a:t>
+            </a:r>
+            <a:r>
+              <a:rPr lang="en-GB" dirty="0">
+                <a:solidFill>
+                  <a:srgbClr val="289A00"/>
+                </a:solidFill>
+              </a:rPr>
+              <a:t>//</a:t>
+            </a:r>
+            <a:r>
+              <a:rPr lang="bg-BG" dirty="0">
+                <a:solidFill>
+                  <a:srgbClr val="289A00"/>
+                </a:solidFill>
+              </a:rPr>
+              <a:t>двойно по-голямо </a:t>
+            </a:r>
+            <a:r>
+              <a:rPr lang="en-GB" dirty="0">
+                <a:solidFill>
+                  <a:srgbClr val="289A00"/>
+                </a:solidFill>
+              </a:rPr>
+              <a:t>id</a:t>
+            </a:r>
+          </a:p>
+          <a:p>
+            <a:pPr marL="0" indent="0">
+              <a:buNone/>
+            </a:pPr>
+            <a:r>
+              <a:rPr lang="en-GB" dirty="0"/>
+              <a:t>}</a:t>
+            </a:r>
             <a:endParaRPr lang="bg-BG" dirty="0"/>
           </a:p>
           <a:p>
-            <a:r>
-              <a:rPr lang="bg-BG" dirty="0"/>
-              <a:t>В примера правим така, че новият обект да има двойно по-голямо </a:t>
-            </a:r>
-            <a:r>
-              <a:rPr lang="en-GB" dirty="0"/>
-              <a:t>id </a:t>
-            </a:r>
-            <a:r>
-              <a:rPr lang="bg-BG" dirty="0"/>
-              <a:t>от стария</a:t>
-            </a:r>
+            <a:endParaRPr lang="bg-BG" dirty="0"/>
           </a:p>
         </p:txBody>
       </p:sp>
     </p:spTree>
     <p:extLst>
       <p:ext uri="{BB962C8B-B14F-4D97-AF65-F5344CB8AC3E}">
-        <p14:creationId xmlns:p14="http://schemas.microsoft.com/office/powerpoint/2010/main" val="1190622313"/>
+        <p14:creationId xmlns:p14="http://schemas.microsoft.com/office/powerpoint/2010/main" val="339441603"/>
       </p:ext>
     </p:extLst>
   </p:cSld>
@@ -11297,7 +11459,7 @@
           <p:cNvPr id="2" name="Заглавие 1">
             <a:extLst>
               <a:ext uri="{FF2B5EF4-FFF2-40B4-BE49-F238E27FC236}">
-                <a16:creationId xmlns:a16="http://schemas.microsoft.com/office/drawing/2014/main" id="{D1AB3097-630E-40AE-B541-419E895257FA}"/>
+                <a16:creationId xmlns:a16="http://schemas.microsoft.com/office/drawing/2014/main" id="{44A10DDB-E0FA-4A26-AFBC-1D9E93B00E6A}"/>
               </a:ext>
             </a:extLst>
           </p:cNvPr>
@@ -11315,7 +11477,7 @@
           <a:p>
             <a:r>
               <a:rPr lang="bg-BG" dirty="0"/>
-              <a:t>Допълнение</a:t>
+              <a:t>Пример - пояснение</a:t>
             </a:r>
           </a:p>
         </p:txBody>
@@ -11325,7 +11487,7 @@
           <p:cNvPr id="3" name="Контейнер за съдържание 2">
             <a:extLst>
               <a:ext uri="{FF2B5EF4-FFF2-40B4-BE49-F238E27FC236}">
-                <a16:creationId xmlns:a16="http://schemas.microsoft.com/office/drawing/2014/main" id="{0E660153-2E50-4764-8BC3-1A24E8412907}"/>
+                <a16:creationId xmlns:a16="http://schemas.microsoft.com/office/drawing/2014/main" id="{90F56E57-1ED2-4D95-BE44-47041AF97812}"/>
               </a:ext>
             </a:extLst>
           </p:cNvPr>
@@ -11336,163 +11498,48 @@
             <p:ph idx="1"/>
           </p:nvPr>
         </p:nvSpPr>
-        <p:spPr>
-          <a:xfrm>
-            <a:off x="838200" y="1825625"/>
-            <a:ext cx="10866120" cy="4351338"/>
-          </a:xfrm>
-        </p:spPr>
-        <p:txBody>
-          <a:bodyPr>
-            <a:normAutofit lnSpcReduction="10000"/>
-          </a:bodyPr>
-          <a:lstStyle/>
-          <a:p>
-            <a:pPr marL="0" indent="0">
-              <a:buNone/>
-            </a:pPr>
-            <a:r>
-              <a:rPr lang="en-GB" dirty="0"/>
-              <a:t>struct Person</a:t>
-            </a:r>
-          </a:p>
-          <a:p>
-            <a:pPr marL="0" indent="0">
-              <a:buNone/>
-            </a:pPr>
-            <a:r>
-              <a:rPr lang="en-GB" dirty="0"/>
-              <a:t>{</a:t>
-            </a:r>
+        <p:spPr/>
+        <p:txBody>
+          <a:bodyPr/>
+          <a:lstStyle/>
+          <a:p>
+            <a:r>
+              <a:rPr lang="bg-BG" dirty="0"/>
+              <a:t>Този конструктор приема като параметър даден обект от същия тип и има достъп до член-данните му</a:t>
+            </a:r>
+          </a:p>
+          <a:p>
             <a:endParaRPr lang="bg-BG" dirty="0"/>
           </a:p>
           <a:p>
-            <a:pPr marL="0" indent="0">
-              <a:buNone/>
-            </a:pPr>
-            <a:r>
-              <a:rPr lang="en-GB" dirty="0"/>
-              <a:t>	Person(</a:t>
-            </a:r>
-            <a:r>
-              <a:rPr lang="en-GB" dirty="0" err="1"/>
-              <a:t>const</a:t>
-            </a:r>
-            <a:r>
-              <a:rPr lang="en-GB" dirty="0"/>
-              <a:t> Person&amp;);	</a:t>
-            </a:r>
-          </a:p>
-          <a:p>
-            <a:pPr marL="0" indent="0">
-              <a:buNone/>
-            </a:pPr>
-            <a:r>
-              <a:rPr lang="en-GB" dirty="0"/>
-              <a:t>	private:</a:t>
-            </a:r>
-          </a:p>
-          <a:p>
-            <a:pPr marL="0" indent="0">
-              <a:buNone/>
-            </a:pPr>
-            <a:r>
-              <a:rPr lang="bg-BG" dirty="0"/>
-              <a:t>	</a:t>
-            </a:r>
-            <a:r>
-              <a:rPr lang="en-GB" dirty="0"/>
-              <a:t>int id </a:t>
-            </a:r>
-            <a:r>
-              <a:rPr lang="bg-BG" dirty="0"/>
-              <a:t>=</a:t>
-            </a:r>
-            <a:r>
-              <a:rPr lang="en-GB" dirty="0"/>
-              <a:t> 0;</a:t>
-            </a:r>
-            <a:endParaRPr lang="en-GB" dirty="0">
-              <a:solidFill>
-                <a:srgbClr val="289A00"/>
-              </a:solidFill>
-            </a:endParaRPr>
-          </a:p>
-          <a:p>
-            <a:pPr marL="0" indent="0">
-              <a:buNone/>
-            </a:pPr>
-            <a:r>
-              <a:rPr lang="en-GB" dirty="0"/>
-              <a:t>};</a:t>
-            </a:r>
-          </a:p>
-          <a:p>
-            <a:pPr marL="0" indent="0">
-              <a:buNone/>
-            </a:pPr>
-            <a:r>
-              <a:rPr lang="en-GB" dirty="0"/>
-              <a:t>Person::Person(</a:t>
-            </a:r>
-            <a:r>
-              <a:rPr lang="en-GB" dirty="0" err="1"/>
-              <a:t>const</a:t>
-            </a:r>
-            <a:r>
-              <a:rPr lang="en-GB" dirty="0"/>
-              <a:t> Person&amp; old) : id(old.id</a:t>
-            </a:r>
-            <a:r>
-              <a:rPr lang="bg-BG" dirty="0"/>
-              <a:t>*2</a:t>
-            </a:r>
-            <a:r>
-              <a:rPr lang="en-GB" dirty="0"/>
-              <a:t>)</a:t>
-            </a:r>
-            <a:r>
-              <a:rPr lang="bg-BG" dirty="0"/>
-              <a:t> </a:t>
-            </a:r>
-            <a:r>
-              <a:rPr lang="en-GB" dirty="0"/>
-              <a:t>	</a:t>
-            </a:r>
-            <a:endParaRPr lang="en-GB" dirty="0">
-              <a:solidFill>
-                <a:srgbClr val="289A00"/>
-              </a:solidFill>
-            </a:endParaRPr>
-          </a:p>
-          <a:p>
-            <a:pPr marL="0" indent="0">
-              <a:buNone/>
-            </a:pPr>
-            <a:r>
-              <a:rPr lang="en-GB" dirty="0"/>
-              <a:t>{								</a:t>
-            </a:r>
-          </a:p>
-          <a:p>
-            <a:pPr marL="0" indent="0">
-              <a:buNone/>
-            </a:pPr>
-            <a:r>
-              <a:rPr lang="en-GB" dirty="0"/>
-              <a:t>}</a:t>
-            </a:r>
+            <a:r>
+              <a:rPr lang="bg-BG" dirty="0"/>
+              <a:t>Ние решаваме какво да правим, като имаме едно наум кога се използва този конструктор</a:t>
+            </a:r>
+          </a:p>
+          <a:p>
             <a:endParaRPr lang="bg-BG" dirty="0"/>
           </a:p>
           <a:p>
-            <a:endParaRPr lang="bg-BG" dirty="0"/>
+            <a:r>
+              <a:rPr lang="bg-BG" dirty="0"/>
+              <a:t>В примера правим така, че новият обект да има двойно по-голямо </a:t>
+            </a:r>
+            <a:r>
+              <a:rPr lang="en-GB" dirty="0"/>
+              <a:t>id </a:t>
+            </a:r>
+            <a:r>
+              <a:rPr lang="bg-BG" dirty="0"/>
+              <a:t>от стария</a:t>
+            </a:r>
           </a:p>
         </p:txBody>
       </p:sp>
     </p:spTree>
     <p:extLst>
       <p:ext uri="{BB962C8B-B14F-4D97-AF65-F5344CB8AC3E}">
-        <p14:creationId xmlns:p14="http://schemas.microsoft.com/office/powerpoint/2010/main" val="960442284"/>
+        <p14:creationId xmlns:p14="http://schemas.microsoft.com/office/powerpoint/2010/main" val="1190622313"/>
       </p:ext>
     </p:extLst>
   </p:cSld>
@@ -11524,7 +11571,7 @@
           <p:cNvPr id="2" name="Заглавие 1">
             <a:extLst>
               <a:ext uri="{FF2B5EF4-FFF2-40B4-BE49-F238E27FC236}">
-                <a16:creationId xmlns:a16="http://schemas.microsoft.com/office/drawing/2014/main" id="{434055F3-AC2F-4B9E-A191-F88F61585B6F}"/>
+                <a16:creationId xmlns:a16="http://schemas.microsoft.com/office/drawing/2014/main" id="{D1AB3097-630E-40AE-B541-419E895257FA}"/>
               </a:ext>
             </a:extLst>
           </p:cNvPr>
@@ -11542,7 +11589,7 @@
           <a:p>
             <a:r>
               <a:rPr lang="bg-BG" dirty="0"/>
-              <a:t>Допълнение - пояснение</a:t>
+              <a:t>Допълнение</a:t>
             </a:r>
           </a:p>
         </p:txBody>
@@ -11552,7 +11599,7 @@
           <p:cNvPr id="3" name="Контейнер за съдържание 2">
             <a:extLst>
               <a:ext uri="{FF2B5EF4-FFF2-40B4-BE49-F238E27FC236}">
-                <a16:creationId xmlns:a16="http://schemas.microsoft.com/office/drawing/2014/main" id="{26A25274-1D18-4802-87DC-B442900BB7E8}"/>
+                <a16:creationId xmlns:a16="http://schemas.microsoft.com/office/drawing/2014/main" id="{0E660153-2E50-4764-8BC3-1A24E8412907}"/>
               </a:ext>
             </a:extLst>
           </p:cNvPr>
@@ -11563,60 +11610,163 @@
             <p:ph idx="1"/>
           </p:nvPr>
         </p:nvSpPr>
-        <p:spPr/>
-        <p:txBody>
-          <a:bodyPr/>
-          <a:lstStyle/>
-          <a:p>
-            <a:r>
-              <a:rPr lang="bg-BG" dirty="0"/>
-              <a:t>Защо </a:t>
-            </a:r>
-            <a:r>
-              <a:rPr lang="en-GB" dirty="0"/>
-              <a:t>id e private </a:t>
-            </a:r>
-            <a:r>
-              <a:rPr lang="bg-BG" dirty="0"/>
-              <a:t>член-</a:t>
-            </a:r>
-            <a:r>
-              <a:rPr lang="bg-BG" dirty="0" err="1"/>
-              <a:t>данна</a:t>
-            </a:r>
-            <a:r>
-              <a:rPr lang="bg-BG" dirty="0"/>
-              <a:t>, а ние имаме достъп до нея в член-функция на друг обект?</a:t>
-            </a:r>
-          </a:p>
-          <a:p>
+        <p:spPr>
+          <a:xfrm>
+            <a:off x="838200" y="1825625"/>
+            <a:ext cx="10866120" cy="4351338"/>
+          </a:xfrm>
+        </p:spPr>
+        <p:txBody>
+          <a:bodyPr>
+            <a:normAutofit lnSpcReduction="10000"/>
+          </a:bodyPr>
+          <a:lstStyle/>
+          <a:p>
+            <a:pPr marL="0" indent="0">
+              <a:buNone/>
+            </a:pPr>
+            <a:r>
+              <a:rPr lang="en-GB" dirty="0"/>
+              <a:t>struct Person</a:t>
+            </a:r>
+          </a:p>
+          <a:p>
+            <a:pPr marL="0" indent="0">
+              <a:buNone/>
+            </a:pPr>
+            <a:r>
+              <a:rPr lang="en-GB" dirty="0"/>
+              <a:t>{</a:t>
+            </a:r>
             <a:endParaRPr lang="bg-BG" dirty="0"/>
           </a:p>
           <a:p>
-            <a:r>
-              <a:rPr lang="en-GB" dirty="0"/>
-              <a:t>Private </a:t>
-            </a:r>
-            <a:r>
-              <a:rPr lang="bg-BG" dirty="0"/>
-              <a:t>означава, че тя е видима само за класа, не за конкретен обект от дадения клас, а за всички обекти от дадения клас</a:t>
-            </a:r>
-          </a:p>
-          <a:p>
+            <a:pPr marL="0" indent="0">
+              <a:buNone/>
+            </a:pPr>
+            <a:r>
+              <a:rPr lang="en-GB" dirty="0"/>
+              <a:t>	Person(</a:t>
+            </a:r>
+            <a:r>
+              <a:rPr lang="en-GB" dirty="0" err="1"/>
+              <a:t>const</a:t>
+            </a:r>
+            <a:r>
+              <a:rPr lang="en-GB" dirty="0"/>
+              <a:t> Person&amp;);	</a:t>
+            </a:r>
+          </a:p>
+          <a:p>
+            <a:pPr marL="0" indent="0">
+              <a:buNone/>
+            </a:pPr>
+            <a:r>
+              <a:rPr lang="en-GB" dirty="0"/>
+              <a:t>	private:</a:t>
+            </a:r>
+          </a:p>
+          <a:p>
+            <a:pPr marL="0" indent="0">
+              <a:buNone/>
+            </a:pPr>
+            <a:r>
+              <a:rPr lang="bg-BG" dirty="0"/>
+              <a:t>	</a:t>
+            </a:r>
+            <a:r>
+              <a:rPr lang="en-GB" dirty="0"/>
+              <a:t>int id </a:t>
+            </a:r>
+            <a:r>
+              <a:rPr lang="bg-BG" dirty="0"/>
+              <a:t>=</a:t>
+            </a:r>
+            <a:r>
+              <a:rPr lang="en-GB" dirty="0"/>
+              <a:t> 0;</a:t>
+            </a:r>
+            <a:endParaRPr lang="en-GB" dirty="0">
+              <a:solidFill>
+                <a:srgbClr val="289A00"/>
+              </a:solidFill>
+            </a:endParaRPr>
+          </a:p>
+          <a:p>
+            <a:pPr marL="0" indent="0">
+              <a:buNone/>
+            </a:pPr>
+            <a:r>
+              <a:rPr lang="en-GB" dirty="0"/>
+              <a:t>};</a:t>
+            </a:r>
+          </a:p>
+          <a:p>
+            <a:pPr marL="0" indent="0">
+              <a:buNone/>
+            </a:pPr>
+            <a:r>
+              <a:rPr lang="en-GB" dirty="0"/>
+              <a:t>Person::Person(</a:t>
+            </a:r>
+            <a:r>
+              <a:rPr lang="en-GB" dirty="0" err="1"/>
+              <a:t>const</a:t>
+            </a:r>
+            <a:r>
+              <a:rPr lang="en-GB" dirty="0"/>
+              <a:t> Person&amp; old) : id(old.id</a:t>
+            </a:r>
+            <a:r>
+              <a:rPr lang="bg-BG" dirty="0"/>
+              <a:t>*2</a:t>
+            </a:r>
+            <a:r>
+              <a:rPr lang="en-GB" dirty="0"/>
+              <a:t>)</a:t>
+            </a:r>
+            <a:r>
+              <a:rPr lang="bg-BG" dirty="0"/>
+              <a:t> </a:t>
+            </a:r>
+            <a:r>
+              <a:rPr lang="en-GB" dirty="0"/>
+              <a:t>	</a:t>
+            </a:r>
+            <a:endParaRPr lang="en-GB" dirty="0">
+              <a:solidFill>
+                <a:srgbClr val="289A00"/>
+              </a:solidFill>
+            </a:endParaRPr>
+          </a:p>
+          <a:p>
+            <a:pPr marL="0" indent="0">
+              <a:buNone/>
+            </a:pPr>
+            <a:r>
+              <a:rPr lang="en-GB" dirty="0"/>
+              <a:t>{								</a:t>
+            </a:r>
+          </a:p>
+          <a:p>
+            <a:pPr marL="0" indent="0">
+              <a:buNone/>
+            </a:pPr>
+            <a:r>
+              <a:rPr lang="en-GB" dirty="0"/>
+              <a:t>}</a:t>
+            </a:r>
             <a:endParaRPr lang="bg-BG" dirty="0"/>
           </a:p>
           <a:p>
-            <a:r>
-              <a:rPr lang="bg-BG" dirty="0"/>
-              <a:t>Затова, макар и да са два различни обекта, новият и старият са от един и същ тип и затова имат достъп до член-данните един на друг</a:t>
-            </a:r>
+            <a:endParaRPr lang="bg-BG" dirty="0"/>
           </a:p>
         </p:txBody>
       </p:sp>
     </p:spTree>
     <p:extLst>
       <p:ext uri="{BB962C8B-B14F-4D97-AF65-F5344CB8AC3E}">
-        <p14:creationId xmlns:p14="http://schemas.microsoft.com/office/powerpoint/2010/main" val="4175895750"/>
+        <p14:creationId xmlns:p14="http://schemas.microsoft.com/office/powerpoint/2010/main" val="960442284"/>
       </p:ext>
     </p:extLst>
   </p:cSld>
@@ -11648,7 +11798,7 @@
           <p:cNvPr id="2" name="Заглавие 1">
             <a:extLst>
               <a:ext uri="{FF2B5EF4-FFF2-40B4-BE49-F238E27FC236}">
-                <a16:creationId xmlns:a16="http://schemas.microsoft.com/office/drawing/2014/main" id="{49C15088-BCBB-479D-84BC-73E295CBEE4D}"/>
+                <a16:creationId xmlns:a16="http://schemas.microsoft.com/office/drawing/2014/main" id="{434055F3-AC2F-4B9E-A191-F88F61585B6F}"/>
               </a:ext>
             </a:extLst>
           </p:cNvPr>
@@ -11666,7 +11816,7 @@
           <a:p>
             <a:r>
               <a:rPr lang="bg-BG" dirty="0"/>
-              <a:t>Пример</a:t>
+              <a:t>Допълнение - пояснение</a:t>
             </a:r>
           </a:p>
         </p:txBody>
@@ -11676,7 +11826,7 @@
           <p:cNvPr id="3" name="Контейнер за съдържание 2">
             <a:extLst>
               <a:ext uri="{FF2B5EF4-FFF2-40B4-BE49-F238E27FC236}">
-                <a16:creationId xmlns:a16="http://schemas.microsoft.com/office/drawing/2014/main" id="{D66AA83B-1EE8-4254-B0E7-679C82D530DE}"/>
+                <a16:creationId xmlns:a16="http://schemas.microsoft.com/office/drawing/2014/main" id="{26A25274-1D18-4802-87DC-B442900BB7E8}"/>
               </a:ext>
             </a:extLst>
           </p:cNvPr>
@@ -11687,215 +11837,60 @@
             <p:ph idx="1"/>
           </p:nvPr>
         </p:nvSpPr>
-        <p:spPr>
-          <a:xfrm>
-            <a:off x="397411" y="1477107"/>
-            <a:ext cx="11794589" cy="5873261"/>
-          </a:xfrm>
-        </p:spPr>
-        <p:txBody>
-          <a:bodyPr>
-            <a:normAutofit/>
-          </a:bodyPr>
-          <a:lstStyle/>
-          <a:p>
-            <a:pPr marL="0" indent="0">
-              <a:buNone/>
-            </a:pPr>
-            <a:r>
-              <a:rPr lang="en-GB" sz="2400" dirty="0"/>
-              <a:t>struct Person{</a:t>
-            </a:r>
-          </a:p>
-          <a:p>
-            <a:pPr marL="0" indent="0">
-              <a:buNone/>
-            </a:pPr>
-            <a:r>
-              <a:rPr lang="en-GB" sz="2400" dirty="0"/>
-              <a:t>	Person();</a:t>
-            </a:r>
-            <a:endParaRPr lang="bg-BG" sz="2400" dirty="0"/>
-          </a:p>
-          <a:p>
-            <a:pPr marL="0" indent="0">
-              <a:buNone/>
-            </a:pPr>
-            <a:r>
-              <a:rPr lang="en-GB" sz="2400" dirty="0"/>
-              <a:t>	Person(</a:t>
-            </a:r>
-            <a:r>
-              <a:rPr lang="en-GB" sz="2400" dirty="0" err="1"/>
-              <a:t>const</a:t>
-            </a:r>
-            <a:r>
-              <a:rPr lang="en-GB" sz="2400" dirty="0"/>
-              <a:t> Person&amp;);	</a:t>
-            </a:r>
-          </a:p>
-          <a:p>
-            <a:pPr marL="0" indent="0">
-              <a:buNone/>
-            </a:pPr>
-            <a:r>
-              <a:rPr lang="en-GB" sz="2400" dirty="0"/>
-              <a:t>	private:</a:t>
-            </a:r>
-          </a:p>
-          <a:p>
-            <a:pPr marL="0" indent="0">
-              <a:buNone/>
-            </a:pPr>
-            <a:r>
-              <a:rPr lang="bg-BG" sz="2400" dirty="0"/>
-              <a:t>	</a:t>
-            </a:r>
-            <a:r>
-              <a:rPr lang="en-GB" sz="2400" dirty="0"/>
-              <a:t>int id </a:t>
-            </a:r>
-            <a:r>
-              <a:rPr lang="bg-BG" sz="2400" dirty="0"/>
-              <a:t>=</a:t>
-            </a:r>
-            <a:r>
-              <a:rPr lang="en-GB" sz="2400" dirty="0"/>
-              <a:t> 0;</a:t>
-            </a:r>
-            <a:endParaRPr lang="en-GB" sz="2400" dirty="0">
-              <a:solidFill>
-                <a:srgbClr val="289A00"/>
-              </a:solidFill>
-            </a:endParaRPr>
-          </a:p>
-          <a:p>
-            <a:pPr marL="0" indent="0">
-              <a:buNone/>
-            </a:pPr>
-            <a:r>
-              <a:rPr lang="en-GB" sz="2400" dirty="0"/>
-              <a:t>};</a:t>
-            </a:r>
-          </a:p>
-          <a:p>
-            <a:pPr marL="0" indent="0">
-              <a:buNone/>
-            </a:pPr>
-            <a:r>
-              <a:rPr lang="en-GB" sz="2400" dirty="0"/>
-              <a:t>Person::Person(</a:t>
-            </a:r>
-            <a:r>
-              <a:rPr lang="en-GB" sz="2400" dirty="0" err="1"/>
-              <a:t>const</a:t>
-            </a:r>
-            <a:r>
-              <a:rPr lang="en-GB" sz="2400" dirty="0"/>
-              <a:t> Person&amp; old) : id(old.id</a:t>
-            </a:r>
-            <a:r>
-              <a:rPr lang="bg-BG" sz="2400" dirty="0"/>
-              <a:t>*2</a:t>
-            </a:r>
-            <a:r>
-              <a:rPr lang="en-GB" sz="2400" dirty="0"/>
-              <a:t>)</a:t>
-            </a:r>
-            <a:r>
-              <a:rPr lang="bg-BG" sz="2400" dirty="0"/>
-              <a:t> </a:t>
-            </a:r>
-            <a:r>
-              <a:rPr lang="en-GB" sz="2400" dirty="0"/>
-              <a:t>{}</a:t>
-            </a:r>
-            <a:endParaRPr lang="en-GB" sz="2400" dirty="0">
-              <a:solidFill>
-                <a:srgbClr val="289A00"/>
-              </a:solidFill>
-            </a:endParaRPr>
-          </a:p>
-          <a:p>
-            <a:pPr marL="0" indent="0">
-              <a:buNone/>
-            </a:pPr>
-            <a:r>
-              <a:rPr lang="en-GB" sz="2400" dirty="0"/>
-              <a:t>Person Hans(){</a:t>
-            </a:r>
-          </a:p>
-          <a:p>
-            <a:pPr marL="0" indent="0">
-              <a:buNone/>
-            </a:pPr>
-            <a:r>
-              <a:rPr lang="en-GB" sz="2400" dirty="0"/>
-              <a:t>	Person </a:t>
-            </a:r>
-            <a:r>
-              <a:rPr lang="en-GB" sz="2400" dirty="0" err="1"/>
-              <a:t>Papi</a:t>
-            </a:r>
-            <a:r>
-              <a:rPr lang="en-GB" sz="2400" dirty="0"/>
-              <a:t>;</a:t>
-            </a:r>
-          </a:p>
-          <a:p>
-            <a:pPr marL="0" indent="0">
-              <a:buNone/>
-            </a:pPr>
-            <a:r>
-              <a:rPr lang="en-GB" sz="2400" dirty="0"/>
-              <a:t>	return </a:t>
-            </a:r>
-            <a:r>
-              <a:rPr lang="en-GB" sz="2400" dirty="0" err="1"/>
-              <a:t>Papi</a:t>
-            </a:r>
-            <a:r>
-              <a:rPr lang="en-GB" sz="2400" dirty="0"/>
-              <a:t>; 	</a:t>
-            </a:r>
-            <a:r>
-              <a:rPr lang="en-GB" sz="2400" dirty="0">
-                <a:solidFill>
-                  <a:srgbClr val="289A00"/>
-                </a:solidFill>
-              </a:rPr>
-              <a:t>//</a:t>
-            </a:r>
-            <a:r>
-              <a:rPr lang="bg-BG" sz="2400" dirty="0">
-                <a:solidFill>
-                  <a:srgbClr val="289A00"/>
-                </a:solidFill>
-              </a:rPr>
-              <a:t>ще се върне нов временен обект, построен с копи конструктора</a:t>
-            </a:r>
-            <a:endParaRPr lang="en-GB" sz="2400" dirty="0">
-              <a:solidFill>
-                <a:srgbClr val="289A00"/>
-              </a:solidFill>
-            </a:endParaRPr>
-          </a:p>
-          <a:p>
-            <a:pPr marL="0" indent="0">
-              <a:buNone/>
-            </a:pPr>
-            <a:r>
-              <a:rPr lang="en-GB" sz="2400" dirty="0"/>
-              <a:t>}</a:t>
-            </a:r>
-            <a:endParaRPr lang="bg-BG" sz="2400" dirty="0"/>
+        <p:spPr/>
+        <p:txBody>
+          <a:bodyPr/>
+          <a:lstStyle/>
+          <a:p>
+            <a:r>
+              <a:rPr lang="bg-BG" dirty="0"/>
+              <a:t>Защо </a:t>
+            </a:r>
+            <a:r>
+              <a:rPr lang="en-GB" dirty="0"/>
+              <a:t>id e private </a:t>
+            </a:r>
+            <a:r>
+              <a:rPr lang="bg-BG" dirty="0"/>
+              <a:t>член-</a:t>
+            </a:r>
+            <a:r>
+              <a:rPr lang="bg-BG" dirty="0" err="1"/>
+              <a:t>данна</a:t>
+            </a:r>
+            <a:r>
+              <a:rPr lang="bg-BG" dirty="0"/>
+              <a:t>, а ние имаме достъп до нея в член-функция на друг обект?</a:t>
+            </a:r>
+          </a:p>
+          <a:p>
+            <a:endParaRPr lang="bg-BG" dirty="0"/>
+          </a:p>
+          <a:p>
+            <a:r>
+              <a:rPr lang="en-GB" dirty="0"/>
+              <a:t>Private </a:t>
+            </a:r>
+            <a:r>
+              <a:rPr lang="bg-BG" dirty="0"/>
+              <a:t>означава, че тя е видима само за класа, не за конкретен обект от дадения клас, а за всички обекти от дадения клас</a:t>
+            </a:r>
+          </a:p>
+          <a:p>
+            <a:endParaRPr lang="bg-BG" dirty="0"/>
+          </a:p>
+          <a:p>
+            <a:r>
+              <a:rPr lang="bg-BG" dirty="0"/>
+              <a:t>Затова, макар и да са два различни обекта, новият и старият са от един и същ тип и затова имат достъп до член-данните един на друг</a:t>
+            </a:r>
           </a:p>
         </p:txBody>
       </p:sp>
     </p:spTree>
     <p:extLst>
       <p:ext uri="{BB962C8B-B14F-4D97-AF65-F5344CB8AC3E}">
-        <p14:creationId xmlns:p14="http://schemas.microsoft.com/office/powerpoint/2010/main" val="3838681729"/>
+        <p14:creationId xmlns:p14="http://schemas.microsoft.com/office/powerpoint/2010/main" val="4175895750"/>
       </p:ext>
     </p:extLst>
   </p:cSld>
@@ -11983,16 +11978,7 @@
             </a:pPr>
             <a:r>
               <a:rPr lang="en-GB" sz="2400" dirty="0"/>
-              <a:t>struct Person</a:t>
-            </a:r>
-          </a:p>
-          <a:p>
-            <a:pPr marL="0" indent="0">
-              <a:buNone/>
-            </a:pPr>
-            <a:r>
-              <a:rPr lang="en-GB" sz="2400" dirty="0"/>
-              <a:t>{</a:t>
+              <a:t>struct Person{</a:t>
             </a:r>
           </a:p>
           <a:p>
@@ -12110,11 +12096,41 @@
             </a:pPr>
             <a:r>
               <a:rPr lang="en-GB" sz="2400" dirty="0"/>
-              <a:t>void Tom(Person Hanks)	</a:t>
-            </a:r>
-            <a:r>
-              <a:rPr lang="bg-BG" sz="2400" dirty="0"/>
-              <a:t>	</a:t>
+              <a:t>Person Hans(){</a:t>
+            </a:r>
+          </a:p>
+          <a:p>
+            <a:pPr marL="0" indent="0">
+              <a:buNone/>
+            </a:pPr>
+            <a:r>
+              <a:rPr lang="en-GB" sz="2400" dirty="0"/>
+              <a:t>	Person </a:t>
+            </a:r>
+            <a:r>
+              <a:rPr lang="en-GB" sz="2400" dirty="0" err="1"/>
+              <a:t>Papi</a:t>
+            </a:r>
+            <a:r>
+              <a:rPr lang="en-GB" sz="2400" dirty="0"/>
+              <a:t>;</a:t>
+            </a:r>
+          </a:p>
+          <a:p>
+            <a:pPr marL="0" indent="0">
+              <a:buNone/>
+            </a:pPr>
+            <a:r>
+              <a:rPr lang="en-GB" sz="2400" dirty="0"/>
+              <a:t>	return </a:t>
+            </a:r>
+            <a:r>
+              <a:rPr lang="en-GB" sz="2400" dirty="0" err="1"/>
+              <a:t>Papi</a:t>
+            </a:r>
+            <a:r>
+              <a:rPr lang="en-GB" sz="2400" dirty="0"/>
+              <a:t>; 	</a:t>
             </a:r>
             <a:r>
               <a:rPr lang="en-GB" sz="2400" dirty="0">
@@ -12122,7 +12138,7 @@
                   <a:srgbClr val="289A00"/>
                 </a:solidFill>
               </a:rPr>
-              <a:t>//Hanks </a:t>
+              <a:t>//</a:t>
             </a:r>
             <a:r>
               <a:rPr lang="bg-BG" sz="2400" dirty="0">
@@ -12130,18 +12146,13 @@
                   <a:srgbClr val="289A00"/>
                 </a:solidFill>
               </a:rPr>
-              <a:t>ще се построи чрез копи конструктор</a:t>
-            </a:r>
-          </a:p>
-          <a:p>
-            <a:pPr marL="0" indent="0">
-              <a:buNone/>
-            </a:pPr>
-            <a:r>
-              <a:rPr lang="en-GB" sz="2400" dirty="0"/>
-              <a:t>{				</a:t>
-            </a:r>
-            <a:endParaRPr lang="bg-BG" sz="2400" dirty="0"/>
+              <a:t>ще се върне нов временен обект, построен с копи конструктора</a:t>
+            </a:r>
+            <a:endParaRPr lang="en-GB" sz="2400" dirty="0">
+              <a:solidFill>
+                <a:srgbClr val="289A00"/>
+              </a:solidFill>
+            </a:endParaRPr>
           </a:p>
           <a:p>
             <a:pPr marL="0" indent="0">
@@ -12158,7 +12169,7 @@
     </p:spTree>
     <p:extLst>
       <p:ext uri="{BB962C8B-B14F-4D97-AF65-F5344CB8AC3E}">
-        <p14:creationId xmlns:p14="http://schemas.microsoft.com/office/powerpoint/2010/main" val="3515976644"/>
+        <p14:creationId xmlns:p14="http://schemas.microsoft.com/office/powerpoint/2010/main" val="3838681729"/>
       </p:ext>
     </p:extLst>
   </p:cSld>
@@ -12349,7 +12360,7 @@
           <p:cNvPr id="2" name="Заглавие 1">
             <a:extLst>
               <a:ext uri="{FF2B5EF4-FFF2-40B4-BE49-F238E27FC236}">
-                <a16:creationId xmlns:a16="http://schemas.microsoft.com/office/drawing/2014/main" id="{D17B426D-4940-46C4-9BB7-E4B0B265A8F7}"/>
+                <a16:creationId xmlns:a16="http://schemas.microsoft.com/office/drawing/2014/main" id="{49C15088-BCBB-479D-84BC-73E295CBEE4D}"/>
               </a:ext>
             </a:extLst>
           </p:cNvPr>
@@ -12367,7 +12378,7 @@
           <a:p>
             <a:r>
               <a:rPr lang="bg-BG" dirty="0"/>
-              <a:t>Конструктори за преобразуване на тип</a:t>
+              <a:t>Пример</a:t>
             </a:r>
           </a:p>
         </p:txBody>
@@ -12377,7 +12388,7 @@
           <p:cNvPr id="3" name="Контейнер за съдържание 2">
             <a:extLst>
               <a:ext uri="{FF2B5EF4-FFF2-40B4-BE49-F238E27FC236}">
-                <a16:creationId xmlns:a16="http://schemas.microsoft.com/office/drawing/2014/main" id="{EDE38F78-900F-4C49-989C-A6F452C0E7C8}"/>
+                <a16:creationId xmlns:a16="http://schemas.microsoft.com/office/drawing/2014/main" id="{D66AA83B-1EE8-4254-B0E7-679C82D530DE}"/>
               </a:ext>
             </a:extLst>
           </p:cNvPr>
@@ -12388,70 +12399,199 @@
             <p:ph idx="1"/>
           </p:nvPr>
         </p:nvSpPr>
-        <p:spPr/>
+        <p:spPr>
+          <a:xfrm>
+            <a:off x="397411" y="1477107"/>
+            <a:ext cx="11794589" cy="5873261"/>
+          </a:xfrm>
+        </p:spPr>
         <p:txBody>
           <a:bodyPr>
             <a:normAutofit/>
           </a:bodyPr>
           <a:lstStyle/>
           <a:p>
-            <a:r>
-              <a:rPr lang="bg-BG" dirty="0"/>
-              <a:t>Конструкторите с точно един параметър са специални &lt;име-на-клас&gt;(&lt;тип-за-преобразуване&gt;) </a:t>
-            </a:r>
-            <a:endParaRPr lang="en-GB" dirty="0"/>
-          </a:p>
-          <a:p>
-            <a:endParaRPr lang="en-GB" dirty="0"/>
-          </a:p>
-          <a:p>
-            <a:r>
-              <a:rPr lang="bg-BG" dirty="0"/>
-              <a:t>Задават правило за конструиране на обект от класа по обект от друг клас, или от стойност от вграден тип </a:t>
-            </a:r>
-            <a:endParaRPr lang="en-GB" dirty="0"/>
-          </a:p>
-          <a:p>
-            <a:endParaRPr lang="en-GB" dirty="0"/>
-          </a:p>
-          <a:p>
-            <a:r>
-              <a:rPr lang="bg-BG" dirty="0"/>
-              <a:t>Навсякъде, където се очаква обект от клас </a:t>
-            </a:r>
-            <a:r>
-              <a:rPr lang="en-GB" dirty="0"/>
-              <a:t>A, </a:t>
-            </a:r>
-            <a:r>
-              <a:rPr lang="bg-BG" dirty="0"/>
-              <a:t>но се подава стойност от тип </a:t>
-            </a:r>
-            <a:r>
-              <a:rPr lang="en-GB" dirty="0"/>
-              <a:t>B, C++ </a:t>
-            </a:r>
-            <a:r>
-              <a:rPr lang="bg-BG" dirty="0"/>
-              <a:t>се опитва да използва конструктор за преобразуване на тип от вида </a:t>
-            </a:r>
-            <a:r>
-              <a:rPr lang="en-GB" dirty="0"/>
-              <a:t>A(B) </a:t>
-            </a:r>
-          </a:p>
-          <a:p>
-            <a:endParaRPr lang="bg-BG" dirty="0"/>
-          </a:p>
-          <a:p>
-            <a:endParaRPr lang="bg-BG" dirty="0"/>
+            <a:pPr marL="0" indent="0">
+              <a:buNone/>
+            </a:pPr>
+            <a:r>
+              <a:rPr lang="en-GB" sz="2400" dirty="0"/>
+              <a:t>struct Person</a:t>
+            </a:r>
+          </a:p>
+          <a:p>
+            <a:pPr marL="0" indent="0">
+              <a:buNone/>
+            </a:pPr>
+            <a:r>
+              <a:rPr lang="en-GB" sz="2400" dirty="0"/>
+              <a:t>{</a:t>
+            </a:r>
+          </a:p>
+          <a:p>
+            <a:pPr marL="0" indent="0">
+              <a:buNone/>
+            </a:pPr>
+            <a:r>
+              <a:rPr lang="en-GB" sz="2400" dirty="0"/>
+              <a:t>	Person();</a:t>
+            </a:r>
+            <a:endParaRPr lang="bg-BG" sz="2400" dirty="0"/>
+          </a:p>
+          <a:p>
+            <a:pPr marL="0" indent="0">
+              <a:buNone/>
+            </a:pPr>
+            <a:r>
+              <a:rPr lang="en-GB" sz="2400" dirty="0"/>
+              <a:t>	Person(</a:t>
+            </a:r>
+            <a:r>
+              <a:rPr lang="en-GB" sz="2400" dirty="0" err="1"/>
+              <a:t>const</a:t>
+            </a:r>
+            <a:r>
+              <a:rPr lang="en-GB" sz="2400" dirty="0"/>
+              <a:t> Person&amp;);	</a:t>
+            </a:r>
+          </a:p>
+          <a:p>
+            <a:pPr marL="0" indent="0">
+              <a:buNone/>
+            </a:pPr>
+            <a:r>
+              <a:rPr lang="en-GB" sz="2400" dirty="0"/>
+              <a:t>	private:</a:t>
+            </a:r>
+          </a:p>
+          <a:p>
+            <a:pPr marL="0" indent="0">
+              <a:buNone/>
+            </a:pPr>
+            <a:r>
+              <a:rPr lang="bg-BG" sz="2400" dirty="0"/>
+              <a:t>	</a:t>
+            </a:r>
+            <a:r>
+              <a:rPr lang="en-GB" sz="2400" dirty="0"/>
+              <a:t>int id </a:t>
+            </a:r>
+            <a:r>
+              <a:rPr lang="bg-BG" sz="2400" dirty="0"/>
+              <a:t>=</a:t>
+            </a:r>
+            <a:r>
+              <a:rPr lang="en-GB" sz="2400" dirty="0"/>
+              <a:t> 0;</a:t>
+            </a:r>
+            <a:endParaRPr lang="en-GB" sz="2400" dirty="0">
+              <a:solidFill>
+                <a:srgbClr val="289A00"/>
+              </a:solidFill>
+            </a:endParaRPr>
+          </a:p>
+          <a:p>
+            <a:pPr marL="0" indent="0">
+              <a:buNone/>
+            </a:pPr>
+            <a:r>
+              <a:rPr lang="en-GB" sz="2400" dirty="0"/>
+              <a:t>};</a:t>
+            </a:r>
+          </a:p>
+          <a:p>
+            <a:pPr marL="0" indent="0">
+              <a:buNone/>
+            </a:pPr>
+            <a:r>
+              <a:rPr lang="en-GB" sz="2400" dirty="0"/>
+              <a:t>Person::Person(</a:t>
+            </a:r>
+            <a:r>
+              <a:rPr lang="en-GB" sz="2400" dirty="0" err="1"/>
+              <a:t>const</a:t>
+            </a:r>
+            <a:r>
+              <a:rPr lang="en-GB" sz="2400" dirty="0"/>
+              <a:t> Person&amp; old) : id(old.id</a:t>
+            </a:r>
+            <a:r>
+              <a:rPr lang="bg-BG" sz="2400" dirty="0"/>
+              <a:t>*2</a:t>
+            </a:r>
+            <a:r>
+              <a:rPr lang="en-GB" sz="2400" dirty="0"/>
+              <a:t>)</a:t>
+            </a:r>
+            <a:r>
+              <a:rPr lang="bg-BG" sz="2400" dirty="0"/>
+              <a:t> </a:t>
+            </a:r>
+            <a:r>
+              <a:rPr lang="en-GB" sz="2400" dirty="0"/>
+              <a:t>{}</a:t>
+            </a:r>
+            <a:endParaRPr lang="en-GB" sz="2400" dirty="0">
+              <a:solidFill>
+                <a:srgbClr val="289A00"/>
+              </a:solidFill>
+            </a:endParaRPr>
+          </a:p>
+          <a:p>
+            <a:pPr marL="0" indent="0">
+              <a:buNone/>
+            </a:pPr>
+            <a:r>
+              <a:rPr lang="en-GB" sz="2400" dirty="0"/>
+              <a:t>void Tom(Person Hanks)	</a:t>
+            </a:r>
+            <a:r>
+              <a:rPr lang="bg-BG" sz="2400" dirty="0"/>
+              <a:t>	</a:t>
+            </a:r>
+            <a:r>
+              <a:rPr lang="en-GB" sz="2400" dirty="0">
+                <a:solidFill>
+                  <a:srgbClr val="289A00"/>
+                </a:solidFill>
+              </a:rPr>
+              <a:t>//Hanks </a:t>
+            </a:r>
+            <a:r>
+              <a:rPr lang="bg-BG" sz="2400" dirty="0">
+                <a:solidFill>
+                  <a:srgbClr val="289A00"/>
+                </a:solidFill>
+              </a:rPr>
+              <a:t>ще се построи чрез копи конструктор</a:t>
+            </a:r>
+          </a:p>
+          <a:p>
+            <a:pPr marL="0" indent="0">
+              <a:buNone/>
+            </a:pPr>
+            <a:r>
+              <a:rPr lang="en-GB" sz="2400" dirty="0"/>
+              <a:t>{				</a:t>
+            </a:r>
+            <a:endParaRPr lang="bg-BG" sz="2400" dirty="0"/>
+          </a:p>
+          <a:p>
+            <a:pPr marL="0" indent="0">
+              <a:buNone/>
+            </a:pPr>
+            <a:r>
+              <a:rPr lang="en-GB" sz="2400" dirty="0"/>
+              <a:t>}</a:t>
+            </a:r>
+            <a:endParaRPr lang="bg-BG" sz="2400" dirty="0"/>
           </a:p>
         </p:txBody>
       </p:sp>
     </p:spTree>
     <p:extLst>
       <p:ext uri="{BB962C8B-B14F-4D97-AF65-F5344CB8AC3E}">
-        <p14:creationId xmlns:p14="http://schemas.microsoft.com/office/powerpoint/2010/main" val="2012442251"/>
+        <p14:creationId xmlns:p14="http://schemas.microsoft.com/office/powerpoint/2010/main" val="3515976644"/>
       </p:ext>
     </p:extLst>
   </p:cSld>
@@ -12483,7 +12623,7 @@
           <p:cNvPr id="2" name="Заглавие 1">
             <a:extLst>
               <a:ext uri="{FF2B5EF4-FFF2-40B4-BE49-F238E27FC236}">
-                <a16:creationId xmlns:a16="http://schemas.microsoft.com/office/drawing/2014/main" id="{19DBF937-D246-4AE7-8DF3-4356D695779C}"/>
+                <a16:creationId xmlns:a16="http://schemas.microsoft.com/office/drawing/2014/main" id="{D17B426D-4940-46C4-9BB7-E4B0B265A8F7}"/>
               </a:ext>
             </a:extLst>
           </p:cNvPr>
@@ -12501,7 +12641,7 @@
           <a:p>
             <a:r>
               <a:rPr lang="bg-BG" dirty="0"/>
-              <a:t>Пример</a:t>
+              <a:t>Конструктори за преобразуване на тип</a:t>
             </a:r>
           </a:p>
         </p:txBody>
@@ -12511,7 +12651,7 @@
           <p:cNvPr id="3" name="Контейнер за съдържание 2">
             <a:extLst>
               <a:ext uri="{FF2B5EF4-FFF2-40B4-BE49-F238E27FC236}">
-                <a16:creationId xmlns:a16="http://schemas.microsoft.com/office/drawing/2014/main" id="{675B2A74-0B91-438E-A087-7B35CAA43465}"/>
+                <a16:creationId xmlns:a16="http://schemas.microsoft.com/office/drawing/2014/main" id="{EDE38F78-900F-4C49-989C-A6F452C0E7C8}"/>
               </a:ext>
             </a:extLst>
           </p:cNvPr>
@@ -12524,123 +12664,68 @@
         </p:nvSpPr>
         <p:spPr/>
         <p:txBody>
-          <a:bodyPr/>
-          <a:lstStyle/>
-          <a:p>
-            <a:pPr marL="0" indent="0">
-              <a:buNone/>
-            </a:pPr>
-            <a:r>
-              <a:rPr lang="en-GB" dirty="0"/>
-              <a:t>struct Person</a:t>
-            </a:r>
-          </a:p>
-          <a:p>
-            <a:pPr marL="0" indent="0">
-              <a:buNone/>
-            </a:pPr>
-            <a:r>
-              <a:rPr lang="en-GB" dirty="0"/>
-              <a:t>{</a:t>
-            </a:r>
-          </a:p>
-          <a:p>
-            <a:pPr marL="457200" lvl="1" indent="0">
-              <a:buNone/>
-            </a:pPr>
-            <a:r>
-              <a:rPr lang="en-GB" dirty="0"/>
-              <a:t>Person(</a:t>
-            </a:r>
-            <a:r>
-              <a:rPr lang="en-GB" dirty="0" err="1"/>
-              <a:t>const</a:t>
-            </a:r>
-            <a:r>
-              <a:rPr lang="en-GB" dirty="0"/>
-              <a:t> int);</a:t>
-            </a:r>
-          </a:p>
-          <a:p>
-            <a:pPr marL="0" indent="0">
-              <a:buNone/>
-            </a:pPr>
-            <a:r>
-              <a:rPr lang="en-GB" dirty="0"/>
-              <a:t>};</a:t>
-            </a:r>
-          </a:p>
-          <a:p>
-            <a:pPr marL="0" indent="0">
-              <a:buNone/>
-            </a:pPr>
-            <a:r>
-              <a:rPr lang="en-GB" dirty="0"/>
-              <a:t>…..</a:t>
-            </a:r>
-          </a:p>
-          <a:p>
-            <a:pPr marL="0" indent="0">
-              <a:buNone/>
-            </a:pPr>
-            <a:r>
-              <a:rPr lang="en-GB" dirty="0"/>
-              <a:t>void foo (Person);</a:t>
-            </a:r>
-          </a:p>
-          <a:p>
-            <a:pPr marL="0" indent="0">
-              <a:buNone/>
-            </a:pPr>
-            <a:r>
-              <a:rPr lang="en-GB" dirty="0"/>
-              <a:t>…..</a:t>
-            </a:r>
-          </a:p>
-          <a:p>
-            <a:pPr marL="0" indent="0">
-              <a:buNone/>
-            </a:pPr>
-            <a:r>
-              <a:rPr lang="en-GB" dirty="0"/>
-              <a:t>foo(5) 		</a:t>
-            </a:r>
-            <a:r>
-              <a:rPr lang="en-GB" dirty="0">
-                <a:solidFill>
-                  <a:srgbClr val="289A00"/>
-                </a:solidFill>
-              </a:rPr>
-              <a:t>//</a:t>
-            </a:r>
-            <a:r>
-              <a:rPr lang="bg-BG" dirty="0">
-                <a:solidFill>
-                  <a:srgbClr val="289A00"/>
-                </a:solidFill>
-              </a:rPr>
-              <a:t>ще се сведе до </a:t>
-            </a:r>
-            <a:r>
-              <a:rPr lang="en-GB" dirty="0">
-                <a:solidFill>
-                  <a:srgbClr val="289A00"/>
-                </a:solidFill>
-              </a:rPr>
-              <a:t>foo(Person(5))</a:t>
-            </a:r>
-            <a:endParaRPr lang="bg-BG" dirty="0">
-              <a:solidFill>
-                <a:srgbClr val="289A00"/>
-              </a:solidFill>
-            </a:endParaRPr>
+          <a:bodyPr>
+            <a:normAutofit/>
+          </a:bodyPr>
+          <a:lstStyle/>
+          <a:p>
+            <a:r>
+              <a:rPr lang="bg-BG" dirty="0"/>
+              <a:t>Конструкторите с точно един параметър са специални &lt;име-на-клас&gt;(&lt;тип-за-преобразуване&gt;) </a:t>
+            </a:r>
+            <a:endParaRPr lang="en-GB" dirty="0"/>
+          </a:p>
+          <a:p>
+            <a:endParaRPr lang="en-GB" dirty="0"/>
+          </a:p>
+          <a:p>
+            <a:r>
+              <a:rPr lang="bg-BG" dirty="0"/>
+              <a:t>Задават правило за конструиране на обект от класа по обект от друг клас, или от стойност от вграден тип </a:t>
+            </a:r>
+            <a:endParaRPr lang="en-GB" dirty="0"/>
+          </a:p>
+          <a:p>
+            <a:endParaRPr lang="en-GB" dirty="0"/>
+          </a:p>
+          <a:p>
+            <a:r>
+              <a:rPr lang="bg-BG" dirty="0"/>
+              <a:t>Навсякъде, където се очаква обект от клас </a:t>
+            </a:r>
+            <a:r>
+              <a:rPr lang="en-GB" dirty="0"/>
+              <a:t>A, </a:t>
+            </a:r>
+            <a:r>
+              <a:rPr lang="bg-BG" dirty="0"/>
+              <a:t>но се подава стойност от тип </a:t>
+            </a:r>
+            <a:r>
+              <a:rPr lang="en-GB" dirty="0"/>
+              <a:t>B, C++ </a:t>
+            </a:r>
+            <a:r>
+              <a:rPr lang="bg-BG" dirty="0"/>
+              <a:t>се опитва да използва конструктор за преобразуване на тип от вида </a:t>
+            </a:r>
+            <a:r>
+              <a:rPr lang="en-GB" dirty="0"/>
+              <a:t>A(B) </a:t>
+            </a:r>
+          </a:p>
+          <a:p>
+            <a:endParaRPr lang="bg-BG" dirty="0"/>
+          </a:p>
+          <a:p>
+            <a:endParaRPr lang="bg-BG" dirty="0"/>
           </a:p>
         </p:txBody>
       </p:sp>
     </p:spTree>
     <p:extLst>
       <p:ext uri="{BB962C8B-B14F-4D97-AF65-F5344CB8AC3E}">
-        <p14:creationId xmlns:p14="http://schemas.microsoft.com/office/powerpoint/2010/main" val="1367403880"/>
+        <p14:creationId xmlns:p14="http://schemas.microsoft.com/office/powerpoint/2010/main" val="2012442251"/>
       </p:ext>
     </p:extLst>
   </p:cSld>
@@ -12672,7 +12757,7 @@
           <p:cNvPr id="2" name="Заглавие 1">
             <a:extLst>
               <a:ext uri="{FF2B5EF4-FFF2-40B4-BE49-F238E27FC236}">
-                <a16:creationId xmlns:a16="http://schemas.microsoft.com/office/drawing/2014/main" id="{41E5E8D8-369D-4C00-AD56-F65781B9D298}"/>
+                <a16:creationId xmlns:a16="http://schemas.microsoft.com/office/drawing/2014/main" id="{19DBF937-D246-4AE7-8DF3-4356D695779C}"/>
               </a:ext>
             </a:extLst>
           </p:cNvPr>
@@ -12690,21 +12775,8 @@
           <a:p>
             <a:r>
               <a:rPr lang="bg-BG" dirty="0"/>
-              <a:t>Пояснения </a:t>
-            </a:r>
-            <a:r>
-              <a:rPr lang="en-GB" dirty="0"/>
-              <a:t>explicit </a:t>
-            </a:r>
-            <a:r>
-              <a:rPr lang="bg-BG" dirty="0"/>
-              <a:t>и </a:t>
-            </a:r>
-            <a:r>
-              <a:rPr lang="en-GB" dirty="0"/>
-              <a:t>implicit</a:t>
-            </a:r>
-            <a:endParaRPr lang="bg-BG" dirty="0"/>
+              <a:t>Пример</a:t>
+            </a:r>
           </a:p>
         </p:txBody>
       </p:sp>
@@ -12713,7 +12785,7 @@
           <p:cNvPr id="3" name="Контейнер за съдържание 2">
             <a:extLst>
               <a:ext uri="{FF2B5EF4-FFF2-40B4-BE49-F238E27FC236}">
-                <a16:creationId xmlns:a16="http://schemas.microsoft.com/office/drawing/2014/main" id="{87B9056A-24D8-4B2A-8FC2-FC0F139C7501}"/>
+                <a16:creationId xmlns:a16="http://schemas.microsoft.com/office/drawing/2014/main" id="{675B2A74-0B91-438E-A087-7B35CAA43465}"/>
               </a:ext>
             </a:extLst>
           </p:cNvPr>
@@ -12724,93 +12796,125 @@
             <p:ph idx="1"/>
           </p:nvPr>
         </p:nvSpPr>
-        <p:spPr>
-          <a:xfrm>
-            <a:off x="838200" y="1825625"/>
-            <a:ext cx="10515600" cy="4351338"/>
-          </a:xfrm>
-        </p:spPr>
-        <p:txBody>
-          <a:bodyPr>
-            <a:normAutofit fontScale="85000" lnSpcReduction="20000"/>
-          </a:bodyPr>
-          <a:lstStyle/>
-          <a:p>
-            <a:r>
-              <a:rPr lang="bg-BG" dirty="0"/>
-              <a:t>Използват се за преобразуване на данни</a:t>
-            </a:r>
-          </a:p>
-          <a:p>
-            <a:pPr lvl="1"/>
-            <a:r>
-              <a:rPr lang="en-GB" dirty="0"/>
-              <a:t>implicit – </a:t>
-            </a:r>
-            <a:r>
-              <a:rPr lang="bg-BG" dirty="0"/>
-              <a:t>неявен, използва се по подразбиране</a:t>
-            </a:r>
-          </a:p>
-          <a:p>
-            <a:pPr lvl="1"/>
-            <a:r>
-              <a:rPr lang="en-GB" dirty="0"/>
-              <a:t>explicit –</a:t>
-            </a:r>
-            <a:r>
-              <a:rPr lang="bg-BG" dirty="0"/>
-              <a:t> явен</a:t>
-            </a:r>
-          </a:p>
-          <a:p>
-            <a:endParaRPr lang="bg-BG" dirty="0"/>
-          </a:p>
-          <a:p>
-            <a:r>
-              <a:rPr lang="bg-BG" dirty="0"/>
-              <a:t>Можем да укажем какъв да бъде конструкторът за преобразуване като тип</a:t>
-            </a:r>
-          </a:p>
-          <a:p>
-            <a:endParaRPr lang="bg-BG" dirty="0"/>
-          </a:p>
-          <a:p>
-            <a:r>
-              <a:rPr lang="bg-BG" dirty="0"/>
-              <a:t>Ако е неявен, то компилаторът спокойно извършва преобразувания</a:t>
-            </a:r>
-          </a:p>
-          <a:p>
-            <a:endParaRPr lang="bg-BG" dirty="0"/>
-          </a:p>
-          <a:p>
-            <a:r>
-              <a:rPr lang="bg-BG" dirty="0"/>
-              <a:t>Ако е явен, то компилаторът не може да извършва своеволия</a:t>
-            </a:r>
-          </a:p>
-          <a:p>
-            <a:endParaRPr lang="bg-BG" dirty="0"/>
-          </a:p>
-          <a:p>
-            <a:r>
-              <a:rPr lang="bg-BG" dirty="0"/>
-              <a:t>Добра практика е конструкторите за преобразуване на тип да са явни</a:t>
-            </a:r>
-          </a:p>
-          <a:p>
-            <a:endParaRPr lang="bg-BG" dirty="0"/>
-          </a:p>
-          <a:p>
-            <a:endParaRPr lang="bg-BG" dirty="0"/>
+        <p:spPr/>
+        <p:txBody>
+          <a:bodyPr/>
+          <a:lstStyle/>
+          <a:p>
+            <a:pPr marL="0" indent="0">
+              <a:buNone/>
+            </a:pPr>
+            <a:r>
+              <a:rPr lang="en-GB" dirty="0"/>
+              <a:t>struct Person</a:t>
+            </a:r>
+          </a:p>
+          <a:p>
+            <a:pPr marL="0" indent="0">
+              <a:buNone/>
+            </a:pPr>
+            <a:r>
+              <a:rPr lang="en-GB" dirty="0"/>
+              <a:t>{</a:t>
+            </a:r>
+          </a:p>
+          <a:p>
+            <a:pPr marL="457200" lvl="1" indent="0">
+              <a:buNone/>
+            </a:pPr>
+            <a:r>
+              <a:rPr lang="en-GB" dirty="0"/>
+              <a:t>Person(</a:t>
+            </a:r>
+            <a:r>
+              <a:rPr lang="en-GB" dirty="0" err="1"/>
+              <a:t>const</a:t>
+            </a:r>
+            <a:r>
+              <a:rPr lang="en-GB" dirty="0"/>
+              <a:t> int);</a:t>
+            </a:r>
+          </a:p>
+          <a:p>
+            <a:pPr marL="0" indent="0">
+              <a:buNone/>
+            </a:pPr>
+            <a:r>
+              <a:rPr lang="en-GB" dirty="0"/>
+              <a:t>};</a:t>
+            </a:r>
+          </a:p>
+          <a:p>
+            <a:pPr marL="0" indent="0">
+              <a:buNone/>
+            </a:pPr>
+            <a:r>
+              <a:rPr lang="en-GB" dirty="0"/>
+              <a:t>…..</a:t>
+            </a:r>
+          </a:p>
+          <a:p>
+            <a:pPr marL="0" indent="0">
+              <a:buNone/>
+            </a:pPr>
+            <a:r>
+              <a:rPr lang="en-GB" dirty="0"/>
+              <a:t>void foo (Person);</a:t>
+            </a:r>
+          </a:p>
+          <a:p>
+            <a:pPr marL="0" indent="0">
+              <a:buNone/>
+            </a:pPr>
+            <a:r>
+              <a:rPr lang="en-GB" dirty="0"/>
+              <a:t>…..</a:t>
+            </a:r>
+          </a:p>
+          <a:p>
+            <a:pPr marL="0" indent="0">
+              <a:buNone/>
+            </a:pPr>
+            <a:r>
+              <a:rPr lang="en-GB" dirty="0"/>
+              <a:t>foo(5) 		</a:t>
+            </a:r>
+            <a:r>
+              <a:rPr lang="en-GB" dirty="0">
+                <a:solidFill>
+                  <a:srgbClr val="289A00"/>
+                </a:solidFill>
+              </a:rPr>
+              <a:t>//</a:t>
+            </a:r>
+            <a:r>
+              <a:rPr lang="bg-BG" dirty="0">
+                <a:solidFill>
+                  <a:srgbClr val="289A00"/>
+                </a:solidFill>
+              </a:rPr>
+              <a:t>ще се сведе до </a:t>
+            </a:r>
+            <a:r>
+              <a:rPr lang="en-GB" dirty="0">
+                <a:solidFill>
+                  <a:srgbClr val="289A00"/>
+                </a:solidFill>
+              </a:rPr>
+              <a:t>foo(Person(5))</a:t>
+            </a:r>
+            <a:endParaRPr lang="bg-BG" dirty="0">
+              <a:solidFill>
+                <a:srgbClr val="289A00"/>
+              </a:solidFill>
+            </a:endParaRPr>
           </a:p>
         </p:txBody>
       </p:sp>
     </p:spTree>
     <p:extLst>
       <p:ext uri="{BB962C8B-B14F-4D97-AF65-F5344CB8AC3E}">
-        <p14:creationId xmlns:p14="http://schemas.microsoft.com/office/powerpoint/2010/main" val="2908597877"/>
+        <p14:creationId xmlns:p14="http://schemas.microsoft.com/office/powerpoint/2010/main" val="1367403880"/>
       </p:ext>
     </p:extLst>
   </p:cSld>
@@ -12842,7 +12946,7 @@
           <p:cNvPr id="2" name="Заглавие 1">
             <a:extLst>
               <a:ext uri="{FF2B5EF4-FFF2-40B4-BE49-F238E27FC236}">
-                <a16:creationId xmlns:a16="http://schemas.microsoft.com/office/drawing/2014/main" id="{19DBF937-D246-4AE7-8DF3-4356D695779C}"/>
+                <a16:creationId xmlns:a16="http://schemas.microsoft.com/office/drawing/2014/main" id="{41E5E8D8-369D-4C00-AD56-F65781B9D298}"/>
               </a:ext>
             </a:extLst>
           </p:cNvPr>
@@ -12860,8 +12964,21 @@
           <a:p>
             <a:r>
               <a:rPr lang="bg-BG" dirty="0"/>
-              <a:t>Пример</a:t>
-            </a:r>
+              <a:t>Пояснения </a:t>
+            </a:r>
+            <a:r>
+              <a:rPr lang="en-GB" dirty="0"/>
+              <a:t>explicit </a:t>
+            </a:r>
+            <a:r>
+              <a:rPr lang="bg-BG" dirty="0"/>
+              <a:t>и </a:t>
+            </a:r>
+            <a:r>
+              <a:rPr lang="en-GB" dirty="0"/>
+              <a:t>implicit</a:t>
+            </a:r>
+            <a:endParaRPr lang="bg-BG" dirty="0"/>
           </a:p>
         </p:txBody>
       </p:sp>
@@ -12870,7 +12987,7 @@
           <p:cNvPr id="3" name="Контейнер за съдържание 2">
             <a:extLst>
               <a:ext uri="{FF2B5EF4-FFF2-40B4-BE49-F238E27FC236}">
-                <a16:creationId xmlns:a16="http://schemas.microsoft.com/office/drawing/2014/main" id="{675B2A74-0B91-438E-A087-7B35CAA43465}"/>
+                <a16:creationId xmlns:a16="http://schemas.microsoft.com/office/drawing/2014/main" id="{87B9056A-24D8-4B2A-8FC2-FC0F139C7501}"/>
               </a:ext>
             </a:extLst>
           </p:cNvPr>
@@ -12883,139 +13000,91 @@
         </p:nvSpPr>
         <p:spPr>
           <a:xfrm>
-            <a:off x="838199" y="1825625"/>
-            <a:ext cx="10809849" cy="4351338"/>
+            <a:off x="838200" y="1825625"/>
+            <a:ext cx="10515600" cy="4351338"/>
           </a:xfrm>
         </p:spPr>
         <p:txBody>
-          <a:bodyPr/>
-          <a:lstStyle/>
-          <a:p>
-            <a:pPr marL="0" indent="0">
-              <a:buNone/>
-            </a:pPr>
-            <a:r>
-              <a:rPr lang="en-GB" dirty="0"/>
-              <a:t>struct Person</a:t>
-            </a:r>
-          </a:p>
-          <a:p>
-            <a:pPr marL="0" indent="0">
-              <a:buNone/>
-            </a:pPr>
-            <a:r>
-              <a:rPr lang="en-GB" dirty="0"/>
-              <a:t>{</a:t>
-            </a:r>
-          </a:p>
-          <a:p>
-            <a:pPr marL="457200" lvl="1" indent="0">
-              <a:buNone/>
-            </a:pPr>
-            <a:r>
-              <a:rPr lang="en-GB" dirty="0"/>
-              <a:t>implicit</a:t>
-            </a:r>
-            <a:r>
-              <a:rPr lang="bg-BG" dirty="0"/>
-              <a:t> </a:t>
-            </a:r>
-            <a:r>
-              <a:rPr lang="en-GB" dirty="0"/>
-              <a:t>Person(</a:t>
-            </a:r>
-            <a:r>
-              <a:rPr lang="en-GB" dirty="0" err="1"/>
-              <a:t>const</a:t>
-            </a:r>
-            <a:r>
-              <a:rPr lang="en-GB" dirty="0"/>
-              <a:t> int);</a:t>
-            </a:r>
-          </a:p>
-          <a:p>
-            <a:pPr marL="0" indent="0">
-              <a:buNone/>
-            </a:pPr>
-            <a:r>
-              <a:rPr lang="en-GB" dirty="0"/>
-              <a:t>};</a:t>
-            </a:r>
-          </a:p>
-          <a:p>
-            <a:pPr marL="0" indent="0">
-              <a:buNone/>
-            </a:pPr>
-            <a:r>
-              <a:rPr lang="en-GB" dirty="0"/>
-              <a:t>…..</a:t>
-            </a:r>
-          </a:p>
-          <a:p>
-            <a:pPr marL="0" indent="0">
-              <a:buNone/>
-            </a:pPr>
-            <a:r>
-              <a:rPr lang="en-GB" dirty="0"/>
-              <a:t>void foo (Person);</a:t>
-            </a:r>
-          </a:p>
-          <a:p>
-            <a:pPr marL="0" indent="0">
-              <a:buNone/>
-            </a:pPr>
-            <a:r>
-              <a:rPr lang="en-GB" dirty="0"/>
-              <a:t>…..</a:t>
-            </a:r>
-          </a:p>
-          <a:p>
-            <a:pPr marL="0" indent="0">
-              <a:buNone/>
-            </a:pPr>
-            <a:r>
-              <a:rPr lang="en-GB" dirty="0"/>
-              <a:t>foo(5) 		</a:t>
-            </a:r>
-            <a:r>
-              <a:rPr lang="en-GB" dirty="0">
-                <a:solidFill>
-                  <a:srgbClr val="289A00"/>
-                </a:solidFill>
-              </a:rPr>
-              <a:t>//</a:t>
-            </a:r>
-            <a:r>
-              <a:rPr lang="bg-BG" dirty="0">
-                <a:solidFill>
-                  <a:srgbClr val="289A00"/>
-                </a:solidFill>
-              </a:rPr>
-              <a:t>ще се сведе до </a:t>
-            </a:r>
-            <a:r>
-              <a:rPr lang="en-GB" dirty="0">
-                <a:solidFill>
-                  <a:srgbClr val="289A00"/>
-                </a:solidFill>
-              </a:rPr>
-              <a:t>foo(Person(5)), </a:t>
-            </a:r>
-            <a:r>
-              <a:rPr lang="bg-BG" dirty="0">
-                <a:solidFill>
-                  <a:srgbClr val="289A00"/>
-                </a:solidFill>
-              </a:rPr>
-              <a:t>същото като преди</a:t>
-            </a:r>
+          <a:bodyPr>
+            <a:normAutofit fontScale="85000" lnSpcReduction="20000"/>
+          </a:bodyPr>
+          <a:lstStyle/>
+          <a:p>
+            <a:r>
+              <a:rPr lang="bg-BG" dirty="0"/>
+              <a:t>Използват се за преобразуване на данни</a:t>
+            </a:r>
+          </a:p>
+          <a:p>
+            <a:pPr lvl="1"/>
+            <a:r>
+              <a:rPr lang="en-GB" dirty="0"/>
+              <a:t>implicit – </a:t>
+            </a:r>
+            <a:r>
+              <a:rPr lang="bg-BG" dirty="0"/>
+              <a:t>неявен, използва се по подразбиране</a:t>
+            </a:r>
+          </a:p>
+          <a:p>
+            <a:pPr lvl="1"/>
+            <a:r>
+              <a:rPr lang="en-GB" dirty="0"/>
+              <a:t>explicit –</a:t>
+            </a:r>
+            <a:r>
+              <a:rPr lang="bg-BG" dirty="0"/>
+              <a:t> явен</a:t>
+            </a:r>
+          </a:p>
+          <a:p>
+            <a:endParaRPr lang="bg-BG" dirty="0"/>
+          </a:p>
+          <a:p>
+            <a:r>
+              <a:rPr lang="bg-BG" dirty="0"/>
+              <a:t>Можем да укажем какъв да бъде конструкторът за преобразуване като тип</a:t>
+            </a:r>
+          </a:p>
+          <a:p>
+            <a:endParaRPr lang="bg-BG" dirty="0"/>
+          </a:p>
+          <a:p>
+            <a:r>
+              <a:rPr lang="bg-BG" dirty="0"/>
+              <a:t>Ако е неявен, то компилаторът спокойно извършва преобразувания</a:t>
+            </a:r>
+          </a:p>
+          <a:p>
+            <a:endParaRPr lang="bg-BG" dirty="0"/>
+          </a:p>
+          <a:p>
+            <a:r>
+              <a:rPr lang="bg-BG" dirty="0"/>
+              <a:t>Ако е явен, то компилаторът не може да извършва своеволия</a:t>
+            </a:r>
+          </a:p>
+          <a:p>
+            <a:endParaRPr lang="bg-BG" dirty="0"/>
+          </a:p>
+          <a:p>
+            <a:r>
+              <a:rPr lang="bg-BG" dirty="0"/>
+              <a:t>Добра практика е конструкторите за преобразуване на тип да са явни</a:t>
+            </a:r>
+          </a:p>
+          <a:p>
+            <a:endParaRPr lang="bg-BG" dirty="0"/>
+          </a:p>
+          <a:p>
+            <a:endParaRPr lang="bg-BG" dirty="0"/>
           </a:p>
         </p:txBody>
       </p:sp>
     </p:spTree>
     <p:extLst>
       <p:ext uri="{BB962C8B-B14F-4D97-AF65-F5344CB8AC3E}">
-        <p14:creationId xmlns:p14="http://schemas.microsoft.com/office/powerpoint/2010/main" val="3606227616"/>
+        <p14:creationId xmlns:p14="http://schemas.microsoft.com/office/powerpoint/2010/main" val="2908597877"/>
       </p:ext>
     </p:extLst>
   </p:cSld>
@@ -13086,7 +13155,12 @@
             <p:ph idx="1"/>
           </p:nvPr>
         </p:nvSpPr>
-        <p:spPr/>
+        <p:spPr>
+          <a:xfrm>
+            <a:off x="838199" y="1825625"/>
+            <a:ext cx="10809849" cy="4351338"/>
+          </a:xfrm>
+        </p:spPr>
         <p:txBody>
           <a:bodyPr/>
           <a:lstStyle/>
@@ -13114,7 +13188,15 @@
             </a:pPr>
             <a:r>
               <a:rPr lang="en-GB" dirty="0"/>
-              <a:t>explicit Person(</a:t>
+              <a:t>implicit</a:t>
+            </a:r>
+            <a:r>
+              <a:rPr lang="bg-BG" dirty="0"/>
+              <a:t> </a:t>
+            </a:r>
+            <a:r>
+              <a:rPr lang="en-GB" dirty="0"/>
+              <a:t>Person(</a:t>
             </a:r>
             <a:r>
               <a:rPr lang="en-GB" dirty="0" err="1"/>
@@ -13183,7 +13265,7 @@
                   <a:srgbClr val="289A00"/>
                 </a:solidFill>
               </a:rPr>
-              <a:t>грешка, няма да се сведе до </a:t>
+              <a:t>ще се сведе до </a:t>
             </a:r>
             <a:r>
               <a:rPr lang="en-GB" dirty="0">
@@ -13191,20 +13273,23 @@
                   <a:srgbClr val="289A00"/>
                 </a:solidFill>
               </a:rPr>
-              <a:t>foo(Person(5))</a:t>
-            </a:r>
-            <a:endParaRPr lang="bg-BG" dirty="0">
-              <a:solidFill>
-                <a:srgbClr val="289A00"/>
-              </a:solidFill>
-            </a:endParaRPr>
+              <a:t>foo(Person(5)), </a:t>
+            </a:r>
+            <a:r>
+              <a:rPr lang="bg-BG" dirty="0">
+                <a:solidFill>
+                  <a:srgbClr val="289A00"/>
+                </a:solidFill>
+              </a:rPr>
+              <a:t>същото като преди</a:t>
+            </a:r>
           </a:p>
         </p:txBody>
       </p:sp>
     </p:spTree>
     <p:extLst>
       <p:ext uri="{BB962C8B-B14F-4D97-AF65-F5344CB8AC3E}">
-        <p14:creationId xmlns:p14="http://schemas.microsoft.com/office/powerpoint/2010/main" val="3555990420"/>
+        <p14:creationId xmlns:p14="http://schemas.microsoft.com/office/powerpoint/2010/main" val="3606227616"/>
       </p:ext>
     </p:extLst>
   </p:cSld>
@@ -13236,7 +13321,7 @@
           <p:cNvPr id="2" name="Заглавие 1">
             <a:extLst>
               <a:ext uri="{FF2B5EF4-FFF2-40B4-BE49-F238E27FC236}">
-                <a16:creationId xmlns:a16="http://schemas.microsoft.com/office/drawing/2014/main" id="{EEB51E3C-5113-414E-B488-2EA13B1E4296}"/>
+                <a16:creationId xmlns:a16="http://schemas.microsoft.com/office/drawing/2014/main" id="{19DBF937-D246-4AE7-8DF3-4356D695779C}"/>
               </a:ext>
             </a:extLst>
           </p:cNvPr>
@@ -13254,11 +13339,7 @@
           <a:p>
             <a:r>
               <a:rPr lang="bg-BG" dirty="0"/>
-              <a:t>Задачи за вас </a:t>
-            </a:r>
-            <a:r>
-              <a:rPr lang="en-GB" dirty="0"/>
-              <a:t>#5</a:t>
+              <a:t>Пример</a:t>
             </a:r>
           </a:p>
         </p:txBody>
@@ -13268,7 +13349,7 @@
           <p:cNvPr id="3" name="Контейнер за съдържание 2">
             <a:extLst>
               <a:ext uri="{FF2B5EF4-FFF2-40B4-BE49-F238E27FC236}">
-                <a16:creationId xmlns:a16="http://schemas.microsoft.com/office/drawing/2014/main" id="{316026D2-E8A3-49DC-89C6-5C2536EC6B4E}"/>
+                <a16:creationId xmlns:a16="http://schemas.microsoft.com/office/drawing/2014/main" id="{675B2A74-0B91-438E-A087-7B35CAA43465}"/>
               </a:ext>
             </a:extLst>
           </p:cNvPr>
@@ -13284,30 +13365,120 @@
           <a:bodyPr/>
           <a:lstStyle/>
           <a:p>
-            <a:r>
-              <a:rPr lang="bg-BG" dirty="0"/>
-              <a:t>Отидете на </a:t>
+            <a:pPr marL="0" indent="0">
+              <a:buNone/>
+            </a:pPr>
+            <a:r>
+              <a:rPr lang="en-GB" dirty="0"/>
+              <a:t>struct Person</a:t>
+            </a:r>
+          </a:p>
+          <a:p>
+            <a:pPr marL="0" indent="0">
+              <a:buNone/>
+            </a:pPr>
+            <a:r>
+              <a:rPr lang="en-GB" dirty="0"/>
+              <a:t>{</a:t>
+            </a:r>
+          </a:p>
+          <a:p>
+            <a:pPr marL="457200" lvl="1" indent="0">
+              <a:buNone/>
+            </a:pPr>
+            <a:r>
+              <a:rPr lang="en-GB" dirty="0"/>
+              <a:t>explicit Person(</a:t>
+            </a:r>
+            <a:r>
+              <a:rPr lang="en-GB" dirty="0" err="1"/>
+              <a:t>const</a:t>
+            </a:r>
+            <a:r>
+              <a:rPr lang="en-GB" dirty="0"/>
+              <a:t> int);</a:t>
+            </a:r>
+          </a:p>
+          <a:p>
+            <a:pPr marL="0" indent="0">
+              <a:buNone/>
+            </a:pPr>
+            <a:r>
+              <a:rPr lang="en-GB" dirty="0"/>
+              <a:t>};</a:t>
+            </a:r>
+          </a:p>
+          <a:p>
+            <a:pPr marL="0" indent="0">
+              <a:buNone/>
+            </a:pPr>
+            <a:r>
+              <a:rPr lang="en-GB" dirty="0"/>
+              <a:t>…..</a:t>
+            </a:r>
+          </a:p>
+          <a:p>
+            <a:pPr marL="0" indent="0">
+              <a:buNone/>
+            </a:pPr>
+            <a:r>
+              <a:rPr lang="en-GB" dirty="0"/>
+              <a:t>void foo (Person);</a:t>
+            </a:r>
+          </a:p>
+          <a:p>
+            <a:pPr marL="0" indent="0">
+              <a:buNone/>
+            </a:pPr>
+            <a:r>
+              <a:rPr lang="en-GB" dirty="0"/>
+              <a:t>…..</a:t>
+            </a:r>
+          </a:p>
+          <a:p>
+            <a:pPr marL="0" indent="0">
+              <a:buNone/>
+            </a:pPr>
+            <a:r>
+              <a:rPr lang="en-GB" dirty="0"/>
+              <a:t>foo(5) 		</a:t>
             </a:r>
             <a:r>
               <a:rPr lang="en-GB" dirty="0">
-                <a:hlinkClick r:id="rId2"/>
+                <a:solidFill>
+                  <a:srgbClr val="289A00"/>
+                </a:solidFill>
               </a:rPr>
-              <a:t>www.menti.com</a:t>
-            </a:r>
-            <a:r>
-              <a:rPr lang="en-GB" dirty="0"/>
-              <a:t>	</a:t>
-            </a:r>
-          </a:p>
-          <a:p>
-            <a:endParaRPr lang="en-GB" dirty="0"/>
+              <a:t>//</a:t>
+            </a:r>
+            <a:r>
+              <a:rPr lang="bg-BG" dirty="0">
+                <a:solidFill>
+                  <a:srgbClr val="289A00"/>
+                </a:solidFill>
+              </a:rPr>
+              <a:t>грешка, няма да се сведе до </a:t>
+            </a:r>
+            <a:r>
+              <a:rPr lang="en-GB" dirty="0">
+                <a:solidFill>
+                  <a:srgbClr val="289A00"/>
+                </a:solidFill>
+              </a:rPr>
+              <a:t>foo(Person(5))</a:t>
+            </a:r>
+            <a:endParaRPr lang="bg-BG" dirty="0">
+              <a:solidFill>
+                <a:srgbClr val="289A00"/>
+              </a:solidFill>
+            </a:endParaRPr>
           </a:p>
         </p:txBody>
       </p:sp>
     </p:spTree>
     <p:extLst>
       <p:ext uri="{BB962C8B-B14F-4D97-AF65-F5344CB8AC3E}">
-        <p14:creationId xmlns:p14="http://schemas.microsoft.com/office/powerpoint/2010/main" val="1559361925"/>
+        <p14:creationId xmlns:p14="http://schemas.microsoft.com/office/powerpoint/2010/main" val="3555990420"/>
       </p:ext>
     </p:extLst>
   </p:cSld>
@@ -13339,7 +13510,7 @@
           <p:cNvPr id="2" name="Заглавие 1">
             <a:extLst>
               <a:ext uri="{FF2B5EF4-FFF2-40B4-BE49-F238E27FC236}">
-                <a16:creationId xmlns:a16="http://schemas.microsoft.com/office/drawing/2014/main" id="{940FCD2E-878E-4797-88DC-F09D33F65C48}"/>
+                <a16:creationId xmlns:a16="http://schemas.microsoft.com/office/drawing/2014/main" id="{EEB51E3C-5113-414E-B488-2EA13B1E4296}"/>
               </a:ext>
             </a:extLst>
           </p:cNvPr>
@@ -13357,7 +13528,11 @@
           <a:p>
             <a:r>
               <a:rPr lang="bg-BG" dirty="0"/>
-              <a:t>Задача</a:t>
+              <a:t>Задачи за вас </a:t>
+            </a:r>
+            <a:r>
+              <a:rPr lang="en-GB" dirty="0"/>
+              <a:t>#5</a:t>
             </a:r>
           </a:p>
         </p:txBody>
@@ -13367,7 +13542,7 @@
           <p:cNvPr id="3" name="Контейнер за съдържание 2">
             <a:extLst>
               <a:ext uri="{FF2B5EF4-FFF2-40B4-BE49-F238E27FC236}">
-                <a16:creationId xmlns:a16="http://schemas.microsoft.com/office/drawing/2014/main" id="{B4F13CB5-DCB6-4534-97F4-316FD6C78712}"/>
+                <a16:creationId xmlns:a16="http://schemas.microsoft.com/office/drawing/2014/main" id="{316026D2-E8A3-49DC-89C6-5C2536EC6B4E}"/>
               </a:ext>
             </a:extLst>
           </p:cNvPr>
@@ -13378,220 +13553,35 @@
             <p:ph idx="1"/>
           </p:nvPr>
         </p:nvSpPr>
-        <p:spPr>
-          <a:xfrm>
-            <a:off x="838200" y="1849291"/>
-            <a:ext cx="11147474" cy="4912800"/>
-          </a:xfrm>
-        </p:spPr>
-        <p:txBody>
-          <a:bodyPr>
-            <a:normAutofit fontScale="85000" lnSpcReduction="20000"/>
-          </a:bodyPr>
-          <a:lstStyle/>
-          <a:p>
-            <a:pPr marL="0" indent="0">
-              <a:buNone/>
-            </a:pPr>
-            <a:r>
-              <a:rPr lang="bg-BG" dirty="0"/>
-              <a:t>Какво ще се изведе на конзолата?</a:t>
-            </a:r>
+        <p:spPr/>
+        <p:txBody>
+          <a:bodyPr/>
+          <a:lstStyle/>
+          <a:p>
+            <a:r>
+              <a:rPr lang="bg-BG" dirty="0"/>
+              <a:t>Отидете на </a:t>
+            </a:r>
+            <a:r>
+              <a:rPr lang="en-GB" dirty="0">
+                <a:hlinkClick r:id="rId2"/>
+              </a:rPr>
+              <a:t>www.menti.com</a:t>
+            </a:r>
+            <a:r>
+              <a:rPr lang="en-GB" dirty="0"/>
+              <a:t>	</a:t>
+            </a:r>
+          </a:p>
+          <a:p>
             <a:endParaRPr lang="en-GB" dirty="0"/>
-          </a:p>
-          <a:p>
-            <a:pPr marL="0" indent="0">
-              <a:buNone/>
-            </a:pPr>
-            <a:r>
-              <a:rPr lang="en-GB" dirty="0"/>
-              <a:t>struct Person</a:t>
-            </a:r>
-          </a:p>
-          <a:p>
-            <a:pPr marL="0" indent="0">
-              <a:buNone/>
-            </a:pPr>
-            <a:r>
-              <a:rPr lang="en-GB" dirty="0"/>
-              <a:t>{</a:t>
-            </a:r>
-            <a:endParaRPr lang="bg-BG" dirty="0"/>
-          </a:p>
-          <a:p>
-            <a:pPr marL="0" indent="0">
-              <a:buNone/>
-            </a:pPr>
-            <a:r>
-              <a:rPr lang="en-GB" dirty="0"/>
-              <a:t>	Person(</a:t>
-            </a:r>
-            <a:r>
-              <a:rPr lang="en-GB" dirty="0" err="1"/>
-              <a:t>const</a:t>
-            </a:r>
-            <a:r>
-              <a:rPr lang="en-GB" dirty="0"/>
-              <a:t> Person&amp;); 	</a:t>
-            </a:r>
-            <a:endParaRPr lang="en-GB" dirty="0">
-              <a:solidFill>
-                <a:srgbClr val="289A00"/>
-              </a:solidFill>
-            </a:endParaRPr>
-          </a:p>
-          <a:p>
-            <a:pPr marL="0" indent="0">
-              <a:buNone/>
-            </a:pPr>
-            <a:r>
-              <a:rPr lang="bg-BG" dirty="0"/>
-              <a:t>	</a:t>
-            </a:r>
-            <a:r>
-              <a:rPr lang="en-GB" dirty="0"/>
-              <a:t>int id </a:t>
-            </a:r>
-            <a:r>
-              <a:rPr lang="bg-BG" dirty="0"/>
-              <a:t>=</a:t>
-            </a:r>
-            <a:r>
-              <a:rPr lang="en-GB" dirty="0"/>
-              <a:t> 0;</a:t>
-            </a:r>
-            <a:endParaRPr lang="en-GB" dirty="0">
-              <a:solidFill>
-                <a:srgbClr val="289A00"/>
-              </a:solidFill>
-            </a:endParaRPr>
-          </a:p>
-          <a:p>
-            <a:pPr marL="0" indent="0">
-              <a:buNone/>
-            </a:pPr>
-            <a:r>
-              <a:rPr lang="en-GB" dirty="0"/>
-              <a:t>};</a:t>
-            </a:r>
-          </a:p>
-          <a:p>
-            <a:pPr marL="0" indent="0">
-              <a:buNone/>
-            </a:pPr>
-            <a:r>
-              <a:rPr lang="en-GB" dirty="0"/>
-              <a:t>Person::Person(</a:t>
-            </a:r>
-            <a:r>
-              <a:rPr lang="en-GB" dirty="0" err="1"/>
-              <a:t>const</a:t>
-            </a:r>
-            <a:r>
-              <a:rPr lang="en-GB" dirty="0"/>
-              <a:t> Person&amp; old) : id(old.id)</a:t>
-            </a:r>
-            <a:r>
-              <a:rPr lang="bg-BG" dirty="0"/>
-              <a:t> </a:t>
-            </a:r>
-            <a:r>
-              <a:rPr lang="en-GB" dirty="0"/>
-              <a:t>{}</a:t>
-            </a:r>
-            <a:endParaRPr lang="en-GB" dirty="0">
-              <a:solidFill>
-                <a:srgbClr val="289A00"/>
-              </a:solidFill>
-            </a:endParaRPr>
-          </a:p>
-          <a:p>
-            <a:pPr marL="0" indent="0">
-              <a:buNone/>
-            </a:pPr>
-            <a:r>
-              <a:rPr lang="en-GB" dirty="0"/>
-              <a:t>…..</a:t>
-            </a:r>
-          </a:p>
-          <a:p>
-            <a:pPr marL="0" indent="0">
-              <a:buNone/>
-            </a:pPr>
-            <a:r>
-              <a:rPr lang="en-GB" dirty="0"/>
-              <a:t>Person Ali;</a:t>
-            </a:r>
-          </a:p>
-          <a:p>
-            <a:pPr marL="0" indent="0">
-              <a:buNone/>
-            </a:pPr>
-            <a:r>
-              <a:rPr lang="en-GB" dirty="0"/>
-              <a:t>Person </a:t>
-            </a:r>
-            <a:r>
-              <a:rPr lang="en-GB" dirty="0" err="1"/>
-              <a:t>Rolo</a:t>
-            </a:r>
-            <a:r>
-              <a:rPr lang="en-GB" dirty="0"/>
-              <a:t>(Ali);</a:t>
-            </a:r>
-          </a:p>
-          <a:p>
-            <a:pPr marL="0" indent="0">
-              <a:buNone/>
-            </a:pPr>
-            <a:r>
-              <a:rPr lang="en-GB" dirty="0"/>
-              <a:t>std::</a:t>
-            </a:r>
-            <a:r>
-              <a:rPr lang="en-GB" dirty="0" err="1"/>
-              <a:t>cout</a:t>
-            </a:r>
-            <a:r>
-              <a:rPr lang="en-GB" dirty="0"/>
-              <a:t>&lt;&lt;Ali.id == Rolo.id;</a:t>
-            </a:r>
-          </a:p>
-          <a:p>
-            <a:pPr marL="0" indent="0">
-              <a:buNone/>
-            </a:pPr>
-            <a:r>
-              <a:rPr lang="bg-BG" dirty="0">
-                <a:solidFill>
-                  <a:srgbClr val="FF33CC"/>
-                </a:solidFill>
-              </a:rPr>
-              <a:t>Отговор: грешка при компилация, защото няма дефиниран конструктор по подразбиране за </a:t>
-            </a:r>
-            <a:r>
-              <a:rPr lang="en-GB" dirty="0">
-                <a:solidFill>
-                  <a:srgbClr val="FF33CC"/>
-                </a:solidFill>
-              </a:rPr>
-              <a:t>Ali</a:t>
-            </a:r>
-            <a:endParaRPr lang="bg-BG" dirty="0">
-              <a:solidFill>
-                <a:srgbClr val="FF33CC"/>
-              </a:solidFill>
-            </a:endParaRPr>
-          </a:p>
-          <a:p>
-            <a:endParaRPr lang="bg-BG" dirty="0"/>
           </a:p>
         </p:txBody>
       </p:sp>
     </p:spTree>
     <p:extLst>
       <p:ext uri="{BB962C8B-B14F-4D97-AF65-F5344CB8AC3E}">
-        <p14:creationId xmlns:p14="http://schemas.microsoft.com/office/powerpoint/2010/main" val="597955708"/>
+        <p14:creationId xmlns:p14="http://schemas.microsoft.com/office/powerpoint/2010/main" val="1559361925"/>
       </p:ext>
     </p:extLst>
   </p:cSld>
@@ -13634,43 +13624,38 @@
             <p:ph type="title"/>
           </p:nvPr>
         </p:nvSpPr>
+        <p:spPr/>
+        <p:txBody>
+          <a:bodyPr/>
+          <a:lstStyle/>
+          <a:p>
+            <a:r>
+              <a:rPr lang="bg-BG" dirty="0"/>
+              <a:t>Задача</a:t>
+            </a:r>
+          </a:p>
+        </p:txBody>
+      </p:sp>
+      <p:sp>
+        <p:nvSpPr>
+          <p:cNvPr id="3" name="Контейнер за съдържание 2">
+            <a:extLst>
+              <a:ext uri="{FF2B5EF4-FFF2-40B4-BE49-F238E27FC236}">
+                <a16:creationId xmlns:a16="http://schemas.microsoft.com/office/drawing/2014/main" id="{B4F13CB5-DCB6-4534-97F4-316FD6C78712}"/>
+              </a:ext>
+            </a:extLst>
+          </p:cNvPr>
+          <p:cNvSpPr>
+            <a:spLocks noGrp="1"/>
+          </p:cNvSpPr>
+          <p:nvPr>
+            <p:ph idx="1"/>
+          </p:nvPr>
+        </p:nvSpPr>
         <p:spPr>
           <a:xfrm>
-            <a:off x="613116" y="0"/>
-            <a:ext cx="10515600" cy="1325563"/>
-          </a:xfrm>
-        </p:spPr>
-        <p:txBody>
-          <a:bodyPr/>
-          <a:lstStyle/>
-          <a:p>
-            <a:r>
-              <a:rPr lang="bg-BG" dirty="0"/>
-              <a:t>Задача</a:t>
-            </a:r>
-          </a:p>
-        </p:txBody>
-      </p:sp>
-      <p:sp>
-        <p:nvSpPr>
-          <p:cNvPr id="3" name="Контейнер за съдържание 2">
-            <a:extLst>
-              <a:ext uri="{FF2B5EF4-FFF2-40B4-BE49-F238E27FC236}">
-                <a16:creationId xmlns:a16="http://schemas.microsoft.com/office/drawing/2014/main" id="{B4F13CB5-DCB6-4534-97F4-316FD6C78712}"/>
-              </a:ext>
-            </a:extLst>
-          </p:cNvPr>
-          <p:cNvSpPr>
-            <a:spLocks noGrp="1"/>
-          </p:cNvSpPr>
-          <p:nvPr>
-            <p:ph idx="1"/>
-          </p:nvPr>
-        </p:nvSpPr>
-        <p:spPr>
-          <a:xfrm>
-            <a:off x="613116" y="1069145"/>
-            <a:ext cx="12192000" cy="5788855"/>
+            <a:off x="838200" y="1849291"/>
+            <a:ext cx="11147474" cy="4912800"/>
           </a:xfrm>
         </p:spPr>
         <p:txBody>
@@ -13704,15 +13689,6 @@
             <a:r>
               <a:rPr lang="en-GB" dirty="0"/>
               <a:t>{</a:t>
-            </a:r>
-          </a:p>
-          <a:p>
-            <a:pPr marL="0" indent="0">
-              <a:buNone/>
-            </a:pPr>
-            <a:r>
-              <a:rPr lang="en-GB" dirty="0"/>
-              <a:t>	Person();</a:t>
             </a:r>
             <a:endParaRPr lang="bg-BG" dirty="0"/>
           </a:p>
@@ -13779,7 +13755,7 @@
             </a:pPr>
             <a:r>
               <a:rPr lang="en-GB" dirty="0"/>
-              <a:t>Person(</a:t>
+              <a:t>Person::Person(</a:t>
             </a:r>
             <a:r>
               <a:rPr lang="en-GB" dirty="0" err="1"/>
@@ -13797,16 +13773,11 @@
               <a:rPr lang="en-GB" dirty="0"/>
               <a:t>{}</a:t>
             </a:r>
-            <a:endParaRPr lang="bg-BG" dirty="0"/>
-          </a:p>
-          <a:p>
-            <a:pPr marL="0" indent="0">
-              <a:buNone/>
-            </a:pPr>
-            <a:r>
-              <a:rPr lang="en-GB" dirty="0"/>
-              <a:t>Person(){}</a:t>
-            </a:r>
+            <a:endParaRPr lang="en-GB" dirty="0">
+              <a:solidFill>
+                <a:srgbClr val="289A00"/>
+              </a:solidFill>
+            </a:endParaRPr>
           </a:p>
           <a:p>
             <a:pPr marL="0" indent="0">
@@ -13870,7 +13841,7 @@
                   <a:srgbClr val="FF33CC"/>
                 </a:solidFill>
               </a:rPr>
-              <a:t>Отговор: грешка при компилация, защото </a:t>
+              <a:t>Отговор: грешка при компилация, защото няма дефиниран конструктор по подразбиране за </a:t>
             </a:r>
             <a:r>
               <a:rPr lang="en-GB" dirty="0">
@@ -13878,48 +13849,13 @@
                   <a:srgbClr val="FF33CC"/>
                 </a:solidFill>
               </a:rPr>
-              <a:t> </a:t>
-            </a:r>
-            <a:r>
-              <a:rPr lang="bg-BG" dirty="0">
-                <a:solidFill>
-                  <a:srgbClr val="FF33CC"/>
-                </a:solidFill>
-              </a:rPr>
-              <a:t>не сме оказали, че конструкторите </a:t>
-            </a:r>
-            <a:r>
-              <a:rPr lang="en-GB" dirty="0">
-                <a:solidFill>
-                  <a:srgbClr val="FF33CC"/>
-                </a:solidFill>
-              </a:rPr>
-              <a:t>Person </a:t>
-            </a:r>
-            <a:r>
-              <a:rPr lang="bg-BG" dirty="0">
-                <a:solidFill>
-                  <a:srgbClr val="FF33CC"/>
-                </a:solidFill>
-              </a:rPr>
-              <a:t>принадлежи на структурата </a:t>
-            </a:r>
-            <a:r>
-              <a:rPr lang="en-GB" dirty="0">
-                <a:solidFill>
-                  <a:srgbClr val="FF33CC"/>
-                </a:solidFill>
-              </a:rPr>
-              <a:t>Person (Person::Person()</a:t>
-            </a:r>
-            <a:r>
-              <a:rPr lang="bg-BG" dirty="0">
-                <a:solidFill>
-                  <a:srgbClr val="FF33CC"/>
-                </a:solidFill>
-              </a:rPr>
-              <a:t> )</a:t>
-            </a:r>
+              <a:t>Ali</a:t>
+            </a:r>
+            <a:endParaRPr lang="bg-BG" dirty="0">
+              <a:solidFill>
+                <a:srgbClr val="FF33CC"/>
+              </a:solidFill>
+            </a:endParaRPr>
           </a:p>
           <a:p>
             <a:endParaRPr lang="bg-BG" dirty="0"/>
@@ -13929,7 +13865,7 @@
     </p:spTree>
     <p:extLst>
       <p:ext uri="{BB962C8B-B14F-4D97-AF65-F5344CB8AC3E}">
-        <p14:creationId xmlns:p14="http://schemas.microsoft.com/office/powerpoint/2010/main" val="1921189969"/>
+        <p14:creationId xmlns:p14="http://schemas.microsoft.com/office/powerpoint/2010/main" val="597955708"/>
       </p:ext>
     </p:extLst>
   </p:cSld>
@@ -13972,38 +13908,43 @@
             <p:ph type="title"/>
           </p:nvPr>
         </p:nvSpPr>
-        <p:spPr/>
-        <p:txBody>
-          <a:bodyPr/>
-          <a:lstStyle/>
-          <a:p>
-            <a:r>
-              <a:rPr lang="bg-BG" dirty="0"/>
-              <a:t>Задача</a:t>
-            </a:r>
-          </a:p>
-        </p:txBody>
-      </p:sp>
-      <p:sp>
-        <p:nvSpPr>
-          <p:cNvPr id="3" name="Контейнер за съдържание 2">
-            <a:extLst>
-              <a:ext uri="{FF2B5EF4-FFF2-40B4-BE49-F238E27FC236}">
-                <a16:creationId xmlns:a16="http://schemas.microsoft.com/office/drawing/2014/main" id="{B4F13CB5-DCB6-4534-97F4-316FD6C78712}"/>
-              </a:ext>
-            </a:extLst>
-          </p:cNvPr>
-          <p:cNvSpPr>
-            <a:spLocks noGrp="1"/>
-          </p:cNvSpPr>
-          <p:nvPr>
-            <p:ph idx="1"/>
-          </p:nvPr>
-        </p:nvSpPr>
         <p:spPr>
           <a:xfrm>
-            <a:off x="538089" y="1427870"/>
-            <a:ext cx="11648049" cy="5430130"/>
+            <a:off x="613116" y="0"/>
+            <a:ext cx="10515600" cy="1325563"/>
+          </a:xfrm>
+        </p:spPr>
+        <p:txBody>
+          <a:bodyPr/>
+          <a:lstStyle/>
+          <a:p>
+            <a:r>
+              <a:rPr lang="bg-BG" dirty="0"/>
+              <a:t>Задача</a:t>
+            </a:r>
+          </a:p>
+        </p:txBody>
+      </p:sp>
+      <p:sp>
+        <p:nvSpPr>
+          <p:cNvPr id="3" name="Контейнер за съдържание 2">
+            <a:extLst>
+              <a:ext uri="{FF2B5EF4-FFF2-40B4-BE49-F238E27FC236}">
+                <a16:creationId xmlns:a16="http://schemas.microsoft.com/office/drawing/2014/main" id="{B4F13CB5-DCB6-4534-97F4-316FD6C78712}"/>
+              </a:ext>
+            </a:extLst>
+          </p:cNvPr>
+          <p:cNvSpPr>
+            <a:spLocks noGrp="1"/>
+          </p:cNvSpPr>
+          <p:nvPr>
+            <p:ph idx="1"/>
+          </p:nvPr>
+        </p:nvSpPr>
+        <p:spPr>
+          <a:xfrm>
+            <a:off x="613116" y="1069145"/>
+            <a:ext cx="12192000" cy="5788855"/>
           </a:xfrm>
         </p:spPr>
         <p:txBody>
@@ -14112,7 +14053,7 @@
             </a:pPr>
             <a:r>
               <a:rPr lang="en-GB" dirty="0"/>
-              <a:t>Person::Person(</a:t>
+              <a:t>Person(</a:t>
             </a:r>
             <a:r>
               <a:rPr lang="en-GB" dirty="0" err="1"/>
@@ -14120,15 +14061,7 @@
             </a:r>
             <a:r>
               <a:rPr lang="en-GB" dirty="0"/>
-              <a:t> Person&amp; old) : id(</a:t>
-            </a:r>
-            <a:r>
-              <a:rPr lang="bg-BG" dirty="0"/>
-              <a:t>++</a:t>
-            </a:r>
-            <a:r>
-              <a:rPr lang="en-GB" dirty="0"/>
-              <a:t>old.id)</a:t>
+              <a:t> Person&amp; old) : id(old.id)</a:t>
             </a:r>
             <a:r>
               <a:rPr lang="bg-BG" dirty="0"/>
@@ -14138,14 +14071,15 @@
               <a:rPr lang="en-GB" dirty="0"/>
               <a:t>{}</a:t>
             </a:r>
-          </a:p>
-          <a:p>
-            <a:pPr marL="0" indent="0">
-              <a:buNone/>
-            </a:pPr>
-            <a:r>
-              <a:rPr lang="en-GB" dirty="0"/>
-              <a:t>Person::Person(){}</a:t>
+            <a:endParaRPr lang="bg-BG" dirty="0"/>
+          </a:p>
+          <a:p>
+            <a:pPr marL="0" indent="0">
+              <a:buNone/>
+            </a:pPr>
+            <a:r>
+              <a:rPr lang="en-GB" dirty="0"/>
+              <a:t>Person(){}</a:t>
             </a:r>
           </a:p>
           <a:p>
@@ -14218,7 +14152,7 @@
                   <a:srgbClr val="FF33CC"/>
                 </a:solidFill>
               </a:rPr>
-              <a:t>old </a:t>
+              <a:t> </a:t>
             </a:r>
             <a:r>
               <a:rPr lang="bg-BG" dirty="0">
@@ -14226,7 +14160,39 @@
                   <a:srgbClr val="FF33CC"/>
                 </a:solidFill>
               </a:rPr>
-              <a:t>е константа</a:t>
+              <a:t>не сме оказали, че конструкторите </a:t>
+            </a:r>
+            <a:r>
+              <a:rPr lang="en-GB" dirty="0">
+                <a:solidFill>
+                  <a:srgbClr val="FF33CC"/>
+                </a:solidFill>
+              </a:rPr>
+              <a:t>Person </a:t>
+            </a:r>
+            <a:r>
+              <a:rPr lang="bg-BG" dirty="0">
+                <a:solidFill>
+                  <a:srgbClr val="FF33CC"/>
+                </a:solidFill>
+              </a:rPr>
+              <a:t>принадлежи на структурата </a:t>
+            </a:r>
+            <a:r>
+              <a:rPr lang="en-GB" dirty="0">
+                <a:solidFill>
+                  <a:srgbClr val="FF33CC"/>
+                </a:solidFill>
+              </a:rPr>
+              <a:t>Person (Person::Person()</a:t>
+            </a:r>
+            <a:r>
+              <a:rPr lang="bg-BG" dirty="0">
+                <a:solidFill>
+                  <a:srgbClr val="FF33CC"/>
+                </a:solidFill>
+              </a:rPr>
+              <a:t> )</a:t>
             </a:r>
           </a:p>
           <a:p>
@@ -14237,7 +14203,7 @@
     </p:spTree>
     <p:extLst>
       <p:ext uri="{BB962C8B-B14F-4D97-AF65-F5344CB8AC3E}">
-        <p14:creationId xmlns:p14="http://schemas.microsoft.com/office/powerpoint/2010/main" val="2618362626"/>
+        <p14:creationId xmlns:p14="http://schemas.microsoft.com/office/powerpoint/2010/main" val="1921189969"/>
       </p:ext>
     </p:extLst>
   </p:cSld>
@@ -14269,7 +14235,7 @@
           <p:cNvPr id="2" name="Заглавие 1">
             <a:extLst>
               <a:ext uri="{FF2B5EF4-FFF2-40B4-BE49-F238E27FC236}">
-                <a16:creationId xmlns:a16="http://schemas.microsoft.com/office/drawing/2014/main" id="{2D109386-AB78-4619-8B1F-37918C769394}"/>
+                <a16:creationId xmlns:a16="http://schemas.microsoft.com/office/drawing/2014/main" id="{940FCD2E-878E-4797-88DC-F09D33F65C48}"/>
               </a:ext>
             </a:extLst>
           </p:cNvPr>
@@ -14287,45 +14253,265 @@
           <a:p>
             <a:r>
               <a:rPr lang="bg-BG" dirty="0"/>
-              <a:t>Оператор за присвояване</a:t>
+              <a:t>Задача</a:t>
+            </a:r>
+          </a:p>
+        </p:txBody>
+      </p:sp>
+      <p:sp>
+        <p:nvSpPr>
+          <p:cNvPr id="3" name="Контейнер за съдържание 2">
+            <a:extLst>
+              <a:ext uri="{FF2B5EF4-FFF2-40B4-BE49-F238E27FC236}">
+                <a16:creationId xmlns:a16="http://schemas.microsoft.com/office/drawing/2014/main" id="{B4F13CB5-DCB6-4534-97F4-316FD6C78712}"/>
+              </a:ext>
+            </a:extLst>
+          </p:cNvPr>
+          <p:cNvSpPr>
+            <a:spLocks noGrp="1"/>
+          </p:cNvSpPr>
+          <p:nvPr>
+            <p:ph idx="1"/>
+          </p:nvPr>
+        </p:nvSpPr>
+        <p:spPr>
+          <a:xfrm>
+            <a:off x="538089" y="1427870"/>
+            <a:ext cx="11648049" cy="5430130"/>
+          </a:xfrm>
+        </p:spPr>
+        <p:txBody>
+          <a:bodyPr>
+            <a:normAutofit fontScale="85000" lnSpcReduction="20000"/>
+          </a:bodyPr>
+          <a:lstStyle/>
+          <a:p>
+            <a:pPr marL="0" indent="0">
+              <a:buNone/>
+            </a:pPr>
+            <a:r>
+              <a:rPr lang="bg-BG" dirty="0"/>
+              <a:t>Какво ще се изведе на конзолата?</a:t>
             </a:r>
             <a:endParaRPr lang="en-GB" dirty="0"/>
           </a:p>
-        </p:txBody>
-      </p:sp>
-      <p:sp>
-        <p:nvSpPr>
-          <p:cNvPr id="3" name="Контейнер за съдържание 2">
-            <a:extLst>
-              <a:ext uri="{FF2B5EF4-FFF2-40B4-BE49-F238E27FC236}">
-                <a16:creationId xmlns:a16="http://schemas.microsoft.com/office/drawing/2014/main" id="{01C1BFFB-E07E-4F10-8729-45411F67B1B9}"/>
-              </a:ext>
-            </a:extLst>
-          </p:cNvPr>
-          <p:cNvSpPr>
-            <a:spLocks noGrp="1"/>
-          </p:cNvSpPr>
-          <p:nvPr>
-            <p:ph idx="1"/>
-          </p:nvPr>
-        </p:nvSpPr>
-        <p:spPr/>
-        <p:txBody>
-          <a:bodyPr/>
-          <a:lstStyle/>
-          <a:p>
-            <a:r>
-              <a:rPr lang="bg-BG" dirty="0"/>
-              <a:t>при копиране след инициализация </a:t>
-            </a:r>
-            <a:endParaRPr lang="en-GB" dirty="0"/>
+          <a:p>
+            <a:pPr marL="0" indent="0">
+              <a:buNone/>
+            </a:pPr>
+            <a:r>
+              <a:rPr lang="en-GB" dirty="0"/>
+              <a:t>struct Person</a:t>
+            </a:r>
+          </a:p>
+          <a:p>
+            <a:pPr marL="0" indent="0">
+              <a:buNone/>
+            </a:pPr>
+            <a:r>
+              <a:rPr lang="en-GB" dirty="0"/>
+              <a:t>{</a:t>
+            </a:r>
+          </a:p>
+          <a:p>
+            <a:pPr marL="0" indent="0">
+              <a:buNone/>
+            </a:pPr>
+            <a:r>
+              <a:rPr lang="en-GB" dirty="0"/>
+              <a:t>	Person();</a:t>
+            </a:r>
+            <a:endParaRPr lang="bg-BG" dirty="0"/>
+          </a:p>
+          <a:p>
+            <a:pPr marL="0" indent="0">
+              <a:buNone/>
+            </a:pPr>
+            <a:r>
+              <a:rPr lang="en-GB" dirty="0"/>
+              <a:t>	Person(</a:t>
+            </a:r>
+            <a:r>
+              <a:rPr lang="en-GB" dirty="0" err="1"/>
+              <a:t>const</a:t>
+            </a:r>
+            <a:r>
+              <a:rPr lang="en-GB" dirty="0"/>
+              <a:t> Person&amp;); 	</a:t>
+            </a:r>
+            <a:endParaRPr lang="en-GB" dirty="0">
+              <a:solidFill>
+                <a:srgbClr val="289A00"/>
+              </a:solidFill>
+            </a:endParaRPr>
+          </a:p>
+          <a:p>
+            <a:pPr marL="0" indent="0">
+              <a:buNone/>
+            </a:pPr>
+            <a:r>
+              <a:rPr lang="bg-BG" dirty="0"/>
+              <a:t>	</a:t>
+            </a:r>
+            <a:r>
+              <a:rPr lang="en-GB" dirty="0"/>
+              <a:t>int id </a:t>
+            </a:r>
+            <a:r>
+              <a:rPr lang="bg-BG" dirty="0"/>
+              <a:t>=</a:t>
+            </a:r>
+            <a:r>
+              <a:rPr lang="en-GB" dirty="0"/>
+              <a:t> 0;</a:t>
+            </a:r>
+            <a:endParaRPr lang="en-GB" dirty="0">
+              <a:solidFill>
+                <a:srgbClr val="289A00"/>
+              </a:solidFill>
+            </a:endParaRPr>
+          </a:p>
+          <a:p>
+            <a:pPr marL="0" indent="0">
+              <a:buNone/>
+            </a:pPr>
+            <a:r>
+              <a:rPr lang="en-GB" dirty="0"/>
+              <a:t>};</a:t>
+            </a:r>
+          </a:p>
+          <a:p>
+            <a:pPr marL="0" indent="0">
+              <a:buNone/>
+            </a:pPr>
+            <a:r>
+              <a:rPr lang="en-GB" dirty="0"/>
+              <a:t>Person::Person(</a:t>
+            </a:r>
+            <a:r>
+              <a:rPr lang="en-GB" dirty="0" err="1"/>
+              <a:t>const</a:t>
+            </a:r>
+            <a:r>
+              <a:rPr lang="en-GB" dirty="0"/>
+              <a:t> Person&amp; old) : id(</a:t>
+            </a:r>
+            <a:r>
+              <a:rPr lang="bg-BG" dirty="0"/>
+              <a:t>++</a:t>
+            </a:r>
+            <a:r>
+              <a:rPr lang="en-GB" dirty="0"/>
+              <a:t>old.id)</a:t>
+            </a:r>
+            <a:r>
+              <a:rPr lang="bg-BG" dirty="0"/>
+              <a:t> </a:t>
+            </a:r>
+            <a:r>
+              <a:rPr lang="en-GB" dirty="0"/>
+              <a:t>{}</a:t>
+            </a:r>
+          </a:p>
+          <a:p>
+            <a:pPr marL="0" indent="0">
+              <a:buNone/>
+            </a:pPr>
+            <a:r>
+              <a:rPr lang="en-GB" dirty="0"/>
+              <a:t>Person::Person(){}</a:t>
+            </a:r>
+          </a:p>
+          <a:p>
+            <a:pPr marL="0" indent="0">
+              <a:buNone/>
+            </a:pPr>
+            <a:r>
+              <a:rPr lang="en-GB" dirty="0"/>
+              <a:t>…..</a:t>
+            </a:r>
+          </a:p>
+          <a:p>
+            <a:pPr marL="0" indent="0">
+              <a:buNone/>
+            </a:pPr>
+            <a:r>
+              <a:rPr lang="en-GB" dirty="0"/>
+              <a:t>Person Ali;</a:t>
+            </a:r>
+          </a:p>
+          <a:p>
+            <a:pPr marL="0" indent="0">
+              <a:buNone/>
+            </a:pPr>
+            <a:r>
+              <a:rPr lang="en-GB" dirty="0"/>
+              <a:t>Person </a:t>
+            </a:r>
+            <a:r>
+              <a:rPr lang="en-GB" dirty="0" err="1"/>
+              <a:t>Rolo</a:t>
+            </a:r>
+            <a:r>
+              <a:rPr lang="en-GB" dirty="0"/>
+              <a:t>(Ali);</a:t>
+            </a:r>
+          </a:p>
+          <a:p>
+            <a:pPr marL="0" indent="0">
+              <a:buNone/>
+            </a:pPr>
+            <a:r>
+              <a:rPr lang="en-GB" dirty="0"/>
+              <a:t>std::</a:t>
+            </a:r>
+            <a:r>
+              <a:rPr lang="en-GB" dirty="0" err="1"/>
+              <a:t>cout</a:t>
+            </a:r>
+            <a:r>
+              <a:rPr lang="en-GB" dirty="0"/>
+              <a:t>&lt;&lt;Ali.id == Rolo.id;</a:t>
+            </a:r>
+          </a:p>
+          <a:p>
+            <a:pPr marL="0" indent="0">
+              <a:buNone/>
+            </a:pPr>
+            <a:r>
+              <a:rPr lang="bg-BG" dirty="0">
+                <a:solidFill>
+                  <a:srgbClr val="FF33CC"/>
+                </a:solidFill>
+              </a:rPr>
+              <a:t>Отговор: грешка при компилация, защото </a:t>
+            </a:r>
+            <a:r>
+              <a:rPr lang="en-GB" dirty="0">
+                <a:solidFill>
+                  <a:srgbClr val="FF33CC"/>
+                </a:solidFill>
+              </a:rPr>
+              <a:t>old </a:t>
+            </a:r>
+            <a:r>
+              <a:rPr lang="bg-BG" dirty="0">
+                <a:solidFill>
+                  <a:srgbClr val="FF33CC"/>
+                </a:solidFill>
+              </a:rPr>
+              <a:t>е константа</a:t>
+            </a:r>
+          </a:p>
+          <a:p>
+            <a:endParaRPr lang="bg-BG" dirty="0"/>
           </a:p>
         </p:txBody>
       </p:sp>
     </p:spTree>
     <p:extLst>
       <p:ext uri="{BB962C8B-B14F-4D97-AF65-F5344CB8AC3E}">
-        <p14:creationId xmlns:p14="http://schemas.microsoft.com/office/powerpoint/2010/main" val="3774872987"/>
+        <p14:creationId xmlns:p14="http://schemas.microsoft.com/office/powerpoint/2010/main" val="2618362626"/>
       </p:ext>
     </p:extLst>
   </p:cSld>
@@ -14492,7 +14678,7 @@
           <p:cNvPr id="2" name="Заглавие 1">
             <a:extLst>
               <a:ext uri="{FF2B5EF4-FFF2-40B4-BE49-F238E27FC236}">
-                <a16:creationId xmlns:a16="http://schemas.microsoft.com/office/drawing/2014/main" id="{FF0B9DD1-12D0-4631-928E-2F06651E346D}"/>
+                <a16:creationId xmlns:a16="http://schemas.microsoft.com/office/drawing/2014/main" id="{2D109386-AB78-4619-8B1F-37918C769394}"/>
               </a:ext>
             </a:extLst>
           </p:cNvPr>
@@ -14509,8 +14695,8 @@
           <a:lstStyle/>
           <a:p>
             <a:r>
-              <a:rPr lang="bg-BG" dirty="0" err="1"/>
-              <a:t>Деструктор</a:t>
+              <a:rPr lang="bg-BG" dirty="0"/>
+              <a:t>Оператор за присвояване</a:t>
             </a:r>
             <a:endParaRPr lang="en-GB" dirty="0"/>
           </a:p>
@@ -14521,7 +14707,7 @@
           <p:cNvPr id="3" name="Контейнер за съдържание 2">
             <a:extLst>
               <a:ext uri="{FF2B5EF4-FFF2-40B4-BE49-F238E27FC236}">
-                <a16:creationId xmlns:a16="http://schemas.microsoft.com/office/drawing/2014/main" id="{DAC6699E-B298-41F5-89D5-86FB28C3DDA2}"/>
+                <a16:creationId xmlns:a16="http://schemas.microsoft.com/office/drawing/2014/main" id="{01C1BFFB-E07E-4F10-8729-45411F67B1B9}"/>
               </a:ext>
             </a:extLst>
           </p:cNvPr>
@@ -14534,29 +14720,188 @@
         </p:nvSpPr>
         <p:spPr/>
         <p:txBody>
-          <a:bodyPr/>
-          <a:lstStyle/>
-          <a:p>
-            <a:r>
-              <a:rPr lang="bg-BG" dirty="0"/>
-              <a:t>при унищожаване на обекта</a:t>
-            </a:r>
-          </a:p>
-          <a:p>
+          <a:bodyPr>
+            <a:normAutofit/>
+          </a:bodyPr>
+          <a:lstStyle/>
+          <a:p>
+            <a:r>
+              <a:rPr lang="bg-BG" dirty="0"/>
+              <a:t>Известен още като оператор =</a:t>
+            </a:r>
+          </a:p>
+          <a:p>
+            <a:endParaRPr lang="bg-BG" dirty="0"/>
+          </a:p>
+          <a:p>
+            <a:r>
+              <a:rPr lang="bg-BG" dirty="0"/>
+              <a:t>В С++ имаме възможност да предефинираме оператори за собствените ни класове</a:t>
+            </a:r>
+          </a:p>
+          <a:p>
+            <a:endParaRPr lang="bg-BG" dirty="0"/>
+          </a:p>
+          <a:p>
+            <a:r>
+              <a:rPr lang="bg-BG" dirty="0"/>
+              <a:t>Операторът за присвояване се използва за копиране на данни след инициализация</a:t>
+            </a:r>
+          </a:p>
+          <a:p>
+            <a:pPr marL="0" indent="0">
+              <a:buNone/>
+            </a:pPr>
+            <a:endParaRPr lang="bg-BG" dirty="0"/>
+          </a:p>
+          <a:p>
+            <a:r>
+              <a:rPr lang="bg-BG" dirty="0"/>
+              <a:t>Повече относно предефиниране на оператори – в бъдеще </a:t>
+            </a:r>
             <a:endParaRPr lang="en-GB" dirty="0"/>
+          </a:p>
+        </p:txBody>
+      </p:sp>
+      <p:sp>
+        <p:nvSpPr>
+          <p:cNvPr id="4" name="Правоъгълник 3">
+            <a:extLst>
+              <a:ext uri="{FF2B5EF4-FFF2-40B4-BE49-F238E27FC236}">
+                <a16:creationId xmlns:a16="http://schemas.microsoft.com/office/drawing/2014/main" id="{5AF4EB8A-B2E2-49F7-9F82-3DBE99D0C0A9}"/>
+              </a:ext>
+            </a:extLst>
+          </p:cNvPr>
+          <p:cNvSpPr/>
+          <p:nvPr/>
+        </p:nvSpPr>
+        <p:spPr>
+          <a:xfrm rot="1862087">
+            <a:off x="1118019" y="2045052"/>
+            <a:ext cx="10770819" cy="3154710"/>
+          </a:xfrm>
+          <a:prstGeom prst="rect">
+            <a:avLst/>
+          </a:prstGeom>
+          <a:noFill/>
+        </p:spPr>
+        <p:txBody>
+          <a:bodyPr wrap="square" lIns="91440" tIns="45720" rIns="91440" bIns="45720">
+            <a:spAutoFit/>
+            <a:scene3d>
+              <a:camera prst="orthographicFront"/>
+              <a:lightRig rig="soft" dir="t">
+                <a:rot lat="0" lon="0" rev="15600000"/>
+              </a:lightRig>
+            </a:scene3d>
+            <a:sp3d extrusionH="57150" prstMaterial="softEdge">
+              <a:bevelT w="25400" h="38100"/>
+            </a:sp3d>
+          </a:bodyPr>
+          <a:lstStyle/>
+          <a:p>
+            <a:pPr algn="ctr"/>
+            <a:r>
+              <a:rPr lang="bg-BG" sz="19900" b="1" cap="none" spc="0" dirty="0">
+                <a:ln/>
+                <a:solidFill>
+                  <a:schemeClr val="accent4"/>
+                </a:solidFill>
+                <a:effectLst/>
+              </a:rPr>
+              <a:t>Обещано</a:t>
+            </a:r>
           </a:p>
         </p:txBody>
       </p:sp>
     </p:spTree>
     <p:extLst>
       <p:ext uri="{BB962C8B-B14F-4D97-AF65-F5344CB8AC3E}">
-        <p14:creationId xmlns:p14="http://schemas.microsoft.com/office/powerpoint/2010/main" val="1253493127"/>
+        <p14:creationId xmlns:p14="http://schemas.microsoft.com/office/powerpoint/2010/main" val="3774872987"/>
       </p:ext>
     </p:extLst>
   </p:cSld>
   <p:clrMapOvr>
     <a:masterClrMapping/>
   </p:clrMapOvr>
+  <p:timing>
+    <p:tnLst>
+      <p:par>
+        <p:cTn id="1" dur="indefinite" restart="never" nodeType="tmRoot">
+          <p:childTnLst>
+            <p:seq concurrent="1" nextAc="seek">
+              <p:cTn id="2" dur="indefinite" nodeType="mainSeq">
+                <p:childTnLst>
+                  <p:par>
+                    <p:cTn id="3" fill="hold">
+                      <p:stCondLst>
+                        <p:cond delay="indefinite"/>
+                      </p:stCondLst>
+                      <p:childTnLst>
+                        <p:par>
+                          <p:cTn id="4" fill="hold">
+                            <p:stCondLst>
+                              <p:cond delay="0"/>
+                            </p:stCondLst>
+                            <p:childTnLst>
+                              <p:par>
+                                <p:cTn id="5" presetID="1" presetClass="entr" presetSubtype="0" fill="hold" grpId="0" nodeType="clickEffect">
+                                  <p:stCondLst>
+                                    <p:cond delay="0"/>
+                                  </p:stCondLst>
+                                  <p:childTnLst>
+                                    <p:set>
+                                      <p:cBhvr>
+                                        <p:cTn id="6" dur="1" fill="hold">
+                                          <p:stCondLst>
+                                            <p:cond delay="0"/>
+                                          </p:stCondLst>
+                                        </p:cTn>
+                                        <p:tgtEl>
+                                          <p:spTgt spid="4"/>
+                                        </p:tgtEl>
+                                        <p:attrNameLst>
+                                          <p:attrName>style.visibility</p:attrName>
+                                        </p:attrNameLst>
+                                      </p:cBhvr>
+                                      <p:to>
+                                        <p:strVal val="visible"/>
+                                      </p:to>
+                                    </p:set>
+                                  </p:childTnLst>
+                                </p:cTn>
+                              </p:par>
+                            </p:childTnLst>
+                          </p:cTn>
+                        </p:par>
+                      </p:childTnLst>
+                    </p:cTn>
+                  </p:par>
+                </p:childTnLst>
+              </p:cTn>
+              <p:prevCondLst>
+                <p:cond evt="onPrev" delay="0">
+                  <p:tgtEl>
+                    <p:sldTgt/>
+                  </p:tgtEl>
+                </p:cond>
+              </p:prevCondLst>
+              <p:nextCondLst>
+                <p:cond evt="onNext" delay="0">
+                  <p:tgtEl>
+                    <p:sldTgt/>
+                  </p:tgtEl>
+                </p:cond>
+              </p:nextCondLst>
+            </p:seq>
+          </p:childTnLst>
+        </p:cTn>
+      </p:par>
+    </p:tnLst>
+    <p:bldLst>
+      <p:bldP spid="4" grpId="0"/>
+    </p:bldLst>
+  </p:timing>
 </p:sld>
 </file>
 
@@ -14582,7 +14927,7 @@
           <p:cNvPr id="2" name="Заглавие 1">
             <a:extLst>
               <a:ext uri="{FF2B5EF4-FFF2-40B4-BE49-F238E27FC236}">
-                <a16:creationId xmlns:a16="http://schemas.microsoft.com/office/drawing/2014/main" id="{4F757570-295A-4E9C-BC5E-E99216E450F5}"/>
+                <a16:creationId xmlns:a16="http://schemas.microsoft.com/office/drawing/2014/main" id="{2D109386-AB78-4619-8B1F-37918C769394}"/>
               </a:ext>
             </a:extLst>
           </p:cNvPr>
@@ -14600,8 +14945,9 @@
           <a:p>
             <a:r>
               <a:rPr lang="bg-BG" dirty="0"/>
-              <a:t>Конструктори публични</a:t>
-            </a:r>
+              <a:t>Оператор за присвояване</a:t>
+            </a:r>
+            <a:endParaRPr lang="en-GB" dirty="0"/>
           </a:p>
         </p:txBody>
       </p:sp>
@@ -14610,7 +14956,7 @@
           <p:cNvPr id="3" name="Контейнер за съдържание 2">
             <a:extLst>
               <a:ext uri="{FF2B5EF4-FFF2-40B4-BE49-F238E27FC236}">
-                <a16:creationId xmlns:a16="http://schemas.microsoft.com/office/drawing/2014/main" id="{BC0F33FE-48A4-4C4A-A50F-3D8DDCDE6903}"/>
+                <a16:creationId xmlns:a16="http://schemas.microsoft.com/office/drawing/2014/main" id="{01C1BFFB-E07E-4F10-8729-45411F67B1B9}"/>
               </a:ext>
             </a:extLst>
           </p:cNvPr>
@@ -14623,17 +14969,158 @@
         </p:nvSpPr>
         <p:spPr/>
         <p:txBody>
-          <a:bodyPr/>
-          <a:lstStyle/>
-          <a:p>
-            <a:endParaRPr lang="bg-BG"/>
+          <a:bodyPr>
+            <a:normAutofit/>
+          </a:bodyPr>
+          <a:lstStyle/>
+          <a:p>
+            <a:r>
+              <a:rPr lang="bg-BG" dirty="0"/>
+              <a:t>Това, което се очаква да прави този оператор е да</a:t>
+            </a:r>
+          </a:p>
+          <a:p>
+            <a:pPr lvl="1"/>
+            <a:r>
+              <a:rPr lang="ru-RU" dirty="0" err="1"/>
+              <a:t>освобождава</a:t>
+            </a:r>
+            <a:r>
+              <a:rPr lang="ru-RU" dirty="0"/>
+              <a:t> </a:t>
+            </a:r>
+            <a:r>
+              <a:rPr lang="ru-RU" dirty="0" err="1"/>
+              <a:t>заетата</a:t>
+            </a:r>
+            <a:r>
+              <a:rPr lang="ru-RU" dirty="0"/>
+              <a:t> </a:t>
+            </a:r>
+            <a:r>
+              <a:rPr lang="ru-RU" dirty="0" err="1"/>
+              <a:t>памет</a:t>
+            </a:r>
+            <a:endParaRPr lang="ru-RU" dirty="0"/>
+          </a:p>
+          <a:p>
+            <a:pPr lvl="1"/>
+            <a:r>
+              <a:rPr lang="ru-RU" dirty="0" err="1"/>
+              <a:t>заделя</a:t>
+            </a:r>
+            <a:r>
+              <a:rPr lang="ru-RU" dirty="0"/>
+              <a:t> </a:t>
+            </a:r>
+            <a:r>
+              <a:rPr lang="ru-RU" dirty="0" err="1"/>
+              <a:t>същото</a:t>
+            </a:r>
+            <a:r>
+              <a:rPr lang="ru-RU" dirty="0"/>
+              <a:t> количество </a:t>
+            </a:r>
+            <a:r>
+              <a:rPr lang="ru-RU" dirty="0" err="1"/>
+              <a:t>памет</a:t>
+            </a:r>
+            <a:r>
+              <a:rPr lang="ru-RU" dirty="0"/>
+              <a:t> </a:t>
+            </a:r>
+            <a:r>
+              <a:rPr lang="ru-RU" dirty="0" err="1"/>
+              <a:t>като</a:t>
+            </a:r>
+            <a:r>
+              <a:rPr lang="ru-RU" dirty="0"/>
+              <a:t> при оригинала </a:t>
+            </a:r>
+          </a:p>
+          <a:p>
+            <a:pPr lvl="1"/>
+            <a:r>
+              <a:rPr lang="ru-RU" dirty="0" err="1"/>
+              <a:t>прехвърля</a:t>
+            </a:r>
+            <a:r>
+              <a:rPr lang="ru-RU" dirty="0"/>
+              <a:t> </a:t>
+            </a:r>
+            <a:r>
+              <a:rPr lang="ru-RU" dirty="0" err="1"/>
+              <a:t>данните</a:t>
+            </a:r>
+            <a:endParaRPr lang="ru-RU" dirty="0"/>
+          </a:p>
+          <a:p>
+            <a:pPr lvl="1"/>
+            <a:endParaRPr lang="ru-RU" dirty="0"/>
+          </a:p>
+          <a:p>
+            <a:r>
+              <a:rPr lang="ru-RU" dirty="0" err="1"/>
+              <a:t>Прието</a:t>
+            </a:r>
+            <a:r>
+              <a:rPr lang="ru-RU" dirty="0"/>
+              <a:t> е да се </a:t>
+            </a:r>
+            <a:r>
+              <a:rPr lang="ru-RU" dirty="0" err="1"/>
+              <a:t>връща</a:t>
+            </a:r>
+            <a:r>
+              <a:rPr lang="ru-RU" dirty="0"/>
+              <a:t> референция </a:t>
+            </a:r>
+            <a:r>
+              <a:rPr lang="ru-RU" dirty="0" err="1"/>
+              <a:t>към</a:t>
+            </a:r>
+            <a:r>
+              <a:rPr lang="ru-RU" dirty="0"/>
+              <a:t> </a:t>
+            </a:r>
+            <a:r>
+              <a:rPr lang="ru-RU" dirty="0" err="1"/>
+              <a:t>самия</a:t>
+            </a:r>
+            <a:r>
+              <a:rPr lang="ru-RU" dirty="0"/>
+              <a:t> </a:t>
+            </a:r>
+            <a:r>
+              <a:rPr lang="ru-RU" dirty="0" err="1"/>
+              <a:t>обект</a:t>
+            </a:r>
+            <a:r>
+              <a:rPr lang="ru-RU" dirty="0"/>
+              <a:t>, а не да е например </a:t>
+            </a:r>
+            <a:r>
+              <a:rPr lang="en-GB" dirty="0"/>
+              <a:t>void, </a:t>
+            </a:r>
+            <a:r>
+              <a:rPr lang="bg-BG" dirty="0"/>
+              <a:t>за да е възможно присвояване на дадена стойност на няколко обекта с една команда:</a:t>
+            </a:r>
+          </a:p>
+          <a:p>
+            <a:pPr lvl="1"/>
+            <a:r>
+              <a:rPr lang="en-GB" dirty="0"/>
+              <a:t>a=b=c=d=e</a:t>
+            </a:r>
           </a:p>
         </p:txBody>
       </p:sp>
     </p:spTree>
     <p:extLst>
       <p:ext uri="{BB962C8B-B14F-4D97-AF65-F5344CB8AC3E}">
-        <p14:creationId xmlns:p14="http://schemas.microsoft.com/office/powerpoint/2010/main" val="2910090489"/>
+        <p14:creationId xmlns:p14="http://schemas.microsoft.com/office/powerpoint/2010/main" val="116149385"/>
       </p:ext>
     </p:extLst>
   </p:cSld>
@@ -14665,7 +15152,7 @@
           <p:cNvPr id="2" name="Заглавие 1">
             <a:extLst>
               <a:ext uri="{FF2B5EF4-FFF2-40B4-BE49-F238E27FC236}">
-                <a16:creationId xmlns:a16="http://schemas.microsoft.com/office/drawing/2014/main" id="{CA7693C1-3722-4F20-9A04-9645B6C81C89}"/>
+                <a16:creationId xmlns:a16="http://schemas.microsoft.com/office/drawing/2014/main" id="{BB10BF87-3D13-4AA0-9F4B-7E59A402ADE4}"/>
               </a:ext>
             </a:extLst>
           </p:cNvPr>
@@ -14683,41 +15170,130 @@
           <a:p>
             <a:r>
               <a:rPr lang="bg-BG" dirty="0"/>
-              <a:t>Забрана на конструктор</a:t>
-            </a:r>
+              <a:t>Синтаксис</a:t>
+            </a:r>
+          </a:p>
+        </p:txBody>
+      </p:sp>
+      <p:sp>
+        <p:nvSpPr>
+          <p:cNvPr id="3" name="Контейнер за съдържание 2">
+            <a:extLst>
+              <a:ext uri="{FF2B5EF4-FFF2-40B4-BE49-F238E27FC236}">
+                <a16:creationId xmlns:a16="http://schemas.microsoft.com/office/drawing/2014/main" id="{8D44B700-E99B-49FE-AC66-7E23C1CB48D1}"/>
+              </a:ext>
+            </a:extLst>
+          </p:cNvPr>
+          <p:cNvSpPr>
+            <a:spLocks noGrp="1"/>
+          </p:cNvSpPr>
+          <p:nvPr>
+            <p:ph idx="1"/>
+          </p:nvPr>
+        </p:nvSpPr>
+        <p:spPr/>
+        <p:txBody>
+          <a:bodyPr>
+            <a:normAutofit/>
+          </a:bodyPr>
+          <a:lstStyle/>
+          <a:p>
+            <a:r>
+              <a:rPr lang="en-GB" dirty="0"/>
+              <a:t>&lt;</a:t>
+            </a:r>
+            <a:r>
+              <a:rPr lang="bg-BG" dirty="0"/>
+              <a:t>тип&gt; </a:t>
+            </a:r>
+            <a:r>
+              <a:rPr lang="en-GB" dirty="0"/>
+              <a:t>operator = (</a:t>
+            </a:r>
+            <a:r>
+              <a:rPr lang="en-GB" dirty="0" err="1"/>
+              <a:t>const</a:t>
+            </a:r>
+            <a:r>
+              <a:rPr lang="en-GB" dirty="0"/>
+              <a:t> &lt;</a:t>
+            </a:r>
+            <a:r>
+              <a:rPr lang="bg-BG" dirty="0" err="1"/>
+              <a:t>тип_на_обекта</a:t>
+            </a:r>
+            <a:r>
+              <a:rPr lang="bg-BG" dirty="0"/>
+              <a:t>&gt; </a:t>
+            </a:r>
+            <a:r>
+              <a:rPr lang="en-GB" dirty="0"/>
+              <a:t>&amp;);</a:t>
+            </a:r>
+          </a:p>
+          <a:p>
             <a:endParaRPr lang="en-GB" dirty="0"/>
           </a:p>
-        </p:txBody>
-      </p:sp>
-      <p:sp>
-        <p:nvSpPr>
-          <p:cNvPr id="3" name="Контейнер за съдържание 2">
-            <a:extLst>
-              <a:ext uri="{FF2B5EF4-FFF2-40B4-BE49-F238E27FC236}">
-                <a16:creationId xmlns:a16="http://schemas.microsoft.com/office/drawing/2014/main" id="{3A9474C5-9B62-433A-A615-E65636955FE2}"/>
-              </a:ext>
-            </a:extLst>
-          </p:cNvPr>
-          <p:cNvSpPr>
-            <a:spLocks noGrp="1"/>
-          </p:cNvSpPr>
-          <p:nvPr>
-            <p:ph idx="1"/>
-          </p:nvPr>
-        </p:nvSpPr>
-        <p:spPr/>
-        <p:txBody>
-          <a:bodyPr/>
-          <a:lstStyle/>
-          <a:p>
-            <a:endParaRPr lang="en-GB" dirty="0"/>
+          <a:p>
+            <a:r>
+              <a:rPr lang="bg-BG" dirty="0"/>
+              <a:t>Оператор = може да връща какъвто тип му кажем</a:t>
+            </a:r>
+          </a:p>
+          <a:p>
+            <a:endParaRPr lang="bg-BG" dirty="0"/>
+          </a:p>
+          <a:p>
+            <a:r>
+              <a:rPr lang="bg-BG" dirty="0"/>
+              <a:t>Оператор = може да приема всякакви параметри</a:t>
+            </a:r>
+          </a:p>
+          <a:p>
+            <a:endParaRPr lang="bg-BG" dirty="0"/>
+          </a:p>
+          <a:p>
+            <a:r>
+              <a:rPr lang="bg-BG" dirty="0"/>
+              <a:t>Само оператор =, приемащ </a:t>
+            </a:r>
+            <a:r>
+              <a:rPr lang="en-GB" dirty="0" err="1"/>
+              <a:t>const</a:t>
+            </a:r>
+            <a:r>
+              <a:rPr lang="en-GB" dirty="0"/>
+              <a:t> &lt;</a:t>
+            </a:r>
+            <a:r>
+              <a:rPr lang="bg-BG" dirty="0" err="1"/>
+              <a:t>тип_на_обекта</a:t>
+            </a:r>
+            <a:r>
+              <a:rPr lang="bg-BG" dirty="0"/>
+              <a:t>&gt; </a:t>
+            </a:r>
+            <a:r>
+              <a:rPr lang="en-GB" dirty="0"/>
+              <a:t>&amp;</a:t>
+            </a:r>
+            <a:r>
+              <a:rPr lang="bg-BG" dirty="0"/>
+              <a:t>, се генерира автоматично от компилатора</a:t>
+            </a:r>
+          </a:p>
+          <a:p>
+            <a:endParaRPr lang="bg-BG" dirty="0"/>
+          </a:p>
+          <a:p>
+            <a:endParaRPr lang="bg-BG" dirty="0"/>
           </a:p>
         </p:txBody>
       </p:sp>
     </p:spTree>
     <p:extLst>
       <p:ext uri="{BB962C8B-B14F-4D97-AF65-F5344CB8AC3E}">
-        <p14:creationId xmlns:p14="http://schemas.microsoft.com/office/powerpoint/2010/main" val="4140137288"/>
+        <p14:creationId xmlns:p14="http://schemas.microsoft.com/office/powerpoint/2010/main" val="1304995193"/>
       </p:ext>
     </p:extLst>
   </p:cSld>
@@ -14749,7 +15325,7 @@
           <p:cNvPr id="2" name="Заглавие 1">
             <a:extLst>
               <a:ext uri="{FF2B5EF4-FFF2-40B4-BE49-F238E27FC236}">
-                <a16:creationId xmlns:a16="http://schemas.microsoft.com/office/drawing/2014/main" id="{31740539-815D-4DC0-8065-3175D10BF166}"/>
+                <a16:creationId xmlns:a16="http://schemas.microsoft.com/office/drawing/2014/main" id="{A87DB61C-938C-4B4E-B2B4-EFF66790D5C2}"/>
               </a:ext>
             </a:extLst>
           </p:cNvPr>
@@ -14767,9 +15343,8 @@
           <a:p>
             <a:r>
               <a:rPr lang="bg-BG" dirty="0"/>
-              <a:t>Кога пишем голямата четворка</a:t>
-            </a:r>
-            <a:endParaRPr lang="en-GB" dirty="0"/>
+              <a:t>Оператор за присвояване</a:t>
+            </a:r>
           </a:p>
         </p:txBody>
       </p:sp>
@@ -14778,7 +15353,7 @@
           <p:cNvPr id="3" name="Контейнер за съдържание 2">
             <a:extLst>
               <a:ext uri="{FF2B5EF4-FFF2-40B4-BE49-F238E27FC236}">
-                <a16:creationId xmlns:a16="http://schemas.microsoft.com/office/drawing/2014/main" id="{CF2D10FE-2B31-4CD9-A2D0-88C28AF80FC7}"/>
+                <a16:creationId xmlns:a16="http://schemas.microsoft.com/office/drawing/2014/main" id="{2DEB84E1-4B74-4395-9B18-E2CF883126B9}"/>
               </a:ext>
             </a:extLst>
           </p:cNvPr>
@@ -14795,305 +15370,45 @@
           <a:lstStyle/>
           <a:p>
             <a:r>
-              <a:rPr lang="ru-RU" dirty="0" err="1"/>
-              <a:t>Когато</a:t>
-            </a:r>
-            <a:r>
-              <a:rPr lang="ru-RU" dirty="0"/>
-              <a:t> </a:t>
-            </a:r>
-            <a:r>
-              <a:rPr lang="ru-RU" dirty="0" err="1"/>
-              <a:t>обектът</a:t>
-            </a:r>
-            <a:r>
-              <a:rPr lang="ru-RU" dirty="0"/>
-              <a:t> </a:t>
-            </a:r>
-            <a:r>
-              <a:rPr lang="ru-RU" dirty="0" err="1"/>
-              <a:t>трябва</a:t>
-            </a:r>
-            <a:r>
-              <a:rPr lang="ru-RU" dirty="0"/>
-              <a:t> да </a:t>
-            </a:r>
-            <a:r>
-              <a:rPr lang="ru-RU" dirty="0" err="1"/>
-              <a:t>управлява</a:t>
-            </a:r>
-            <a:r>
-              <a:rPr lang="ru-RU" dirty="0"/>
-              <a:t> </a:t>
-            </a:r>
-            <a:r>
-              <a:rPr lang="ru-RU" dirty="0" err="1"/>
-              <a:t>външни</a:t>
-            </a:r>
-            <a:r>
-              <a:rPr lang="ru-RU" dirty="0"/>
-              <a:t> за него </a:t>
-            </a:r>
-            <a:r>
-              <a:rPr lang="ru-RU" dirty="0" err="1"/>
-              <a:t>ресурси</a:t>
-            </a:r>
-            <a:r>
-              <a:rPr lang="ru-RU" dirty="0"/>
-              <a:t>. </a:t>
-            </a:r>
-            <a:r>
-              <a:rPr lang="ru-RU" dirty="0" err="1"/>
-              <a:t>Най-често</a:t>
-            </a:r>
-            <a:r>
-              <a:rPr lang="ru-RU" dirty="0"/>
-              <a:t>: </a:t>
-            </a:r>
-            <a:r>
-              <a:rPr lang="ru-RU" dirty="0" err="1"/>
-              <a:t>когато</a:t>
-            </a:r>
-            <a:r>
-              <a:rPr lang="ru-RU" dirty="0"/>
-              <a:t> </a:t>
-            </a:r>
-            <a:r>
-              <a:rPr lang="ru-RU" dirty="0" err="1"/>
-              <a:t>обектът</a:t>
-            </a:r>
-            <a:r>
-              <a:rPr lang="ru-RU" dirty="0"/>
-              <a:t> </a:t>
-            </a:r>
-            <a:r>
-              <a:rPr lang="ru-RU" dirty="0" err="1"/>
-              <a:t>работи</a:t>
-            </a:r>
-            <a:r>
-              <a:rPr lang="ru-RU" dirty="0"/>
-              <a:t> с динамична </a:t>
-            </a:r>
-            <a:r>
-              <a:rPr lang="ru-RU" dirty="0" err="1"/>
-              <a:t>памет</a:t>
-            </a:r>
-            <a:r>
-              <a:rPr lang="ru-RU" dirty="0"/>
-              <a:t> Конструктор по </a:t>
-            </a:r>
-            <a:r>
-              <a:rPr lang="ru-RU" dirty="0" err="1"/>
-              <a:t>подразбиране</a:t>
-            </a:r>
-            <a:r>
-              <a:rPr lang="ru-RU" dirty="0"/>
-              <a:t> </a:t>
-            </a:r>
-            <a:r>
-              <a:rPr lang="ru-RU" dirty="0" err="1"/>
-              <a:t>заделяме</a:t>
-            </a:r>
-            <a:r>
-              <a:rPr lang="ru-RU" dirty="0"/>
-              <a:t> </a:t>
-            </a:r>
-            <a:r>
-              <a:rPr lang="ru-RU" dirty="0" err="1"/>
-              <a:t>минимална</a:t>
-            </a:r>
-            <a:r>
-              <a:rPr lang="ru-RU" dirty="0"/>
-              <a:t> </a:t>
-            </a:r>
-            <a:r>
-              <a:rPr lang="ru-RU" dirty="0" err="1"/>
-              <a:t>памет</a:t>
-            </a:r>
-            <a:r>
-              <a:rPr lang="ru-RU" dirty="0"/>
-              <a:t> или </a:t>
-            </a:r>
-            <a:r>
-              <a:rPr lang="ru-RU" dirty="0" err="1"/>
-              <a:t>установяваме</a:t>
-            </a:r>
-            <a:r>
-              <a:rPr lang="ru-RU" dirty="0"/>
-              <a:t> указателя в </a:t>
-            </a:r>
-            <a:r>
-              <a:rPr lang="ru-RU" dirty="0" err="1"/>
-              <a:t>nullptr</a:t>
-            </a:r>
-            <a:r>
-              <a:rPr lang="ru-RU" dirty="0"/>
-              <a:t> Конструктор за </a:t>
-            </a:r>
-            <a:r>
-              <a:rPr lang="ru-RU" dirty="0" err="1"/>
-              <a:t>копиране</a:t>
-            </a:r>
-            <a:r>
-              <a:rPr lang="ru-RU" dirty="0"/>
-              <a:t> </a:t>
-            </a:r>
-            <a:r>
-              <a:rPr lang="ru-RU" dirty="0" err="1"/>
-              <a:t>заделяме</a:t>
-            </a:r>
-            <a:r>
-              <a:rPr lang="ru-RU" dirty="0"/>
-              <a:t> </a:t>
-            </a:r>
-            <a:r>
-              <a:rPr lang="ru-RU" dirty="0" err="1"/>
-              <a:t>същото</a:t>
-            </a:r>
-            <a:r>
-              <a:rPr lang="ru-RU" dirty="0"/>
-              <a:t> количество </a:t>
-            </a:r>
-            <a:r>
-              <a:rPr lang="ru-RU" dirty="0" err="1"/>
-              <a:t>памет</a:t>
-            </a:r>
-            <a:r>
-              <a:rPr lang="ru-RU" dirty="0"/>
-              <a:t> </a:t>
-            </a:r>
-            <a:r>
-              <a:rPr lang="ru-RU" dirty="0" err="1"/>
-              <a:t>като</a:t>
-            </a:r>
-            <a:r>
-              <a:rPr lang="ru-RU" dirty="0"/>
-              <a:t> при оригинала </a:t>
-            </a:r>
-            <a:r>
-              <a:rPr lang="ru-RU" dirty="0" err="1"/>
-              <a:t>прехвърляме</a:t>
-            </a:r>
-            <a:r>
-              <a:rPr lang="ru-RU" dirty="0"/>
-              <a:t> </a:t>
-            </a:r>
-            <a:r>
-              <a:rPr lang="ru-RU" dirty="0" err="1"/>
-              <a:t>данните</a:t>
-            </a:r>
-            <a:r>
-              <a:rPr lang="ru-RU" dirty="0"/>
-              <a:t> Оператор за </a:t>
-            </a:r>
-            <a:r>
-              <a:rPr lang="ru-RU" dirty="0" err="1"/>
-              <a:t>присвояване</a:t>
-            </a:r>
-            <a:r>
-              <a:rPr lang="ru-RU" dirty="0"/>
-              <a:t> </a:t>
-            </a:r>
-            <a:r>
-              <a:rPr lang="ru-RU" dirty="0" err="1"/>
-              <a:t>освобождаваме</a:t>
-            </a:r>
-            <a:r>
-              <a:rPr lang="ru-RU" dirty="0"/>
-              <a:t> </a:t>
-            </a:r>
-            <a:r>
-              <a:rPr lang="ru-RU" dirty="0" err="1"/>
-              <a:t>заетата</a:t>
-            </a:r>
-            <a:r>
-              <a:rPr lang="ru-RU" dirty="0"/>
-              <a:t> </a:t>
-            </a:r>
-            <a:r>
-              <a:rPr lang="ru-RU" dirty="0" err="1"/>
-              <a:t>памет</a:t>
-            </a:r>
-            <a:r>
-              <a:rPr lang="ru-RU" dirty="0"/>
-              <a:t> </a:t>
-            </a:r>
-            <a:r>
-              <a:rPr lang="ru-RU" dirty="0" err="1"/>
-              <a:t>заделяме</a:t>
-            </a:r>
-            <a:r>
-              <a:rPr lang="ru-RU" dirty="0"/>
-              <a:t> </a:t>
-            </a:r>
-            <a:r>
-              <a:rPr lang="ru-RU" dirty="0" err="1"/>
-              <a:t>същото</a:t>
-            </a:r>
-            <a:r>
-              <a:rPr lang="ru-RU" dirty="0"/>
-              <a:t> количество </a:t>
-            </a:r>
-            <a:r>
-              <a:rPr lang="ru-RU" dirty="0" err="1"/>
-              <a:t>памет</a:t>
-            </a:r>
-            <a:r>
-              <a:rPr lang="ru-RU" dirty="0"/>
-              <a:t> </a:t>
-            </a:r>
-            <a:r>
-              <a:rPr lang="ru-RU" dirty="0" err="1"/>
-              <a:t>като</a:t>
-            </a:r>
-            <a:r>
-              <a:rPr lang="ru-RU" dirty="0"/>
-              <a:t> при оригинала </a:t>
-            </a:r>
-            <a:r>
-              <a:rPr lang="ru-RU" dirty="0" err="1"/>
-              <a:t>прехвърляме</a:t>
-            </a:r>
-            <a:r>
-              <a:rPr lang="ru-RU" dirty="0"/>
-              <a:t> </a:t>
-            </a:r>
-            <a:r>
-              <a:rPr lang="ru-RU" dirty="0" err="1"/>
-              <a:t>данните</a:t>
-            </a:r>
-            <a:r>
-              <a:rPr lang="ru-RU" dirty="0"/>
-              <a:t> Деструктор </a:t>
-            </a:r>
-            <a:r>
-              <a:rPr lang="ru-RU" dirty="0" err="1"/>
-              <a:t>освобождаваме</a:t>
-            </a:r>
-            <a:r>
-              <a:rPr lang="ru-RU" dirty="0"/>
-              <a:t> </a:t>
-            </a:r>
-            <a:r>
-              <a:rPr lang="ru-RU" dirty="0" err="1"/>
-              <a:t>заетата</a:t>
-            </a:r>
-            <a:r>
-              <a:rPr lang="ru-RU" dirty="0"/>
-              <a:t> </a:t>
-            </a:r>
-            <a:r>
-              <a:rPr lang="ru-RU" dirty="0" err="1"/>
-              <a:t>памет</a:t>
-            </a:r>
-            <a:endParaRPr lang="ru-RU" dirty="0"/>
+              <a:rPr lang="bg-BG" dirty="0"/>
+              <a:t>Автоматично генерираният извършва </a:t>
+            </a:r>
+            <a:r>
+              <a:rPr lang="bg-BG" dirty="0" err="1"/>
+              <a:t>поелементно</a:t>
+            </a:r>
+            <a:r>
+              <a:rPr lang="bg-BG" dirty="0"/>
+              <a:t> присвояване, както вече говорихме</a:t>
+            </a:r>
+          </a:p>
+          <a:p>
+            <a:endParaRPr lang="bg-BG" dirty="0"/>
+          </a:p>
+          <a:p>
+            <a:r>
+              <a:rPr lang="bg-BG" dirty="0"/>
+              <a:t>Автоматично генерираният връща като резултат референция към самия обект</a:t>
+            </a:r>
+          </a:p>
+          <a:p>
+            <a:endParaRPr lang="bg-BG" dirty="0"/>
+          </a:p>
+          <a:p>
+            <a:r>
+              <a:rPr lang="bg-BG" dirty="0"/>
+              <a:t>Затова се счита за добра практика, когато го предефинираме, той също да връща референция към самия обект</a:t>
+            </a:r>
+          </a:p>
+          <a:p>
+            <a:endParaRPr lang="bg-BG" dirty="0"/>
           </a:p>
         </p:txBody>
       </p:sp>
     </p:spTree>
     <p:extLst>
       <p:ext uri="{BB962C8B-B14F-4D97-AF65-F5344CB8AC3E}">
-        <p14:creationId xmlns:p14="http://schemas.microsoft.com/office/powerpoint/2010/main" val="3965576714"/>
+        <p14:creationId xmlns:p14="http://schemas.microsoft.com/office/powerpoint/2010/main" val="4060670899"/>
       </p:ext>
     </p:extLst>
   </p:cSld>
@@ -15125,7 +15440,7 @@
           <p:cNvPr id="2" name="Заглавие 1">
             <a:extLst>
               <a:ext uri="{FF2B5EF4-FFF2-40B4-BE49-F238E27FC236}">
-                <a16:creationId xmlns:a16="http://schemas.microsoft.com/office/drawing/2014/main" id="{127036BF-810E-4DAF-9E42-69AF3F2C5FE7}"/>
+                <a16:creationId xmlns:a16="http://schemas.microsoft.com/office/drawing/2014/main" id="{D40A810A-8476-446E-B556-C008B5454A9E}"/>
               </a:ext>
             </a:extLst>
           </p:cNvPr>
@@ -15141,42 +15456,49 @@
           <a:bodyPr/>
           <a:lstStyle/>
           <a:p>
-            <a:r>
-              <a:rPr lang="bg-BG" dirty="0"/>
-              <a:t>Масиви от собствени данни</a:t>
-            </a:r>
-          </a:p>
-        </p:txBody>
-      </p:sp>
-      <p:sp>
-        <p:nvSpPr>
-          <p:cNvPr id="3" name="Контейнер за съдържание 2">
-            <a:extLst>
-              <a:ext uri="{FF2B5EF4-FFF2-40B4-BE49-F238E27FC236}">
-                <a16:creationId xmlns:a16="http://schemas.microsoft.com/office/drawing/2014/main" id="{798DEFCB-FCF2-4BD0-B400-5BACA2FFBEF7}"/>
-              </a:ext>
-            </a:extLst>
-          </p:cNvPr>
-          <p:cNvSpPr>
-            <a:spLocks noGrp="1"/>
-          </p:cNvSpPr>
+            <a:endParaRPr lang="bg-BG"/>
+          </a:p>
+        </p:txBody>
+      </p:sp>
+      <p:pic>
+        <p:nvPicPr>
+          <p:cNvPr id="5" name="Контейнер за съдържание 4">
+            <a:extLst>
+              <a:ext uri="{FF2B5EF4-FFF2-40B4-BE49-F238E27FC236}">
+                <a16:creationId xmlns:a16="http://schemas.microsoft.com/office/drawing/2014/main" id="{09A5020E-EBA7-4C2F-9A97-174E7EA60AA3}"/>
+              </a:ext>
+            </a:extLst>
+          </p:cNvPr>
+          <p:cNvPicPr>
+            <a:picLocks noGrp="1" noChangeAspect="1"/>
+          </p:cNvPicPr>
           <p:nvPr>
             <p:ph idx="1"/>
           </p:nvPr>
-        </p:nvSpPr>
-        <p:spPr/>
-        <p:txBody>
-          <a:bodyPr/>
-          <a:lstStyle/>
-          <a:p>
-            <a:endParaRPr lang="bg-BG"/>
-          </a:p>
-        </p:txBody>
-      </p:sp>
+        </p:nvPicPr>
+        <p:blipFill>
+          <a:blip r:embed="rId2">
+            <a:extLst>
+              <a:ext uri="{28A0092B-C50C-407E-A947-70E740481C1C}">
+                <a14:useLocalDpi xmlns:a14="http://schemas.microsoft.com/office/drawing/2010/main" val="0"/>
+              </a:ext>
+            </a:extLst>
+          </a:blip>
+          <a:stretch>
+            <a:fillRect/>
+          </a:stretch>
+        </p:blipFill>
+        <p:spPr>
+          <a:xfrm>
+            <a:off x="0" y="-1"/>
+            <a:ext cx="12192000" cy="6854653"/>
+          </a:xfrm>
+        </p:spPr>
+      </p:pic>
     </p:spTree>
     <p:extLst>
       <p:ext uri="{BB962C8B-B14F-4D97-AF65-F5344CB8AC3E}">
-        <p14:creationId xmlns:p14="http://schemas.microsoft.com/office/powerpoint/2010/main" val="2956491106"/>
+        <p14:creationId xmlns:p14="http://schemas.microsoft.com/office/powerpoint/2010/main" val="1587660019"/>
       </p:ext>
     </p:extLst>
   </p:cSld>
@@ -15208,7 +15530,7 @@
           <p:cNvPr id="2" name="Заглавие 1">
             <a:extLst>
               <a:ext uri="{FF2B5EF4-FFF2-40B4-BE49-F238E27FC236}">
-                <a16:creationId xmlns:a16="http://schemas.microsoft.com/office/drawing/2014/main" id="{301C5825-3318-4902-9287-D16E8A197CC5}"/>
+                <a16:creationId xmlns:a16="http://schemas.microsoft.com/office/drawing/2014/main" id="{D36542E7-7D8E-4645-B0F5-A6025DBC5F49}"/>
               </a:ext>
             </a:extLst>
           </p:cNvPr>
@@ -15226,9 +15548,8 @@
           <a:p>
             <a:r>
               <a:rPr lang="bg-BG" dirty="0"/>
-              <a:t>Източници</a:t>
-            </a:r>
-            <a:endParaRPr lang="en-GB" dirty="0"/>
+              <a:t>Пример</a:t>
+            </a:r>
           </a:p>
         </p:txBody>
       </p:sp>
@@ -15237,7 +15558,7 @@
           <p:cNvPr id="3" name="Контейнер за съдържание 2">
             <a:extLst>
               <a:ext uri="{FF2B5EF4-FFF2-40B4-BE49-F238E27FC236}">
-                <a16:creationId xmlns:a16="http://schemas.microsoft.com/office/drawing/2014/main" id="{BEB607A1-BD2B-46F1-A5E1-AF8B58FEA8FC}"/>
+                <a16:creationId xmlns:a16="http://schemas.microsoft.com/office/drawing/2014/main" id="{A800C786-D78C-4A76-BC1D-822C75042525}"/>
               </a:ext>
             </a:extLst>
           </p:cNvPr>
@@ -15250,50 +15571,875 @@
         </p:nvSpPr>
         <p:spPr/>
         <p:txBody>
+          <a:bodyPr>
+            <a:normAutofit fontScale="85000" lnSpcReduction="20000"/>
+          </a:bodyPr>
+          <a:lstStyle/>
+          <a:p>
+            <a:pPr marL="0" indent="0">
+              <a:buNone/>
+            </a:pPr>
+            <a:r>
+              <a:rPr lang="en-GB" dirty="0"/>
+              <a:t>struct Person{</a:t>
+            </a:r>
+          </a:p>
+          <a:p>
+            <a:pPr marL="0" indent="0">
+              <a:buNone/>
+            </a:pPr>
+            <a:r>
+              <a:rPr lang="en-GB" dirty="0"/>
+              <a:t>	Person();</a:t>
+            </a:r>
+            <a:endParaRPr lang="bg-BG" dirty="0"/>
+          </a:p>
+          <a:p>
+            <a:pPr marL="0" indent="0">
+              <a:buNone/>
+            </a:pPr>
+            <a:r>
+              <a:rPr lang="en-GB" dirty="0"/>
+              <a:t>	Person&amp; operator = ( </a:t>
+            </a:r>
+            <a:r>
+              <a:rPr lang="en-GB" dirty="0" err="1"/>
+              <a:t>const</a:t>
+            </a:r>
+            <a:r>
+              <a:rPr lang="en-GB" dirty="0"/>
+              <a:t> Person &amp; );	</a:t>
+            </a:r>
+          </a:p>
+          <a:p>
+            <a:pPr marL="0" indent="0">
+              <a:buNone/>
+            </a:pPr>
+            <a:r>
+              <a:rPr lang="en-GB" dirty="0"/>
+              <a:t>	private:</a:t>
+            </a:r>
+          </a:p>
+          <a:p>
+            <a:pPr marL="0" indent="0">
+              <a:buNone/>
+            </a:pPr>
+            <a:r>
+              <a:rPr lang="bg-BG" dirty="0"/>
+              <a:t>	</a:t>
+            </a:r>
+            <a:r>
+              <a:rPr lang="en-GB" dirty="0"/>
+              <a:t>int id </a:t>
+            </a:r>
+            <a:r>
+              <a:rPr lang="bg-BG" dirty="0"/>
+              <a:t>=</a:t>
+            </a:r>
+            <a:r>
+              <a:rPr lang="en-GB" dirty="0"/>
+              <a:t> 0;</a:t>
+            </a:r>
+            <a:endParaRPr lang="en-GB" dirty="0">
+              <a:solidFill>
+                <a:srgbClr val="289A00"/>
+              </a:solidFill>
+            </a:endParaRPr>
+          </a:p>
+          <a:p>
+            <a:pPr marL="0" indent="0">
+              <a:buNone/>
+            </a:pPr>
+            <a:r>
+              <a:rPr lang="en-GB" dirty="0"/>
+              <a:t>};</a:t>
+            </a:r>
+          </a:p>
+          <a:p>
+            <a:pPr marL="0" indent="0">
+              <a:buNone/>
+            </a:pPr>
+            <a:r>
+              <a:rPr lang="en-GB" dirty="0"/>
+              <a:t>Person&amp; Person::operator = ( </a:t>
+            </a:r>
+            <a:r>
+              <a:rPr lang="en-GB" dirty="0" err="1"/>
+              <a:t>const</a:t>
+            </a:r>
+            <a:r>
+              <a:rPr lang="en-GB" dirty="0"/>
+              <a:t> Person &amp; </a:t>
+            </a:r>
+            <a:r>
+              <a:rPr lang="en-GB" dirty="0" err="1"/>
+              <a:t>rhs</a:t>
+            </a:r>
+            <a:r>
+              <a:rPr lang="en-GB" dirty="0"/>
+              <a:t>) </a:t>
+            </a:r>
+            <a:r>
+              <a:rPr lang="en-GB" dirty="0">
+                <a:solidFill>
+                  <a:srgbClr val="289A00"/>
+                </a:solidFill>
+              </a:rPr>
+              <a:t>//</a:t>
+            </a:r>
+            <a:r>
+              <a:rPr lang="en-GB" dirty="0" err="1">
+                <a:solidFill>
+                  <a:srgbClr val="289A00"/>
+                </a:solidFill>
+              </a:rPr>
+              <a:t>rhs</a:t>
+            </a:r>
+            <a:r>
+              <a:rPr lang="en-GB" dirty="0">
+                <a:solidFill>
+                  <a:srgbClr val="289A00"/>
+                </a:solidFill>
+              </a:rPr>
+              <a:t> == right side</a:t>
+            </a:r>
+          </a:p>
+          <a:p>
+            <a:pPr marL="0" indent="0">
+              <a:buNone/>
+            </a:pPr>
+            <a:r>
+              <a:rPr lang="en-GB" dirty="0"/>
+              <a:t>{</a:t>
+            </a:r>
+          </a:p>
+          <a:p>
+            <a:pPr marL="0" indent="0">
+              <a:buNone/>
+            </a:pPr>
+            <a:r>
+              <a:rPr lang="en-GB" dirty="0"/>
+              <a:t>	id = rhs.id;</a:t>
+            </a:r>
+          </a:p>
+          <a:p>
+            <a:pPr marL="0" indent="0">
+              <a:buNone/>
+            </a:pPr>
+            <a:r>
+              <a:rPr lang="en-GB" dirty="0"/>
+              <a:t>	return *this;	</a:t>
+            </a:r>
+            <a:r>
+              <a:rPr lang="en-GB" dirty="0">
+                <a:solidFill>
+                  <a:srgbClr val="289A00"/>
+                </a:solidFill>
+              </a:rPr>
+              <a:t>//</a:t>
+            </a:r>
+            <a:r>
+              <a:rPr lang="bg-BG" dirty="0">
+                <a:solidFill>
+                  <a:srgbClr val="289A00"/>
+                </a:solidFill>
+              </a:rPr>
+              <a:t>така работи и този по подразбиране</a:t>
+            </a:r>
+            <a:endParaRPr lang="en-GB" dirty="0">
+              <a:solidFill>
+                <a:srgbClr val="289A00"/>
+              </a:solidFill>
+            </a:endParaRPr>
+          </a:p>
+          <a:p>
+            <a:pPr marL="0" indent="0">
+              <a:buNone/>
+            </a:pPr>
+            <a:r>
+              <a:rPr lang="en-GB" dirty="0"/>
+              <a:t>}</a:t>
+            </a:r>
+          </a:p>
+          <a:p>
+            <a:endParaRPr lang="bg-BG" dirty="0"/>
+          </a:p>
+        </p:txBody>
+      </p:sp>
+    </p:spTree>
+    <p:extLst>
+      <p:ext uri="{BB962C8B-B14F-4D97-AF65-F5344CB8AC3E}">
+        <p14:creationId xmlns:p14="http://schemas.microsoft.com/office/powerpoint/2010/main" val="3152919585"/>
+      </p:ext>
+    </p:extLst>
+  </p:cSld>
+  <p:clrMapOvr>
+    <a:masterClrMapping/>
+  </p:clrMapOvr>
+</p:sld>
+</file>
+
+<file path=ppt/slides/slide156.xml><?xml version="1.0" encoding="utf-8"?>
+<p:sld xmlns:a="http://schemas.openxmlformats.org/drawingml/2006/main" xmlns:r="http://schemas.openxmlformats.org/officeDocument/2006/relationships" xmlns:p="http://schemas.openxmlformats.org/presentationml/2006/main">
+  <p:cSld>
+    <p:spTree>
+      <p:nvGrpSpPr>
+        <p:cNvPr id="1" name=""/>
+        <p:cNvGrpSpPr/>
+        <p:nvPr/>
+      </p:nvGrpSpPr>
+      <p:grpSpPr>
+        <a:xfrm>
+          <a:off x="0" y="0"/>
+          <a:ext cx="0" cy="0"/>
+          <a:chOff x="0" y="0"/>
+          <a:chExt cx="0" cy="0"/>
+        </a:xfrm>
+      </p:grpSpPr>
+      <p:sp>
+        <p:nvSpPr>
+          <p:cNvPr id="2" name="Заглавие 1">
+            <a:extLst>
+              <a:ext uri="{FF2B5EF4-FFF2-40B4-BE49-F238E27FC236}">
+                <a16:creationId xmlns:a16="http://schemas.microsoft.com/office/drawing/2014/main" id="{EEB51E3C-5113-414E-B488-2EA13B1E4296}"/>
+              </a:ext>
+            </a:extLst>
+          </p:cNvPr>
+          <p:cNvSpPr>
+            <a:spLocks noGrp="1"/>
+          </p:cNvSpPr>
+          <p:nvPr>
+            <p:ph type="title"/>
+          </p:nvPr>
+        </p:nvSpPr>
+        <p:spPr/>
+        <p:txBody>
           <a:bodyPr/>
           <a:lstStyle/>
           <a:p>
             <a:r>
               <a:rPr lang="bg-BG" dirty="0"/>
-              <a:t>Голяма част от информацията е сверена с</a:t>
-            </a:r>
-            <a:r>
-              <a:rPr lang="en-GB" dirty="0"/>
-              <a:t> </a:t>
+              <a:t>Задачи за вас </a:t>
+            </a:r>
+            <a:r>
+              <a:rPr lang="en-GB" dirty="0"/>
+              <a:t>#6</a:t>
+            </a:r>
+          </a:p>
+        </p:txBody>
+      </p:sp>
+      <p:sp>
+        <p:nvSpPr>
+          <p:cNvPr id="3" name="Контейнер за съдържание 2">
+            <a:extLst>
+              <a:ext uri="{FF2B5EF4-FFF2-40B4-BE49-F238E27FC236}">
+                <a16:creationId xmlns:a16="http://schemas.microsoft.com/office/drawing/2014/main" id="{316026D2-E8A3-49DC-89C6-5C2536EC6B4E}"/>
+              </a:ext>
+            </a:extLst>
+          </p:cNvPr>
+          <p:cNvSpPr>
+            <a:spLocks noGrp="1"/>
+          </p:cNvSpPr>
+          <p:nvPr>
+            <p:ph idx="1"/>
+          </p:nvPr>
+        </p:nvSpPr>
+        <p:spPr/>
+        <p:txBody>
+          <a:bodyPr/>
+          <a:lstStyle/>
+          <a:p>
+            <a:r>
+              <a:rPr lang="bg-BG" dirty="0"/>
+              <a:t>Отидете на </a:t>
             </a:r>
             <a:r>
               <a:rPr lang="en-GB" dirty="0">
                 <a:hlinkClick r:id="rId2"/>
               </a:rPr>
-              <a:t>https://en.cppreference.com</a:t>
-            </a:r>
+              <a:t>www.menti.com</a:t>
+            </a:r>
+            <a:r>
+              <a:rPr lang="en-GB" dirty="0"/>
+              <a:t>	</a:t>
+            </a:r>
+          </a:p>
+          <a:p>
             <a:endParaRPr lang="en-GB" dirty="0"/>
-          </a:p>
-          <a:p>
-            <a:r>
-              <a:rPr lang="bg-BG" dirty="0"/>
-              <a:t>Използвани са дефиниции и описания от материали на доц. Трифон Трифонов</a:t>
-            </a:r>
-          </a:p>
-          <a:p>
-            <a:r>
-              <a:rPr lang="bg-BG" dirty="0"/>
-              <a:t>Авторският код е проверяван на </a:t>
-            </a:r>
-            <a:r>
-              <a:rPr lang="en-GB" dirty="0">
-                <a:hlinkClick r:id="rId3"/>
-              </a:rPr>
-              <a:t>VisualStudio2017</a:t>
-            </a:r>
-            <a:endParaRPr lang="bg-BG" dirty="0"/>
           </a:p>
         </p:txBody>
       </p:sp>
     </p:spTree>
     <p:extLst>
       <p:ext uri="{BB962C8B-B14F-4D97-AF65-F5344CB8AC3E}">
-        <p14:creationId xmlns:p14="http://schemas.microsoft.com/office/powerpoint/2010/main" val="2971376904"/>
+        <p14:creationId xmlns:p14="http://schemas.microsoft.com/office/powerpoint/2010/main" val="3552242139"/>
+      </p:ext>
+    </p:extLst>
+  </p:cSld>
+  <p:clrMapOvr>
+    <a:masterClrMapping/>
+  </p:clrMapOvr>
+</p:sld>
+</file>
+
+<file path=ppt/slides/slide157.xml><?xml version="1.0" encoding="utf-8"?>
+<p:sld xmlns:a="http://schemas.openxmlformats.org/drawingml/2006/main" xmlns:r="http://schemas.openxmlformats.org/officeDocument/2006/relationships" xmlns:p="http://schemas.openxmlformats.org/presentationml/2006/main">
+  <p:cSld>
+    <p:spTree>
+      <p:nvGrpSpPr>
+        <p:cNvPr id="1" name=""/>
+        <p:cNvGrpSpPr/>
+        <p:nvPr/>
+      </p:nvGrpSpPr>
+      <p:grpSpPr>
+        <a:xfrm>
+          <a:off x="0" y="0"/>
+          <a:ext cx="0" cy="0"/>
+          <a:chOff x="0" y="0"/>
+          <a:chExt cx="0" cy="0"/>
+        </a:xfrm>
+      </p:grpSpPr>
+      <p:sp>
+        <p:nvSpPr>
+          <p:cNvPr id="2" name="Заглавие 1">
+            <a:extLst>
+              <a:ext uri="{FF2B5EF4-FFF2-40B4-BE49-F238E27FC236}">
+                <a16:creationId xmlns:a16="http://schemas.microsoft.com/office/drawing/2014/main" id="{B50F5914-F3AA-4C35-B54F-12EE47E44070}"/>
+              </a:ext>
+            </a:extLst>
+          </p:cNvPr>
+          <p:cNvSpPr>
+            <a:spLocks noGrp="1"/>
+          </p:cNvSpPr>
+          <p:nvPr>
+            <p:ph type="title"/>
+          </p:nvPr>
+        </p:nvSpPr>
+        <p:spPr/>
+        <p:txBody>
+          <a:bodyPr/>
+          <a:lstStyle/>
+          <a:p>
+            <a:r>
+              <a:rPr lang="bg-BG" dirty="0"/>
+              <a:t>Задача</a:t>
+            </a:r>
+          </a:p>
+        </p:txBody>
+      </p:sp>
+      <p:sp>
+        <p:nvSpPr>
+          <p:cNvPr id="3" name="Контейнер за съдържание 2">
+            <a:extLst>
+              <a:ext uri="{FF2B5EF4-FFF2-40B4-BE49-F238E27FC236}">
+                <a16:creationId xmlns:a16="http://schemas.microsoft.com/office/drawing/2014/main" id="{B1C917C3-EA07-4A0A-AACD-A420F7B9832C}"/>
+              </a:ext>
+            </a:extLst>
+          </p:cNvPr>
+          <p:cNvSpPr>
+            <a:spLocks noGrp="1"/>
+          </p:cNvSpPr>
+          <p:nvPr>
+            <p:ph idx="1"/>
+          </p:nvPr>
+        </p:nvSpPr>
+        <p:spPr/>
+        <p:txBody>
+          <a:bodyPr>
+            <a:normAutofit fontScale="92500" lnSpcReduction="20000"/>
+          </a:bodyPr>
+          <a:lstStyle/>
+          <a:p>
+            <a:r>
+              <a:rPr lang="bg-BG" dirty="0"/>
+              <a:t>Валидна ли е следната декларация?</a:t>
+            </a:r>
+          </a:p>
+          <a:p>
+            <a:pPr marL="0" indent="0">
+              <a:buNone/>
+            </a:pPr>
+            <a:r>
+              <a:rPr lang="en-GB" dirty="0"/>
+              <a:t>struct Person{</a:t>
+            </a:r>
+          </a:p>
+          <a:p>
+            <a:pPr marL="0" indent="0">
+              <a:buNone/>
+            </a:pPr>
+            <a:r>
+              <a:rPr lang="en-GB" dirty="0"/>
+              <a:t>	Person();</a:t>
+            </a:r>
+            <a:endParaRPr lang="bg-BG" dirty="0"/>
+          </a:p>
+          <a:p>
+            <a:pPr marL="0" indent="0">
+              <a:buNone/>
+            </a:pPr>
+            <a:r>
+              <a:rPr lang="bg-BG" dirty="0"/>
+              <a:t>	</a:t>
+            </a:r>
+            <a:r>
+              <a:rPr lang="en-GB" dirty="0"/>
+              <a:t>void operator = (</a:t>
+            </a:r>
+            <a:r>
+              <a:rPr lang="en-GB" dirty="0" err="1"/>
+              <a:t>const</a:t>
+            </a:r>
+            <a:r>
+              <a:rPr lang="en-GB" dirty="0"/>
+              <a:t> Person&amp;);</a:t>
+            </a:r>
+          </a:p>
+          <a:p>
+            <a:pPr marL="0" indent="0">
+              <a:buNone/>
+            </a:pPr>
+            <a:r>
+              <a:rPr lang="bg-BG" dirty="0"/>
+              <a:t>	</a:t>
+            </a:r>
+            <a:r>
+              <a:rPr lang="en-GB" dirty="0" err="1"/>
+              <a:t>const</a:t>
+            </a:r>
+            <a:r>
+              <a:rPr lang="en-GB" dirty="0"/>
+              <a:t> Person&amp; operator= (</a:t>
+            </a:r>
+            <a:r>
+              <a:rPr lang="en-GB" dirty="0" err="1"/>
+              <a:t>const</a:t>
+            </a:r>
+            <a:r>
+              <a:rPr lang="en-GB" dirty="0"/>
+              <a:t> Person&amp;); 	</a:t>
+            </a:r>
+            <a:endParaRPr lang="bg-BG" dirty="0"/>
+          </a:p>
+          <a:p>
+            <a:pPr marL="0" indent="0">
+              <a:buNone/>
+            </a:pPr>
+            <a:r>
+              <a:rPr lang="bg-BG" dirty="0"/>
+              <a:t>	</a:t>
+            </a:r>
+            <a:r>
+              <a:rPr lang="en-GB" dirty="0"/>
+              <a:t>private:</a:t>
+            </a:r>
+          </a:p>
+          <a:p>
+            <a:pPr marL="0" indent="0">
+              <a:buNone/>
+            </a:pPr>
+            <a:r>
+              <a:rPr lang="bg-BG" dirty="0"/>
+              <a:t>	</a:t>
+            </a:r>
+            <a:r>
+              <a:rPr lang="en-GB" dirty="0"/>
+              <a:t>int id </a:t>
+            </a:r>
+            <a:r>
+              <a:rPr lang="bg-BG" dirty="0"/>
+              <a:t>=</a:t>
+            </a:r>
+            <a:r>
+              <a:rPr lang="en-GB" dirty="0"/>
+              <a:t> 0;</a:t>
+            </a:r>
+            <a:endParaRPr lang="en-GB" dirty="0">
+              <a:solidFill>
+                <a:srgbClr val="289A00"/>
+              </a:solidFill>
+            </a:endParaRPr>
+          </a:p>
+          <a:p>
+            <a:pPr marL="0" indent="0">
+              <a:buNone/>
+            </a:pPr>
+            <a:r>
+              <a:rPr lang="en-GB" dirty="0"/>
+              <a:t>};</a:t>
+            </a:r>
+          </a:p>
+          <a:p>
+            <a:r>
+              <a:rPr lang="bg-BG" dirty="0">
+                <a:solidFill>
+                  <a:srgbClr val="FF33CC"/>
+                </a:solidFill>
+              </a:rPr>
+              <a:t>Отговор: Не. Не можем да имаме </a:t>
+            </a:r>
+            <a:r>
+              <a:rPr lang="en-GB" dirty="0">
+                <a:solidFill>
+                  <a:srgbClr val="FF33CC"/>
+                </a:solidFill>
+              </a:rPr>
+              <a:t>overload </a:t>
+            </a:r>
+            <a:r>
+              <a:rPr lang="bg-BG" dirty="0">
+                <a:solidFill>
+                  <a:srgbClr val="FF33CC"/>
+                </a:solidFill>
+              </a:rPr>
+              <a:t>на функция, само като сменим типа, който се връща, защото компилаторът няма да знае кога кое викаме</a:t>
+            </a:r>
+          </a:p>
+        </p:txBody>
+      </p:sp>
+    </p:spTree>
+    <p:extLst>
+      <p:ext uri="{BB962C8B-B14F-4D97-AF65-F5344CB8AC3E}">
+        <p14:creationId xmlns:p14="http://schemas.microsoft.com/office/powerpoint/2010/main" val="2676851447"/>
+      </p:ext>
+    </p:extLst>
+  </p:cSld>
+  <p:clrMapOvr>
+    <a:masterClrMapping/>
+  </p:clrMapOvr>
+</p:sld>
+</file>
+
+<file path=ppt/slides/slide158.xml><?xml version="1.0" encoding="utf-8"?>
+<p:sld xmlns:a="http://schemas.openxmlformats.org/drawingml/2006/main" xmlns:r="http://schemas.openxmlformats.org/officeDocument/2006/relationships" xmlns:p="http://schemas.openxmlformats.org/presentationml/2006/main">
+  <p:cSld>
+    <p:spTree>
+      <p:nvGrpSpPr>
+        <p:cNvPr id="1" name=""/>
+        <p:cNvGrpSpPr/>
+        <p:nvPr/>
+      </p:nvGrpSpPr>
+      <p:grpSpPr>
+        <a:xfrm>
+          <a:off x="0" y="0"/>
+          <a:ext cx="0" cy="0"/>
+          <a:chOff x="0" y="0"/>
+          <a:chExt cx="0" cy="0"/>
+        </a:xfrm>
+      </p:grpSpPr>
+      <p:sp>
+        <p:nvSpPr>
+          <p:cNvPr id="2" name="Заглавие 1">
+            <a:extLst>
+              <a:ext uri="{FF2B5EF4-FFF2-40B4-BE49-F238E27FC236}">
+                <a16:creationId xmlns:a16="http://schemas.microsoft.com/office/drawing/2014/main" id="{0B3C1F55-2FD8-40BB-9ECE-85E182F4D2B7}"/>
+              </a:ext>
+            </a:extLst>
+          </p:cNvPr>
+          <p:cNvSpPr>
+            <a:spLocks noGrp="1"/>
+          </p:cNvSpPr>
+          <p:nvPr>
+            <p:ph type="title"/>
+          </p:nvPr>
+        </p:nvSpPr>
+        <p:spPr/>
+        <p:txBody>
+          <a:bodyPr/>
+          <a:lstStyle/>
+          <a:p>
+            <a:endParaRPr lang="bg-BG"/>
+          </a:p>
+        </p:txBody>
+      </p:sp>
+      <p:pic>
+        <p:nvPicPr>
+          <p:cNvPr id="5" name="Контейнер за съдържание 4">
+            <a:extLst>
+              <a:ext uri="{FF2B5EF4-FFF2-40B4-BE49-F238E27FC236}">
+                <a16:creationId xmlns:a16="http://schemas.microsoft.com/office/drawing/2014/main" id="{BEAEF49D-92E0-4888-ABA3-D78FBF3BAD34}"/>
+              </a:ext>
+            </a:extLst>
+          </p:cNvPr>
+          <p:cNvPicPr>
+            <a:picLocks noGrp="1" noChangeAspect="1"/>
+          </p:cNvPicPr>
+          <p:nvPr>
+            <p:ph idx="1"/>
+          </p:nvPr>
+        </p:nvPicPr>
+        <p:blipFill>
+          <a:blip r:embed="rId2">
+            <a:extLst>
+              <a:ext uri="{28A0092B-C50C-407E-A947-70E740481C1C}">
+                <a14:useLocalDpi xmlns:a14="http://schemas.microsoft.com/office/drawing/2010/main" val="0"/>
+              </a:ext>
+            </a:extLst>
+          </a:blip>
+          <a:stretch>
+            <a:fillRect/>
+          </a:stretch>
+        </p:blipFill>
+        <p:spPr>
+          <a:xfrm>
+            <a:off x="0" y="-1"/>
+            <a:ext cx="12192000" cy="6854653"/>
+          </a:xfrm>
+        </p:spPr>
+      </p:pic>
+    </p:spTree>
+    <p:extLst>
+      <p:ext uri="{BB962C8B-B14F-4D97-AF65-F5344CB8AC3E}">
+        <p14:creationId xmlns:p14="http://schemas.microsoft.com/office/powerpoint/2010/main" val="701972058"/>
+      </p:ext>
+    </p:extLst>
+  </p:cSld>
+  <p:clrMapOvr>
+    <a:masterClrMapping/>
+  </p:clrMapOvr>
+</p:sld>
+</file>
+
+<file path=ppt/slides/slide159.xml><?xml version="1.0" encoding="utf-8"?>
+<p:sld xmlns:a="http://schemas.openxmlformats.org/drawingml/2006/main" xmlns:r="http://schemas.openxmlformats.org/officeDocument/2006/relationships" xmlns:p="http://schemas.openxmlformats.org/presentationml/2006/main">
+  <p:cSld>
+    <p:spTree>
+      <p:nvGrpSpPr>
+        <p:cNvPr id="1" name=""/>
+        <p:cNvGrpSpPr/>
+        <p:nvPr/>
+      </p:nvGrpSpPr>
+      <p:grpSpPr>
+        <a:xfrm>
+          <a:off x="0" y="0"/>
+          <a:ext cx="0" cy="0"/>
+          <a:chOff x="0" y="0"/>
+          <a:chExt cx="0" cy="0"/>
+        </a:xfrm>
+      </p:grpSpPr>
+      <p:sp>
+        <p:nvSpPr>
+          <p:cNvPr id="2" name="Заглавие 1">
+            <a:extLst>
+              <a:ext uri="{FF2B5EF4-FFF2-40B4-BE49-F238E27FC236}">
+                <a16:creationId xmlns:a16="http://schemas.microsoft.com/office/drawing/2014/main" id="{B50F5914-F3AA-4C35-B54F-12EE47E44070}"/>
+              </a:ext>
+            </a:extLst>
+          </p:cNvPr>
+          <p:cNvSpPr>
+            <a:spLocks noGrp="1"/>
+          </p:cNvSpPr>
+          <p:nvPr>
+            <p:ph type="title"/>
+          </p:nvPr>
+        </p:nvSpPr>
+        <p:spPr/>
+        <p:txBody>
+          <a:bodyPr/>
+          <a:lstStyle/>
+          <a:p>
+            <a:r>
+              <a:rPr lang="bg-BG" dirty="0"/>
+              <a:t>Задача</a:t>
+            </a:r>
+          </a:p>
+        </p:txBody>
+      </p:sp>
+      <p:sp>
+        <p:nvSpPr>
+          <p:cNvPr id="3" name="Контейнер за съдържание 2">
+            <a:extLst>
+              <a:ext uri="{FF2B5EF4-FFF2-40B4-BE49-F238E27FC236}">
+                <a16:creationId xmlns:a16="http://schemas.microsoft.com/office/drawing/2014/main" id="{B1C917C3-EA07-4A0A-AACD-A420F7B9832C}"/>
+              </a:ext>
+            </a:extLst>
+          </p:cNvPr>
+          <p:cNvSpPr>
+            <a:spLocks noGrp="1"/>
+          </p:cNvSpPr>
+          <p:nvPr>
+            <p:ph idx="1"/>
+          </p:nvPr>
+        </p:nvSpPr>
+        <p:spPr/>
+        <p:txBody>
+          <a:bodyPr>
+            <a:normAutofit fontScale="92500" lnSpcReduction="10000"/>
+          </a:bodyPr>
+          <a:lstStyle/>
+          <a:p>
+            <a:r>
+              <a:rPr lang="bg-BG" dirty="0"/>
+              <a:t>Валидна ли е следната декларация?</a:t>
+            </a:r>
+          </a:p>
+          <a:p>
+            <a:pPr marL="0" indent="0">
+              <a:buNone/>
+            </a:pPr>
+            <a:r>
+              <a:rPr lang="en-GB" dirty="0"/>
+              <a:t>struct Person{</a:t>
+            </a:r>
+          </a:p>
+          <a:p>
+            <a:pPr marL="0" indent="0">
+              <a:buNone/>
+            </a:pPr>
+            <a:r>
+              <a:rPr lang="en-GB" dirty="0"/>
+              <a:t>	Person();</a:t>
+            </a:r>
+            <a:endParaRPr lang="bg-BG" dirty="0"/>
+          </a:p>
+          <a:p>
+            <a:pPr marL="0" indent="0">
+              <a:buNone/>
+            </a:pPr>
+            <a:r>
+              <a:rPr lang="bg-BG" dirty="0"/>
+              <a:t>	</a:t>
+            </a:r>
+            <a:r>
+              <a:rPr lang="en-GB" dirty="0"/>
+              <a:t>void operator = (</a:t>
+            </a:r>
+            <a:r>
+              <a:rPr lang="en-GB" dirty="0" err="1"/>
+              <a:t>const</a:t>
+            </a:r>
+            <a:r>
+              <a:rPr lang="en-GB" dirty="0"/>
+              <a:t> Person&amp;);</a:t>
+            </a:r>
+          </a:p>
+          <a:p>
+            <a:pPr marL="0" indent="0">
+              <a:buNone/>
+            </a:pPr>
+            <a:r>
+              <a:rPr lang="bg-BG" dirty="0"/>
+              <a:t>	</a:t>
+            </a:r>
+            <a:r>
+              <a:rPr lang="en-GB" dirty="0" err="1"/>
+              <a:t>const</a:t>
+            </a:r>
+            <a:r>
+              <a:rPr lang="en-GB" dirty="0"/>
+              <a:t> Person&amp; operator= (</a:t>
+            </a:r>
+            <a:r>
+              <a:rPr lang="en-GB" dirty="0" err="1"/>
+              <a:t>const</a:t>
+            </a:r>
+            <a:r>
+              <a:rPr lang="en-GB" dirty="0"/>
+              <a:t> Person);</a:t>
+            </a:r>
+            <a:endParaRPr lang="bg-BG" dirty="0"/>
+          </a:p>
+          <a:p>
+            <a:pPr marL="0" indent="0">
+              <a:buNone/>
+            </a:pPr>
+            <a:r>
+              <a:rPr lang="bg-BG" dirty="0"/>
+              <a:t>	</a:t>
+            </a:r>
+            <a:r>
+              <a:rPr lang="en-GB" dirty="0"/>
+              <a:t>private:</a:t>
+            </a:r>
+          </a:p>
+          <a:p>
+            <a:pPr marL="0" indent="0">
+              <a:buNone/>
+            </a:pPr>
+            <a:r>
+              <a:rPr lang="bg-BG" dirty="0"/>
+              <a:t>	</a:t>
+            </a:r>
+            <a:r>
+              <a:rPr lang="en-GB" dirty="0"/>
+              <a:t>int id </a:t>
+            </a:r>
+            <a:r>
+              <a:rPr lang="bg-BG" dirty="0"/>
+              <a:t>=</a:t>
+            </a:r>
+            <a:r>
+              <a:rPr lang="en-GB" dirty="0"/>
+              <a:t> 0;</a:t>
+            </a:r>
+            <a:endParaRPr lang="en-GB" dirty="0">
+              <a:solidFill>
+                <a:srgbClr val="289A00"/>
+              </a:solidFill>
+            </a:endParaRPr>
+          </a:p>
+          <a:p>
+            <a:pPr marL="0" indent="0">
+              <a:buNone/>
+            </a:pPr>
+            <a:r>
+              <a:rPr lang="en-GB" dirty="0"/>
+              <a:t>};</a:t>
+            </a:r>
+          </a:p>
+          <a:p>
+            <a:r>
+              <a:rPr lang="bg-BG" dirty="0">
+                <a:solidFill>
+                  <a:srgbClr val="FF33CC"/>
+                </a:solidFill>
+              </a:rPr>
+              <a:t>Отговор: Не. В декларацията няма да се появи като грешка, но при първото повикване с </a:t>
+            </a:r>
+            <a:r>
+              <a:rPr lang="en-GB" dirty="0" err="1">
+                <a:solidFill>
+                  <a:srgbClr val="FF33CC"/>
+                </a:solidFill>
+              </a:rPr>
+              <a:t>lvalue</a:t>
+            </a:r>
+            <a:r>
+              <a:rPr lang="en-GB" dirty="0">
+                <a:solidFill>
+                  <a:srgbClr val="FF33CC"/>
+                </a:solidFill>
+              </a:rPr>
+              <a:t>, </a:t>
+            </a:r>
+            <a:r>
+              <a:rPr lang="bg-BG" dirty="0">
+                <a:solidFill>
+                  <a:srgbClr val="FF33CC"/>
+                </a:solidFill>
+              </a:rPr>
+              <a:t>ще се появи грешка за </a:t>
+            </a:r>
+            <a:r>
+              <a:rPr lang="en-GB" dirty="0">
+                <a:solidFill>
+                  <a:srgbClr val="FF33CC"/>
+                </a:solidFill>
+              </a:rPr>
+              <a:t>ambiguity</a:t>
+            </a:r>
+            <a:endParaRPr lang="bg-BG" dirty="0">
+              <a:solidFill>
+                <a:srgbClr val="FF33CC"/>
+              </a:solidFill>
+            </a:endParaRPr>
+          </a:p>
+        </p:txBody>
+      </p:sp>
+    </p:spTree>
+    <p:extLst>
+      <p:ext uri="{BB962C8B-B14F-4D97-AF65-F5344CB8AC3E}">
+        <p14:creationId xmlns:p14="http://schemas.microsoft.com/office/powerpoint/2010/main" val="2142183470"/>
       </p:ext>
     </p:extLst>
   </p:cSld>
@@ -15471,6 +16617,1074 @@
 </p:sld>
 </file>
 
+<file path=ppt/slides/slide160.xml><?xml version="1.0" encoding="utf-8"?>
+<p:sld xmlns:a="http://schemas.openxmlformats.org/drawingml/2006/main" xmlns:r="http://schemas.openxmlformats.org/officeDocument/2006/relationships" xmlns:p="http://schemas.openxmlformats.org/presentationml/2006/main">
+  <p:cSld>
+    <p:spTree>
+      <p:nvGrpSpPr>
+        <p:cNvPr id="1" name=""/>
+        <p:cNvGrpSpPr/>
+        <p:nvPr/>
+      </p:nvGrpSpPr>
+      <p:grpSpPr>
+        <a:xfrm>
+          <a:off x="0" y="0"/>
+          <a:ext cx="0" cy="0"/>
+          <a:chOff x="0" y="0"/>
+          <a:chExt cx="0" cy="0"/>
+        </a:xfrm>
+      </p:grpSpPr>
+      <p:sp>
+        <p:nvSpPr>
+          <p:cNvPr id="2" name="Заглавие 1">
+            <a:extLst>
+              <a:ext uri="{FF2B5EF4-FFF2-40B4-BE49-F238E27FC236}">
+                <a16:creationId xmlns:a16="http://schemas.microsoft.com/office/drawing/2014/main" id="{B58407E3-59CD-4655-8BAD-A926B2A42D1D}"/>
+              </a:ext>
+            </a:extLst>
+          </p:cNvPr>
+          <p:cNvSpPr>
+            <a:spLocks noGrp="1"/>
+          </p:cNvSpPr>
+          <p:nvPr>
+            <p:ph type="title"/>
+          </p:nvPr>
+        </p:nvSpPr>
+        <p:spPr/>
+        <p:txBody>
+          <a:bodyPr/>
+          <a:lstStyle/>
+          <a:p>
+            <a:endParaRPr lang="bg-BG"/>
+          </a:p>
+        </p:txBody>
+      </p:sp>
+      <p:pic>
+        <p:nvPicPr>
+          <p:cNvPr id="5" name="Контейнер за съдържание 4">
+            <a:extLst>
+              <a:ext uri="{FF2B5EF4-FFF2-40B4-BE49-F238E27FC236}">
+                <a16:creationId xmlns:a16="http://schemas.microsoft.com/office/drawing/2014/main" id="{C67C91A3-A4EA-4D95-BD06-BCBD8EE8BEAB}"/>
+              </a:ext>
+            </a:extLst>
+          </p:cNvPr>
+          <p:cNvPicPr>
+            <a:picLocks noGrp="1" noChangeAspect="1"/>
+          </p:cNvPicPr>
+          <p:nvPr>
+            <p:ph idx="1"/>
+          </p:nvPr>
+        </p:nvPicPr>
+        <p:blipFill>
+          <a:blip r:embed="rId2">
+            <a:extLst>
+              <a:ext uri="{28A0092B-C50C-407E-A947-70E740481C1C}">
+                <a14:useLocalDpi xmlns:a14="http://schemas.microsoft.com/office/drawing/2010/main" val="0"/>
+              </a:ext>
+            </a:extLst>
+          </a:blip>
+          <a:stretch>
+            <a:fillRect/>
+          </a:stretch>
+        </p:blipFill>
+        <p:spPr>
+          <a:xfrm>
+            <a:off x="0" y="-1"/>
+            <a:ext cx="12192000" cy="6854653"/>
+          </a:xfrm>
+        </p:spPr>
+      </p:pic>
+    </p:spTree>
+    <p:extLst>
+      <p:ext uri="{BB962C8B-B14F-4D97-AF65-F5344CB8AC3E}">
+        <p14:creationId xmlns:p14="http://schemas.microsoft.com/office/powerpoint/2010/main" val="2584988083"/>
+      </p:ext>
+    </p:extLst>
+  </p:cSld>
+  <p:clrMapOvr>
+    <a:masterClrMapping/>
+  </p:clrMapOvr>
+</p:sld>
+</file>
+
+<file path=ppt/slides/slide161.xml><?xml version="1.0" encoding="utf-8"?>
+<p:sld xmlns:a="http://schemas.openxmlformats.org/drawingml/2006/main" xmlns:r="http://schemas.openxmlformats.org/officeDocument/2006/relationships" xmlns:p="http://schemas.openxmlformats.org/presentationml/2006/main">
+  <p:cSld>
+    <p:spTree>
+      <p:nvGrpSpPr>
+        <p:cNvPr id="1" name=""/>
+        <p:cNvGrpSpPr/>
+        <p:nvPr/>
+      </p:nvGrpSpPr>
+      <p:grpSpPr>
+        <a:xfrm>
+          <a:off x="0" y="0"/>
+          <a:ext cx="0" cy="0"/>
+          <a:chOff x="0" y="0"/>
+          <a:chExt cx="0" cy="0"/>
+        </a:xfrm>
+      </p:grpSpPr>
+      <p:sp>
+        <p:nvSpPr>
+          <p:cNvPr id="2" name="Заглавие 1">
+            <a:extLst>
+              <a:ext uri="{FF2B5EF4-FFF2-40B4-BE49-F238E27FC236}">
+                <a16:creationId xmlns:a16="http://schemas.microsoft.com/office/drawing/2014/main" id="{29B884A0-C638-4A62-A072-1A0676CE3C10}"/>
+              </a:ext>
+            </a:extLst>
+          </p:cNvPr>
+          <p:cNvSpPr>
+            <a:spLocks noGrp="1"/>
+          </p:cNvSpPr>
+          <p:nvPr>
+            <p:ph type="title"/>
+          </p:nvPr>
+        </p:nvSpPr>
+        <p:spPr/>
+        <p:txBody>
+          <a:bodyPr/>
+          <a:lstStyle/>
+          <a:p>
+            <a:r>
+              <a:rPr lang="bg-BG" dirty="0"/>
+              <a:t>Задача</a:t>
+            </a:r>
+          </a:p>
+        </p:txBody>
+      </p:sp>
+      <p:sp>
+        <p:nvSpPr>
+          <p:cNvPr id="3" name="Контейнер за съдържание 2">
+            <a:extLst>
+              <a:ext uri="{FF2B5EF4-FFF2-40B4-BE49-F238E27FC236}">
+                <a16:creationId xmlns:a16="http://schemas.microsoft.com/office/drawing/2014/main" id="{796BB901-AFCE-4010-886D-F55F4E3EE760}"/>
+              </a:ext>
+            </a:extLst>
+          </p:cNvPr>
+          <p:cNvSpPr>
+            <a:spLocks noGrp="1"/>
+          </p:cNvSpPr>
+          <p:nvPr>
+            <p:ph idx="1"/>
+          </p:nvPr>
+        </p:nvSpPr>
+        <p:spPr>
+          <a:xfrm>
+            <a:off x="419100" y="1608847"/>
+            <a:ext cx="11353800" cy="5249153"/>
+          </a:xfrm>
+        </p:spPr>
+        <p:txBody>
+          <a:bodyPr>
+            <a:normAutofit fontScale="85000" lnSpcReduction="20000"/>
+          </a:bodyPr>
+          <a:lstStyle/>
+          <a:p>
+            <a:r>
+              <a:rPr lang="bg-BG" dirty="0"/>
+              <a:t>Коя функция извикваме на оцветения ред?</a:t>
+            </a:r>
+          </a:p>
+          <a:p>
+            <a:pPr marL="0" indent="0">
+              <a:buNone/>
+            </a:pPr>
+            <a:r>
+              <a:rPr lang="en-GB" dirty="0"/>
+              <a:t>struct Person {</a:t>
+            </a:r>
+          </a:p>
+          <a:p>
+            <a:pPr marL="0" indent="0">
+              <a:buNone/>
+            </a:pPr>
+            <a:r>
+              <a:rPr lang="en-GB" dirty="0"/>
+              <a:t>	Person();</a:t>
+            </a:r>
+            <a:endParaRPr lang="bg-BG" dirty="0"/>
+          </a:p>
+          <a:p>
+            <a:pPr marL="0" indent="0">
+              <a:buNone/>
+            </a:pPr>
+            <a:r>
+              <a:rPr lang="bg-BG" dirty="0"/>
+              <a:t>	</a:t>
+            </a:r>
+            <a:r>
+              <a:rPr lang="en-GB" dirty="0"/>
+              <a:t>Person(</a:t>
+            </a:r>
+            <a:r>
+              <a:rPr lang="en-GB" dirty="0" err="1"/>
+              <a:t>const</a:t>
+            </a:r>
+            <a:r>
+              <a:rPr lang="en-GB" dirty="0"/>
+              <a:t> Person&amp;);</a:t>
+            </a:r>
+          </a:p>
+          <a:p>
+            <a:pPr marL="0" indent="0">
+              <a:buNone/>
+            </a:pPr>
+            <a:r>
+              <a:rPr lang="en-GB" dirty="0"/>
+              <a:t>	Person&amp; operator= (</a:t>
+            </a:r>
+            <a:r>
+              <a:rPr lang="en-GB" dirty="0" err="1"/>
+              <a:t>const</a:t>
+            </a:r>
+            <a:r>
+              <a:rPr lang="en-GB" dirty="0"/>
+              <a:t> Person&amp;);</a:t>
+            </a:r>
+          </a:p>
+          <a:p>
+            <a:pPr marL="0" indent="0">
+              <a:buNone/>
+            </a:pPr>
+            <a:r>
+              <a:rPr lang="bg-BG" dirty="0"/>
+              <a:t>};</a:t>
+            </a:r>
+            <a:endParaRPr lang="en-GB" dirty="0"/>
+          </a:p>
+          <a:p>
+            <a:pPr marL="0" indent="0">
+              <a:buNone/>
+            </a:pPr>
+            <a:r>
+              <a:rPr lang="en-GB" dirty="0"/>
+              <a:t>……</a:t>
+            </a:r>
+            <a:endParaRPr lang="bg-BG" dirty="0"/>
+          </a:p>
+          <a:p>
+            <a:pPr marL="0" indent="0">
+              <a:buNone/>
+            </a:pPr>
+            <a:r>
+              <a:rPr lang="en-GB" dirty="0"/>
+              <a:t>int main(){</a:t>
+            </a:r>
+          </a:p>
+          <a:p>
+            <a:pPr marL="0" indent="0">
+              <a:buNone/>
+            </a:pPr>
+            <a:r>
+              <a:rPr lang="en-GB" dirty="0"/>
+              <a:t>	Person Ali;</a:t>
+            </a:r>
+          </a:p>
+          <a:p>
+            <a:pPr marL="0" indent="0">
+              <a:buNone/>
+            </a:pPr>
+            <a:r>
+              <a:rPr lang="en-GB" dirty="0">
+                <a:solidFill>
+                  <a:srgbClr val="00B0F0"/>
+                </a:solidFill>
+              </a:rPr>
+              <a:t>	Person </a:t>
+            </a:r>
+            <a:r>
+              <a:rPr lang="en-GB" dirty="0" err="1">
+                <a:solidFill>
+                  <a:srgbClr val="00B0F0"/>
+                </a:solidFill>
+              </a:rPr>
+              <a:t>Rolo</a:t>
+            </a:r>
+            <a:r>
+              <a:rPr lang="en-GB" dirty="0">
+                <a:solidFill>
+                  <a:srgbClr val="00B0F0"/>
+                </a:solidFill>
+              </a:rPr>
+              <a:t> = Ali;</a:t>
+            </a:r>
+          </a:p>
+          <a:p>
+            <a:pPr marL="0" indent="0">
+              <a:buNone/>
+            </a:pPr>
+            <a:r>
+              <a:rPr lang="en-GB" dirty="0"/>
+              <a:t>	return 0;</a:t>
+            </a:r>
+          </a:p>
+          <a:p>
+            <a:pPr marL="0" indent="0">
+              <a:buNone/>
+            </a:pPr>
+            <a:r>
+              <a:rPr lang="bg-BG" dirty="0"/>
+              <a:t>}</a:t>
+            </a:r>
+            <a:endParaRPr lang="en-GB" dirty="0"/>
+          </a:p>
+          <a:p>
+            <a:pPr marL="0" indent="0">
+              <a:buNone/>
+            </a:pPr>
+            <a:r>
+              <a:rPr lang="bg-BG" dirty="0">
+                <a:solidFill>
+                  <a:srgbClr val="FF33CC"/>
+                </a:solidFill>
+              </a:rPr>
+              <a:t>Отговор: Копиращ конструктор</a:t>
+            </a:r>
+          </a:p>
+        </p:txBody>
+      </p:sp>
+    </p:spTree>
+    <p:extLst>
+      <p:ext uri="{BB962C8B-B14F-4D97-AF65-F5344CB8AC3E}">
+        <p14:creationId xmlns:p14="http://schemas.microsoft.com/office/powerpoint/2010/main" val="1364181815"/>
+      </p:ext>
+    </p:extLst>
+  </p:cSld>
+  <p:clrMapOvr>
+    <a:masterClrMapping/>
+  </p:clrMapOvr>
+</p:sld>
+</file>
+
+<file path=ppt/slides/slide162.xml><?xml version="1.0" encoding="utf-8"?>
+<p:sld xmlns:a="http://schemas.openxmlformats.org/drawingml/2006/main" xmlns:r="http://schemas.openxmlformats.org/officeDocument/2006/relationships" xmlns:p="http://schemas.openxmlformats.org/presentationml/2006/main">
+  <p:cSld>
+    <p:spTree>
+      <p:nvGrpSpPr>
+        <p:cNvPr id="1" name=""/>
+        <p:cNvGrpSpPr/>
+        <p:nvPr/>
+      </p:nvGrpSpPr>
+      <p:grpSpPr>
+        <a:xfrm>
+          <a:off x="0" y="0"/>
+          <a:ext cx="0" cy="0"/>
+          <a:chOff x="0" y="0"/>
+          <a:chExt cx="0" cy="0"/>
+        </a:xfrm>
+      </p:grpSpPr>
+      <p:sp>
+        <p:nvSpPr>
+          <p:cNvPr id="2" name="Заглавие 1">
+            <a:extLst>
+              <a:ext uri="{FF2B5EF4-FFF2-40B4-BE49-F238E27FC236}">
+                <a16:creationId xmlns:a16="http://schemas.microsoft.com/office/drawing/2014/main" id="{FF5B5D24-C85A-42D6-ACC2-3B9BA1C9C1E5}"/>
+              </a:ext>
+            </a:extLst>
+          </p:cNvPr>
+          <p:cNvSpPr>
+            <a:spLocks noGrp="1"/>
+          </p:cNvSpPr>
+          <p:nvPr>
+            <p:ph type="title"/>
+          </p:nvPr>
+        </p:nvSpPr>
+        <p:spPr/>
+        <p:txBody>
+          <a:bodyPr/>
+          <a:lstStyle/>
+          <a:p>
+            <a:r>
+              <a:rPr lang="bg-BG" dirty="0"/>
+              <a:t>Задача - пояснение</a:t>
+            </a:r>
+          </a:p>
+        </p:txBody>
+      </p:sp>
+      <p:sp>
+        <p:nvSpPr>
+          <p:cNvPr id="3" name="Контейнер за съдържание 2">
+            <a:extLst>
+              <a:ext uri="{FF2B5EF4-FFF2-40B4-BE49-F238E27FC236}">
+                <a16:creationId xmlns:a16="http://schemas.microsoft.com/office/drawing/2014/main" id="{6C3708EA-9981-4A17-AB12-4ABFB0B2A37A}"/>
+              </a:ext>
+            </a:extLst>
+          </p:cNvPr>
+          <p:cNvSpPr>
+            <a:spLocks noGrp="1"/>
+          </p:cNvSpPr>
+          <p:nvPr>
+            <p:ph idx="1"/>
+          </p:nvPr>
+        </p:nvSpPr>
+        <p:spPr/>
+        <p:txBody>
+          <a:bodyPr/>
+          <a:lstStyle/>
+          <a:p>
+            <a:r>
+              <a:rPr lang="bg-BG" dirty="0"/>
+              <a:t>Казахме, че оператор = се използва само от инициализирани обекти</a:t>
+            </a:r>
+          </a:p>
+          <a:p>
+            <a:endParaRPr lang="bg-BG" dirty="0"/>
+          </a:p>
+          <a:p>
+            <a:r>
+              <a:rPr lang="bg-BG" dirty="0"/>
+              <a:t>Когато го използваме върху </a:t>
+            </a:r>
+            <a:r>
+              <a:rPr lang="bg-BG" dirty="0" err="1"/>
+              <a:t>неинициализиран</a:t>
+            </a:r>
+            <a:r>
+              <a:rPr lang="bg-BG" dirty="0"/>
+              <a:t> обект, ние извикваме копиращия конструктор</a:t>
+            </a:r>
+          </a:p>
+          <a:p>
+            <a:endParaRPr lang="bg-BG" dirty="0"/>
+          </a:p>
+          <a:p>
+            <a:r>
+              <a:rPr lang="bg-BG" dirty="0"/>
+              <a:t>Ако обектът вече е бил инициализиран, то се извиква дефиницията на копиращия оператор =</a:t>
+            </a:r>
+          </a:p>
+        </p:txBody>
+      </p:sp>
+    </p:spTree>
+    <p:extLst>
+      <p:ext uri="{BB962C8B-B14F-4D97-AF65-F5344CB8AC3E}">
+        <p14:creationId xmlns:p14="http://schemas.microsoft.com/office/powerpoint/2010/main" val="1834528889"/>
+      </p:ext>
+    </p:extLst>
+  </p:cSld>
+  <p:clrMapOvr>
+    <a:masterClrMapping/>
+  </p:clrMapOvr>
+</p:sld>
+</file>
+
+<file path=ppt/slides/slide163.xml><?xml version="1.0" encoding="utf-8"?>
+<p:sld xmlns:a="http://schemas.openxmlformats.org/drawingml/2006/main" xmlns:r="http://schemas.openxmlformats.org/officeDocument/2006/relationships" xmlns:p="http://schemas.openxmlformats.org/presentationml/2006/main">
+  <p:cSld>
+    <p:spTree>
+      <p:nvGrpSpPr>
+        <p:cNvPr id="1" name=""/>
+        <p:cNvGrpSpPr/>
+        <p:nvPr/>
+      </p:nvGrpSpPr>
+      <p:grpSpPr>
+        <a:xfrm>
+          <a:off x="0" y="0"/>
+          <a:ext cx="0" cy="0"/>
+          <a:chOff x="0" y="0"/>
+          <a:chExt cx="0" cy="0"/>
+        </a:xfrm>
+      </p:grpSpPr>
+      <p:sp>
+        <p:nvSpPr>
+          <p:cNvPr id="2" name="Заглавие 1">
+            <a:extLst>
+              <a:ext uri="{FF2B5EF4-FFF2-40B4-BE49-F238E27FC236}">
+                <a16:creationId xmlns:a16="http://schemas.microsoft.com/office/drawing/2014/main" id="{4ABB0E51-8540-4901-84B6-77EBBF840CB6}"/>
+              </a:ext>
+            </a:extLst>
+          </p:cNvPr>
+          <p:cNvSpPr>
+            <a:spLocks noGrp="1"/>
+          </p:cNvSpPr>
+          <p:nvPr>
+            <p:ph type="title"/>
+          </p:nvPr>
+        </p:nvSpPr>
+        <p:spPr/>
+        <p:txBody>
+          <a:bodyPr/>
+          <a:lstStyle/>
+          <a:p>
+            <a:endParaRPr lang="bg-BG"/>
+          </a:p>
+        </p:txBody>
+      </p:sp>
+      <p:pic>
+        <p:nvPicPr>
+          <p:cNvPr id="5" name="Контейнер за съдържание 4">
+            <a:extLst>
+              <a:ext uri="{FF2B5EF4-FFF2-40B4-BE49-F238E27FC236}">
+                <a16:creationId xmlns:a16="http://schemas.microsoft.com/office/drawing/2014/main" id="{016E2EF3-728B-4874-AF6A-0817B87EC299}"/>
+              </a:ext>
+            </a:extLst>
+          </p:cNvPr>
+          <p:cNvPicPr>
+            <a:picLocks noGrp="1" noChangeAspect="1"/>
+          </p:cNvPicPr>
+          <p:nvPr>
+            <p:ph idx="1"/>
+          </p:nvPr>
+        </p:nvPicPr>
+        <p:blipFill>
+          <a:blip r:embed="rId2">
+            <a:extLst>
+              <a:ext uri="{28A0092B-C50C-407E-A947-70E740481C1C}">
+                <a14:useLocalDpi xmlns:a14="http://schemas.microsoft.com/office/drawing/2010/main" val="0"/>
+              </a:ext>
+            </a:extLst>
+          </a:blip>
+          <a:stretch>
+            <a:fillRect/>
+          </a:stretch>
+        </p:blipFill>
+        <p:spPr>
+          <a:xfrm>
+            <a:off x="0" y="-1"/>
+            <a:ext cx="12192000" cy="6854653"/>
+          </a:xfrm>
+        </p:spPr>
+      </p:pic>
+    </p:spTree>
+    <p:extLst>
+      <p:ext uri="{BB962C8B-B14F-4D97-AF65-F5344CB8AC3E}">
+        <p14:creationId xmlns:p14="http://schemas.microsoft.com/office/powerpoint/2010/main" val="4168345152"/>
+      </p:ext>
+    </p:extLst>
+  </p:cSld>
+  <p:clrMapOvr>
+    <a:masterClrMapping/>
+  </p:clrMapOvr>
+</p:sld>
+</file>
+
+<file path=ppt/slides/slide164.xml><?xml version="1.0" encoding="utf-8"?>
+<p:sld xmlns:a="http://schemas.openxmlformats.org/drawingml/2006/main" xmlns:r="http://schemas.openxmlformats.org/officeDocument/2006/relationships" xmlns:p="http://schemas.openxmlformats.org/presentationml/2006/main">
+  <p:cSld>
+    <p:spTree>
+      <p:nvGrpSpPr>
+        <p:cNvPr id="1" name=""/>
+        <p:cNvGrpSpPr/>
+        <p:nvPr/>
+      </p:nvGrpSpPr>
+      <p:grpSpPr>
+        <a:xfrm>
+          <a:off x="0" y="0"/>
+          <a:ext cx="0" cy="0"/>
+          <a:chOff x="0" y="0"/>
+          <a:chExt cx="0" cy="0"/>
+        </a:xfrm>
+      </p:grpSpPr>
+      <p:sp>
+        <p:nvSpPr>
+          <p:cNvPr id="2" name="Заглавие 1">
+            <a:extLst>
+              <a:ext uri="{FF2B5EF4-FFF2-40B4-BE49-F238E27FC236}">
+                <a16:creationId xmlns:a16="http://schemas.microsoft.com/office/drawing/2014/main" id="{6524B3B0-2C87-4C7D-9C2E-E20EC03E2175}"/>
+              </a:ext>
+            </a:extLst>
+          </p:cNvPr>
+          <p:cNvSpPr>
+            <a:spLocks noGrp="1"/>
+          </p:cNvSpPr>
+          <p:nvPr>
+            <p:ph type="title"/>
+          </p:nvPr>
+        </p:nvSpPr>
+        <p:spPr/>
+        <p:txBody>
+          <a:bodyPr/>
+          <a:lstStyle/>
+          <a:p>
+            <a:endParaRPr lang="bg-BG"/>
+          </a:p>
+        </p:txBody>
+      </p:sp>
+      <p:pic>
+        <p:nvPicPr>
+          <p:cNvPr id="5" name="Контейнер за съдържание 4">
+            <a:extLst>
+              <a:ext uri="{FF2B5EF4-FFF2-40B4-BE49-F238E27FC236}">
+                <a16:creationId xmlns:a16="http://schemas.microsoft.com/office/drawing/2014/main" id="{0FBA1A88-C20D-4FB8-B398-87E7C5E5ECC4}"/>
+              </a:ext>
+            </a:extLst>
+          </p:cNvPr>
+          <p:cNvPicPr>
+            <a:picLocks noGrp="1" noChangeAspect="1"/>
+          </p:cNvPicPr>
+          <p:nvPr>
+            <p:ph idx="1"/>
+          </p:nvPr>
+        </p:nvPicPr>
+        <p:blipFill>
+          <a:blip r:embed="rId2">
+            <a:extLst>
+              <a:ext uri="{28A0092B-C50C-407E-A947-70E740481C1C}">
+                <a14:useLocalDpi xmlns:a14="http://schemas.microsoft.com/office/drawing/2010/main" val="0"/>
+              </a:ext>
+            </a:extLst>
+          </a:blip>
+          <a:stretch>
+            <a:fillRect/>
+          </a:stretch>
+        </p:blipFill>
+        <p:spPr>
+          <a:xfrm>
+            <a:off x="0" y="-1"/>
+            <a:ext cx="12192000" cy="6854653"/>
+          </a:xfrm>
+        </p:spPr>
+      </p:pic>
+    </p:spTree>
+    <p:extLst>
+      <p:ext uri="{BB962C8B-B14F-4D97-AF65-F5344CB8AC3E}">
+        <p14:creationId xmlns:p14="http://schemas.microsoft.com/office/powerpoint/2010/main" val="2241818271"/>
+      </p:ext>
+    </p:extLst>
+  </p:cSld>
+  <p:clrMapOvr>
+    <a:masterClrMapping/>
+  </p:clrMapOvr>
+</p:sld>
+</file>
+
+<file path=ppt/slides/slide165.xml><?xml version="1.0" encoding="utf-8"?>
+<p:sld xmlns:a="http://schemas.openxmlformats.org/drawingml/2006/main" xmlns:r="http://schemas.openxmlformats.org/officeDocument/2006/relationships" xmlns:p="http://schemas.openxmlformats.org/presentationml/2006/main">
+  <p:cSld>
+    <p:spTree>
+      <p:nvGrpSpPr>
+        <p:cNvPr id="1" name=""/>
+        <p:cNvGrpSpPr/>
+        <p:nvPr/>
+      </p:nvGrpSpPr>
+      <p:grpSpPr>
+        <a:xfrm>
+          <a:off x="0" y="0"/>
+          <a:ext cx="0" cy="0"/>
+          <a:chOff x="0" y="0"/>
+          <a:chExt cx="0" cy="0"/>
+        </a:xfrm>
+      </p:grpSpPr>
+      <p:sp>
+        <p:nvSpPr>
+          <p:cNvPr id="2" name="Заглавие 1">
+            <a:extLst>
+              <a:ext uri="{FF2B5EF4-FFF2-40B4-BE49-F238E27FC236}">
+                <a16:creationId xmlns:a16="http://schemas.microsoft.com/office/drawing/2014/main" id="{CF57FF89-831B-4B9D-B7BA-B3A040381D28}"/>
+              </a:ext>
+            </a:extLst>
+          </p:cNvPr>
+          <p:cNvSpPr>
+            <a:spLocks noGrp="1"/>
+          </p:cNvSpPr>
+          <p:nvPr>
+            <p:ph type="title"/>
+          </p:nvPr>
+        </p:nvSpPr>
+        <p:spPr/>
+        <p:txBody>
+          <a:bodyPr/>
+          <a:lstStyle/>
+          <a:p>
+            <a:endParaRPr lang="bg-BG"/>
+          </a:p>
+        </p:txBody>
+      </p:sp>
+      <p:pic>
+        <p:nvPicPr>
+          <p:cNvPr id="5" name="Контейнер за съдържание 4">
+            <a:extLst>
+              <a:ext uri="{FF2B5EF4-FFF2-40B4-BE49-F238E27FC236}">
+                <a16:creationId xmlns:a16="http://schemas.microsoft.com/office/drawing/2014/main" id="{7010298D-1200-4DE3-87AD-D304A38C19A3}"/>
+              </a:ext>
+            </a:extLst>
+          </p:cNvPr>
+          <p:cNvPicPr>
+            <a:picLocks noGrp="1" noChangeAspect="1"/>
+          </p:cNvPicPr>
+          <p:nvPr>
+            <p:ph idx="1"/>
+          </p:nvPr>
+        </p:nvPicPr>
+        <p:blipFill>
+          <a:blip r:embed="rId2">
+            <a:extLst>
+              <a:ext uri="{28A0092B-C50C-407E-A947-70E740481C1C}">
+                <a14:useLocalDpi xmlns:a14="http://schemas.microsoft.com/office/drawing/2010/main" val="0"/>
+              </a:ext>
+            </a:extLst>
+          </a:blip>
+          <a:stretch>
+            <a:fillRect/>
+          </a:stretch>
+        </p:blipFill>
+        <p:spPr>
+          <a:xfrm>
+            <a:off x="0" y="-1"/>
+            <a:ext cx="12192000" cy="6854653"/>
+          </a:xfrm>
+        </p:spPr>
+      </p:pic>
+    </p:spTree>
+    <p:extLst>
+      <p:ext uri="{BB962C8B-B14F-4D97-AF65-F5344CB8AC3E}">
+        <p14:creationId xmlns:p14="http://schemas.microsoft.com/office/powerpoint/2010/main" val="3576969764"/>
+      </p:ext>
+    </p:extLst>
+  </p:cSld>
+  <p:clrMapOvr>
+    <a:masterClrMapping/>
+  </p:clrMapOvr>
+</p:sld>
+</file>
+
+<file path=ppt/slides/slide166.xml><?xml version="1.0" encoding="utf-8"?>
+<p:sld xmlns:a="http://schemas.openxmlformats.org/drawingml/2006/main" xmlns:r="http://schemas.openxmlformats.org/officeDocument/2006/relationships" xmlns:p="http://schemas.openxmlformats.org/presentationml/2006/main">
+  <p:cSld>
+    <p:spTree>
+      <p:nvGrpSpPr>
+        <p:cNvPr id="1" name=""/>
+        <p:cNvGrpSpPr/>
+        <p:nvPr/>
+      </p:nvGrpSpPr>
+      <p:grpSpPr>
+        <a:xfrm>
+          <a:off x="0" y="0"/>
+          <a:ext cx="0" cy="0"/>
+          <a:chOff x="0" y="0"/>
+          <a:chExt cx="0" cy="0"/>
+        </a:xfrm>
+      </p:grpSpPr>
+      <p:sp>
+        <p:nvSpPr>
+          <p:cNvPr id="2" name="Заглавие 1">
+            <a:extLst>
+              <a:ext uri="{FF2B5EF4-FFF2-40B4-BE49-F238E27FC236}">
+                <a16:creationId xmlns:a16="http://schemas.microsoft.com/office/drawing/2014/main" id="{D6C81428-2C7B-4BF0-9974-8FBFBB720AC5}"/>
+              </a:ext>
+            </a:extLst>
+          </p:cNvPr>
+          <p:cNvSpPr>
+            <a:spLocks noGrp="1"/>
+          </p:cNvSpPr>
+          <p:nvPr>
+            <p:ph type="title"/>
+          </p:nvPr>
+        </p:nvSpPr>
+        <p:spPr/>
+        <p:txBody>
+          <a:bodyPr/>
+          <a:lstStyle/>
+          <a:p>
+            <a:endParaRPr lang="bg-BG"/>
+          </a:p>
+        </p:txBody>
+      </p:sp>
+      <p:pic>
+        <p:nvPicPr>
+          <p:cNvPr id="5" name="Контейнер за съдържание 4">
+            <a:extLst>
+              <a:ext uri="{FF2B5EF4-FFF2-40B4-BE49-F238E27FC236}">
+                <a16:creationId xmlns:a16="http://schemas.microsoft.com/office/drawing/2014/main" id="{B83A5743-BC15-457D-8ADD-AF0BAAE0028F}"/>
+              </a:ext>
+            </a:extLst>
+          </p:cNvPr>
+          <p:cNvPicPr>
+            <a:picLocks noGrp="1" noChangeAspect="1"/>
+          </p:cNvPicPr>
+          <p:nvPr>
+            <p:ph idx="1"/>
+          </p:nvPr>
+        </p:nvPicPr>
+        <p:blipFill>
+          <a:blip r:embed="rId2">
+            <a:extLst>
+              <a:ext uri="{28A0092B-C50C-407E-A947-70E740481C1C}">
+                <a14:useLocalDpi xmlns:a14="http://schemas.microsoft.com/office/drawing/2010/main" val="0"/>
+              </a:ext>
+            </a:extLst>
+          </a:blip>
+          <a:stretch>
+            <a:fillRect/>
+          </a:stretch>
+        </p:blipFill>
+        <p:spPr>
+          <a:xfrm>
+            <a:off x="0" y="-1"/>
+            <a:ext cx="12192000" cy="6854653"/>
+          </a:xfrm>
+        </p:spPr>
+      </p:pic>
+    </p:spTree>
+    <p:extLst>
+      <p:ext uri="{BB962C8B-B14F-4D97-AF65-F5344CB8AC3E}">
+        <p14:creationId xmlns:p14="http://schemas.microsoft.com/office/powerpoint/2010/main" val="1130007101"/>
+      </p:ext>
+    </p:extLst>
+  </p:cSld>
+  <p:clrMapOvr>
+    <a:masterClrMapping/>
+  </p:clrMapOvr>
+</p:sld>
+</file>
+
+<file path=ppt/slides/slide167.xml><?xml version="1.0" encoding="utf-8"?>
+<p:sld xmlns:a="http://schemas.openxmlformats.org/drawingml/2006/main" xmlns:r="http://schemas.openxmlformats.org/officeDocument/2006/relationships" xmlns:p="http://schemas.openxmlformats.org/presentationml/2006/main">
+  <p:cSld>
+    <p:spTree>
+      <p:nvGrpSpPr>
+        <p:cNvPr id="1" name=""/>
+        <p:cNvGrpSpPr/>
+        <p:nvPr/>
+      </p:nvGrpSpPr>
+      <p:grpSpPr>
+        <a:xfrm>
+          <a:off x="0" y="0"/>
+          <a:ext cx="0" cy="0"/>
+          <a:chOff x="0" y="0"/>
+          <a:chExt cx="0" cy="0"/>
+        </a:xfrm>
+      </p:grpSpPr>
+      <p:sp>
+        <p:nvSpPr>
+          <p:cNvPr id="2" name="Заглавие 1">
+            <a:extLst>
+              <a:ext uri="{FF2B5EF4-FFF2-40B4-BE49-F238E27FC236}">
+                <a16:creationId xmlns:a16="http://schemas.microsoft.com/office/drawing/2014/main" id="{FF0B9DD1-12D0-4631-928E-2F06651E346D}"/>
+              </a:ext>
+            </a:extLst>
+          </p:cNvPr>
+          <p:cNvSpPr>
+            <a:spLocks noGrp="1"/>
+          </p:cNvSpPr>
+          <p:nvPr>
+            <p:ph type="title"/>
+          </p:nvPr>
+        </p:nvSpPr>
+        <p:spPr/>
+        <p:txBody>
+          <a:bodyPr/>
+          <a:lstStyle/>
+          <a:p>
+            <a:r>
+              <a:rPr lang="bg-BG" dirty="0" err="1"/>
+              <a:t>Деструктор</a:t>
+            </a:r>
+            <a:endParaRPr lang="en-GB" dirty="0"/>
+          </a:p>
+        </p:txBody>
+      </p:sp>
+      <p:sp>
+        <p:nvSpPr>
+          <p:cNvPr id="3" name="Контейнер за съдържание 2">
+            <a:extLst>
+              <a:ext uri="{FF2B5EF4-FFF2-40B4-BE49-F238E27FC236}">
+                <a16:creationId xmlns:a16="http://schemas.microsoft.com/office/drawing/2014/main" id="{DAC6699E-B298-41F5-89D5-86FB28C3DDA2}"/>
+              </a:ext>
+            </a:extLst>
+          </p:cNvPr>
+          <p:cNvSpPr>
+            <a:spLocks noGrp="1"/>
+          </p:cNvSpPr>
+          <p:nvPr>
+            <p:ph idx="1"/>
+          </p:nvPr>
+        </p:nvSpPr>
+        <p:spPr/>
+        <p:txBody>
+          <a:bodyPr/>
+          <a:lstStyle/>
+          <a:p>
+            <a:r>
+              <a:rPr lang="bg-BG" dirty="0"/>
+              <a:t>при унищожаване на обекта</a:t>
+            </a:r>
+          </a:p>
+          <a:p>
+            <a:endParaRPr lang="en-GB" dirty="0"/>
+          </a:p>
+        </p:txBody>
+      </p:sp>
+    </p:spTree>
+    <p:extLst>
+      <p:ext uri="{BB962C8B-B14F-4D97-AF65-F5344CB8AC3E}">
+        <p14:creationId xmlns:p14="http://schemas.microsoft.com/office/powerpoint/2010/main" val="1253493127"/>
+      </p:ext>
+    </p:extLst>
+  </p:cSld>
+  <p:clrMapOvr>
+    <a:masterClrMapping/>
+  </p:clrMapOvr>
+</p:sld>
+</file>
+
+<file path=ppt/slides/slide168.xml><?xml version="1.0" encoding="utf-8"?>
+<p:sld xmlns:a="http://schemas.openxmlformats.org/drawingml/2006/main" xmlns:r="http://schemas.openxmlformats.org/officeDocument/2006/relationships" xmlns:p="http://schemas.openxmlformats.org/presentationml/2006/main">
+  <p:cSld>
+    <p:spTree>
+      <p:nvGrpSpPr>
+        <p:cNvPr id="1" name=""/>
+        <p:cNvGrpSpPr/>
+        <p:nvPr/>
+      </p:nvGrpSpPr>
+      <p:grpSpPr>
+        <a:xfrm>
+          <a:off x="0" y="0"/>
+          <a:ext cx="0" cy="0"/>
+          <a:chOff x="0" y="0"/>
+          <a:chExt cx="0" cy="0"/>
+        </a:xfrm>
+      </p:grpSpPr>
+      <p:sp>
+        <p:nvSpPr>
+          <p:cNvPr id="2" name="Заглавие 1">
+            <a:extLst>
+              <a:ext uri="{FF2B5EF4-FFF2-40B4-BE49-F238E27FC236}">
+                <a16:creationId xmlns:a16="http://schemas.microsoft.com/office/drawing/2014/main" id="{4F757570-295A-4E9C-BC5E-E99216E450F5}"/>
+              </a:ext>
+            </a:extLst>
+          </p:cNvPr>
+          <p:cNvSpPr>
+            <a:spLocks noGrp="1"/>
+          </p:cNvSpPr>
+          <p:nvPr>
+            <p:ph type="title"/>
+          </p:nvPr>
+        </p:nvSpPr>
+        <p:spPr/>
+        <p:txBody>
+          <a:bodyPr/>
+          <a:lstStyle/>
+          <a:p>
+            <a:r>
+              <a:rPr lang="bg-BG" dirty="0"/>
+              <a:t>Конструктори публични</a:t>
+            </a:r>
+          </a:p>
+        </p:txBody>
+      </p:sp>
+      <p:sp>
+        <p:nvSpPr>
+          <p:cNvPr id="3" name="Контейнер за съдържание 2">
+            <a:extLst>
+              <a:ext uri="{FF2B5EF4-FFF2-40B4-BE49-F238E27FC236}">
+                <a16:creationId xmlns:a16="http://schemas.microsoft.com/office/drawing/2014/main" id="{BC0F33FE-48A4-4C4A-A50F-3D8DDCDE6903}"/>
+              </a:ext>
+            </a:extLst>
+          </p:cNvPr>
+          <p:cNvSpPr>
+            <a:spLocks noGrp="1"/>
+          </p:cNvSpPr>
+          <p:nvPr>
+            <p:ph idx="1"/>
+          </p:nvPr>
+        </p:nvSpPr>
+        <p:spPr/>
+        <p:txBody>
+          <a:bodyPr/>
+          <a:lstStyle/>
+          <a:p>
+            <a:endParaRPr lang="bg-BG"/>
+          </a:p>
+        </p:txBody>
+      </p:sp>
+    </p:spTree>
+    <p:extLst>
+      <p:ext uri="{BB962C8B-B14F-4D97-AF65-F5344CB8AC3E}">
+        <p14:creationId xmlns:p14="http://schemas.microsoft.com/office/powerpoint/2010/main" val="2910090489"/>
+      </p:ext>
+    </p:extLst>
+  </p:cSld>
+  <p:clrMapOvr>
+    <a:masterClrMapping/>
+  </p:clrMapOvr>
+</p:sld>
+</file>
+
+<file path=ppt/slides/slide169.xml><?xml version="1.0" encoding="utf-8"?>
+<p:sld xmlns:a="http://schemas.openxmlformats.org/drawingml/2006/main" xmlns:r="http://schemas.openxmlformats.org/officeDocument/2006/relationships" xmlns:p="http://schemas.openxmlformats.org/presentationml/2006/main">
+  <p:cSld>
+    <p:spTree>
+      <p:nvGrpSpPr>
+        <p:cNvPr id="1" name=""/>
+        <p:cNvGrpSpPr/>
+        <p:nvPr/>
+      </p:nvGrpSpPr>
+      <p:grpSpPr>
+        <a:xfrm>
+          <a:off x="0" y="0"/>
+          <a:ext cx="0" cy="0"/>
+          <a:chOff x="0" y="0"/>
+          <a:chExt cx="0" cy="0"/>
+        </a:xfrm>
+      </p:grpSpPr>
+      <p:sp>
+        <p:nvSpPr>
+          <p:cNvPr id="2" name="Заглавие 1">
+            <a:extLst>
+              <a:ext uri="{FF2B5EF4-FFF2-40B4-BE49-F238E27FC236}">
+                <a16:creationId xmlns:a16="http://schemas.microsoft.com/office/drawing/2014/main" id="{CA7693C1-3722-4F20-9A04-9645B6C81C89}"/>
+              </a:ext>
+            </a:extLst>
+          </p:cNvPr>
+          <p:cNvSpPr>
+            <a:spLocks noGrp="1"/>
+          </p:cNvSpPr>
+          <p:nvPr>
+            <p:ph type="title"/>
+          </p:nvPr>
+        </p:nvSpPr>
+        <p:spPr/>
+        <p:txBody>
+          <a:bodyPr/>
+          <a:lstStyle/>
+          <a:p>
+            <a:r>
+              <a:rPr lang="bg-BG" dirty="0"/>
+              <a:t>Забрана на конструктор</a:t>
+            </a:r>
+            <a:endParaRPr lang="en-GB" dirty="0"/>
+          </a:p>
+        </p:txBody>
+      </p:sp>
+      <p:sp>
+        <p:nvSpPr>
+          <p:cNvPr id="3" name="Контейнер за съдържание 2">
+            <a:extLst>
+              <a:ext uri="{FF2B5EF4-FFF2-40B4-BE49-F238E27FC236}">
+                <a16:creationId xmlns:a16="http://schemas.microsoft.com/office/drawing/2014/main" id="{3A9474C5-9B62-433A-A615-E65636955FE2}"/>
+              </a:ext>
+            </a:extLst>
+          </p:cNvPr>
+          <p:cNvSpPr>
+            <a:spLocks noGrp="1"/>
+          </p:cNvSpPr>
+          <p:nvPr>
+            <p:ph idx="1"/>
+          </p:nvPr>
+        </p:nvSpPr>
+        <p:spPr/>
+        <p:txBody>
+          <a:bodyPr/>
+          <a:lstStyle/>
+          <a:p>
+            <a:endParaRPr lang="en-GB" dirty="0"/>
+          </a:p>
+        </p:txBody>
+      </p:sp>
+    </p:spTree>
+    <p:extLst>
+      <p:ext uri="{BB962C8B-B14F-4D97-AF65-F5344CB8AC3E}">
+        <p14:creationId xmlns:p14="http://schemas.microsoft.com/office/powerpoint/2010/main" val="4140137288"/>
+      </p:ext>
+    </p:extLst>
+  </p:cSld>
+  <p:clrMapOvr>
+    <a:masterClrMapping/>
+  </p:clrMapOvr>
+</p:sld>
+</file>
+
 <file path=ppt/slides/slide17.xml><?xml version="1.0" encoding="utf-8"?>
 <p:sld xmlns:a="http://schemas.openxmlformats.org/drawingml/2006/main" xmlns:r="http://schemas.openxmlformats.org/officeDocument/2006/relationships" xmlns:p="http://schemas.openxmlformats.org/presentationml/2006/main">
   <p:cSld>
@@ -15658,6 +17872,582 @@
     <p:extLst>
       <p:ext uri="{BB962C8B-B14F-4D97-AF65-F5344CB8AC3E}">
         <p14:creationId xmlns:p14="http://schemas.microsoft.com/office/powerpoint/2010/main" val="4282949585"/>
+      </p:ext>
+    </p:extLst>
+  </p:cSld>
+  <p:clrMapOvr>
+    <a:masterClrMapping/>
+  </p:clrMapOvr>
+</p:sld>
+</file>
+
+<file path=ppt/slides/slide170.xml><?xml version="1.0" encoding="utf-8"?>
+<p:sld xmlns:a="http://schemas.openxmlformats.org/drawingml/2006/main" xmlns:r="http://schemas.openxmlformats.org/officeDocument/2006/relationships" xmlns:p="http://schemas.openxmlformats.org/presentationml/2006/main">
+  <p:cSld>
+    <p:spTree>
+      <p:nvGrpSpPr>
+        <p:cNvPr id="1" name=""/>
+        <p:cNvGrpSpPr/>
+        <p:nvPr/>
+      </p:nvGrpSpPr>
+      <p:grpSpPr>
+        <a:xfrm>
+          <a:off x="0" y="0"/>
+          <a:ext cx="0" cy="0"/>
+          <a:chOff x="0" y="0"/>
+          <a:chExt cx="0" cy="0"/>
+        </a:xfrm>
+      </p:grpSpPr>
+      <p:sp>
+        <p:nvSpPr>
+          <p:cNvPr id="2" name="Заглавие 1">
+            <a:extLst>
+              <a:ext uri="{FF2B5EF4-FFF2-40B4-BE49-F238E27FC236}">
+                <a16:creationId xmlns:a16="http://schemas.microsoft.com/office/drawing/2014/main" id="{31740539-815D-4DC0-8065-3175D10BF166}"/>
+              </a:ext>
+            </a:extLst>
+          </p:cNvPr>
+          <p:cNvSpPr>
+            <a:spLocks noGrp="1"/>
+          </p:cNvSpPr>
+          <p:nvPr>
+            <p:ph type="title"/>
+          </p:nvPr>
+        </p:nvSpPr>
+        <p:spPr/>
+        <p:txBody>
+          <a:bodyPr/>
+          <a:lstStyle/>
+          <a:p>
+            <a:r>
+              <a:rPr lang="bg-BG" dirty="0"/>
+              <a:t>Кога пишем голямата четворка</a:t>
+            </a:r>
+            <a:endParaRPr lang="en-GB" dirty="0"/>
+          </a:p>
+        </p:txBody>
+      </p:sp>
+      <p:sp>
+        <p:nvSpPr>
+          <p:cNvPr id="3" name="Контейнер за съдържание 2">
+            <a:extLst>
+              <a:ext uri="{FF2B5EF4-FFF2-40B4-BE49-F238E27FC236}">
+                <a16:creationId xmlns:a16="http://schemas.microsoft.com/office/drawing/2014/main" id="{CF2D10FE-2B31-4CD9-A2D0-88C28AF80FC7}"/>
+              </a:ext>
+            </a:extLst>
+          </p:cNvPr>
+          <p:cNvSpPr>
+            <a:spLocks noGrp="1"/>
+          </p:cNvSpPr>
+          <p:nvPr>
+            <p:ph idx="1"/>
+          </p:nvPr>
+        </p:nvSpPr>
+        <p:spPr/>
+        <p:txBody>
+          <a:bodyPr/>
+          <a:lstStyle/>
+          <a:p>
+            <a:r>
+              <a:rPr lang="ru-RU" dirty="0" err="1"/>
+              <a:t>Когато</a:t>
+            </a:r>
+            <a:r>
+              <a:rPr lang="ru-RU" dirty="0"/>
+              <a:t> </a:t>
+            </a:r>
+            <a:r>
+              <a:rPr lang="ru-RU" dirty="0" err="1"/>
+              <a:t>обектът</a:t>
+            </a:r>
+            <a:r>
+              <a:rPr lang="ru-RU" dirty="0"/>
+              <a:t> </a:t>
+            </a:r>
+            <a:r>
+              <a:rPr lang="ru-RU" dirty="0" err="1"/>
+              <a:t>трябва</a:t>
+            </a:r>
+            <a:r>
+              <a:rPr lang="ru-RU" dirty="0"/>
+              <a:t> да </a:t>
+            </a:r>
+            <a:r>
+              <a:rPr lang="ru-RU" dirty="0" err="1"/>
+              <a:t>управлява</a:t>
+            </a:r>
+            <a:r>
+              <a:rPr lang="ru-RU" dirty="0"/>
+              <a:t> </a:t>
+            </a:r>
+            <a:r>
+              <a:rPr lang="ru-RU" dirty="0" err="1"/>
+              <a:t>външни</a:t>
+            </a:r>
+            <a:r>
+              <a:rPr lang="ru-RU" dirty="0"/>
+              <a:t> за него </a:t>
+            </a:r>
+            <a:r>
+              <a:rPr lang="ru-RU" dirty="0" err="1"/>
+              <a:t>ресурси</a:t>
+            </a:r>
+            <a:r>
+              <a:rPr lang="ru-RU" dirty="0"/>
+              <a:t>. </a:t>
+            </a:r>
+            <a:r>
+              <a:rPr lang="ru-RU" dirty="0" err="1"/>
+              <a:t>Най-често</a:t>
+            </a:r>
+            <a:r>
+              <a:rPr lang="ru-RU" dirty="0"/>
+              <a:t>: </a:t>
+            </a:r>
+            <a:r>
+              <a:rPr lang="ru-RU" dirty="0" err="1"/>
+              <a:t>когато</a:t>
+            </a:r>
+            <a:r>
+              <a:rPr lang="ru-RU" dirty="0"/>
+              <a:t> </a:t>
+            </a:r>
+            <a:r>
+              <a:rPr lang="ru-RU" dirty="0" err="1"/>
+              <a:t>обектът</a:t>
+            </a:r>
+            <a:r>
+              <a:rPr lang="ru-RU" dirty="0"/>
+              <a:t> </a:t>
+            </a:r>
+            <a:r>
+              <a:rPr lang="ru-RU" dirty="0" err="1"/>
+              <a:t>работи</a:t>
+            </a:r>
+            <a:r>
+              <a:rPr lang="ru-RU" dirty="0"/>
+              <a:t> с динамична </a:t>
+            </a:r>
+            <a:r>
+              <a:rPr lang="ru-RU" dirty="0" err="1"/>
+              <a:t>памет</a:t>
+            </a:r>
+            <a:r>
+              <a:rPr lang="ru-RU" dirty="0"/>
+              <a:t> Конструктор по </a:t>
+            </a:r>
+            <a:r>
+              <a:rPr lang="ru-RU" dirty="0" err="1"/>
+              <a:t>подразбиране</a:t>
+            </a:r>
+            <a:r>
+              <a:rPr lang="ru-RU" dirty="0"/>
+              <a:t> </a:t>
+            </a:r>
+            <a:r>
+              <a:rPr lang="ru-RU" dirty="0" err="1"/>
+              <a:t>заделяме</a:t>
+            </a:r>
+            <a:r>
+              <a:rPr lang="ru-RU" dirty="0"/>
+              <a:t> </a:t>
+            </a:r>
+            <a:r>
+              <a:rPr lang="ru-RU" dirty="0" err="1"/>
+              <a:t>минимална</a:t>
+            </a:r>
+            <a:r>
+              <a:rPr lang="ru-RU" dirty="0"/>
+              <a:t> </a:t>
+            </a:r>
+            <a:r>
+              <a:rPr lang="ru-RU" dirty="0" err="1"/>
+              <a:t>памет</a:t>
+            </a:r>
+            <a:r>
+              <a:rPr lang="ru-RU" dirty="0"/>
+              <a:t> или </a:t>
+            </a:r>
+            <a:r>
+              <a:rPr lang="ru-RU" dirty="0" err="1"/>
+              <a:t>установяваме</a:t>
+            </a:r>
+            <a:r>
+              <a:rPr lang="ru-RU" dirty="0"/>
+              <a:t> указателя в </a:t>
+            </a:r>
+            <a:r>
+              <a:rPr lang="ru-RU" dirty="0" err="1"/>
+              <a:t>nullptr</a:t>
+            </a:r>
+            <a:r>
+              <a:rPr lang="ru-RU" dirty="0"/>
+              <a:t> Конструктор за </a:t>
+            </a:r>
+            <a:r>
+              <a:rPr lang="ru-RU" dirty="0" err="1"/>
+              <a:t>копиране</a:t>
+            </a:r>
+            <a:r>
+              <a:rPr lang="ru-RU" dirty="0"/>
+              <a:t> </a:t>
+            </a:r>
+            <a:r>
+              <a:rPr lang="ru-RU" dirty="0" err="1"/>
+              <a:t>заделяме</a:t>
+            </a:r>
+            <a:r>
+              <a:rPr lang="ru-RU" dirty="0"/>
+              <a:t> </a:t>
+            </a:r>
+            <a:r>
+              <a:rPr lang="ru-RU" dirty="0" err="1"/>
+              <a:t>същото</a:t>
+            </a:r>
+            <a:r>
+              <a:rPr lang="ru-RU" dirty="0"/>
+              <a:t> количество </a:t>
+            </a:r>
+            <a:r>
+              <a:rPr lang="ru-RU" dirty="0" err="1"/>
+              <a:t>памет</a:t>
+            </a:r>
+            <a:r>
+              <a:rPr lang="ru-RU" dirty="0"/>
+              <a:t> </a:t>
+            </a:r>
+            <a:r>
+              <a:rPr lang="ru-RU" dirty="0" err="1"/>
+              <a:t>като</a:t>
+            </a:r>
+            <a:r>
+              <a:rPr lang="ru-RU" dirty="0"/>
+              <a:t> при оригинала </a:t>
+            </a:r>
+            <a:r>
+              <a:rPr lang="ru-RU" dirty="0" err="1"/>
+              <a:t>прехвърляме</a:t>
+            </a:r>
+            <a:r>
+              <a:rPr lang="ru-RU" dirty="0"/>
+              <a:t> </a:t>
+            </a:r>
+            <a:r>
+              <a:rPr lang="ru-RU" dirty="0" err="1"/>
+              <a:t>данните</a:t>
+            </a:r>
+            <a:r>
+              <a:rPr lang="ru-RU" dirty="0"/>
+              <a:t> Оператор за </a:t>
+            </a:r>
+            <a:r>
+              <a:rPr lang="ru-RU" dirty="0" err="1"/>
+              <a:t>присвояване</a:t>
+            </a:r>
+            <a:r>
+              <a:rPr lang="ru-RU" dirty="0"/>
+              <a:t> </a:t>
+            </a:r>
+            <a:r>
+              <a:rPr lang="ru-RU" dirty="0" err="1"/>
+              <a:t>освобождаваме</a:t>
+            </a:r>
+            <a:r>
+              <a:rPr lang="ru-RU" dirty="0"/>
+              <a:t> </a:t>
+            </a:r>
+            <a:r>
+              <a:rPr lang="ru-RU" dirty="0" err="1"/>
+              <a:t>заетата</a:t>
+            </a:r>
+            <a:r>
+              <a:rPr lang="ru-RU" dirty="0"/>
+              <a:t> </a:t>
+            </a:r>
+            <a:r>
+              <a:rPr lang="ru-RU" dirty="0" err="1"/>
+              <a:t>памет</a:t>
+            </a:r>
+            <a:r>
+              <a:rPr lang="ru-RU" dirty="0"/>
+              <a:t> </a:t>
+            </a:r>
+            <a:r>
+              <a:rPr lang="ru-RU" dirty="0" err="1"/>
+              <a:t>заделяме</a:t>
+            </a:r>
+            <a:r>
+              <a:rPr lang="ru-RU" dirty="0"/>
+              <a:t> </a:t>
+            </a:r>
+            <a:r>
+              <a:rPr lang="ru-RU" dirty="0" err="1"/>
+              <a:t>същото</a:t>
+            </a:r>
+            <a:r>
+              <a:rPr lang="ru-RU" dirty="0"/>
+              <a:t> количество </a:t>
+            </a:r>
+            <a:r>
+              <a:rPr lang="ru-RU" dirty="0" err="1"/>
+              <a:t>памет</a:t>
+            </a:r>
+            <a:r>
+              <a:rPr lang="ru-RU" dirty="0"/>
+              <a:t> </a:t>
+            </a:r>
+            <a:r>
+              <a:rPr lang="ru-RU" dirty="0" err="1"/>
+              <a:t>като</a:t>
+            </a:r>
+            <a:r>
+              <a:rPr lang="ru-RU" dirty="0"/>
+              <a:t> при оригинала </a:t>
+            </a:r>
+            <a:r>
+              <a:rPr lang="ru-RU" dirty="0" err="1"/>
+              <a:t>прехвърляме</a:t>
+            </a:r>
+            <a:r>
+              <a:rPr lang="ru-RU" dirty="0"/>
+              <a:t> </a:t>
+            </a:r>
+            <a:r>
+              <a:rPr lang="ru-RU" dirty="0" err="1"/>
+              <a:t>данните</a:t>
+            </a:r>
+            <a:r>
+              <a:rPr lang="ru-RU" dirty="0"/>
+              <a:t> Деструктор </a:t>
+            </a:r>
+            <a:r>
+              <a:rPr lang="ru-RU" dirty="0" err="1"/>
+              <a:t>освобождаваме</a:t>
+            </a:r>
+            <a:r>
+              <a:rPr lang="ru-RU" dirty="0"/>
+              <a:t> </a:t>
+            </a:r>
+            <a:r>
+              <a:rPr lang="ru-RU" dirty="0" err="1"/>
+              <a:t>заетата</a:t>
+            </a:r>
+            <a:r>
+              <a:rPr lang="ru-RU" dirty="0"/>
+              <a:t> </a:t>
+            </a:r>
+            <a:r>
+              <a:rPr lang="ru-RU" dirty="0" err="1"/>
+              <a:t>памет</a:t>
+            </a:r>
+            <a:endParaRPr lang="ru-RU" dirty="0"/>
+          </a:p>
+        </p:txBody>
+      </p:sp>
+    </p:spTree>
+    <p:extLst>
+      <p:ext uri="{BB962C8B-B14F-4D97-AF65-F5344CB8AC3E}">
+        <p14:creationId xmlns:p14="http://schemas.microsoft.com/office/powerpoint/2010/main" val="3965576714"/>
+      </p:ext>
+    </p:extLst>
+  </p:cSld>
+  <p:clrMapOvr>
+    <a:masterClrMapping/>
+  </p:clrMapOvr>
+</p:sld>
+</file>
+
+<file path=ppt/slides/slide171.xml><?xml version="1.0" encoding="utf-8"?>
+<p:sld xmlns:a="http://schemas.openxmlformats.org/drawingml/2006/main" xmlns:r="http://schemas.openxmlformats.org/officeDocument/2006/relationships" xmlns:p="http://schemas.openxmlformats.org/presentationml/2006/main">
+  <p:cSld>
+    <p:spTree>
+      <p:nvGrpSpPr>
+        <p:cNvPr id="1" name=""/>
+        <p:cNvGrpSpPr/>
+        <p:nvPr/>
+      </p:nvGrpSpPr>
+      <p:grpSpPr>
+        <a:xfrm>
+          <a:off x="0" y="0"/>
+          <a:ext cx="0" cy="0"/>
+          <a:chOff x="0" y="0"/>
+          <a:chExt cx="0" cy="0"/>
+        </a:xfrm>
+      </p:grpSpPr>
+      <p:sp>
+        <p:nvSpPr>
+          <p:cNvPr id="2" name="Заглавие 1">
+            <a:extLst>
+              <a:ext uri="{FF2B5EF4-FFF2-40B4-BE49-F238E27FC236}">
+                <a16:creationId xmlns:a16="http://schemas.microsoft.com/office/drawing/2014/main" id="{127036BF-810E-4DAF-9E42-69AF3F2C5FE7}"/>
+              </a:ext>
+            </a:extLst>
+          </p:cNvPr>
+          <p:cNvSpPr>
+            <a:spLocks noGrp="1"/>
+          </p:cNvSpPr>
+          <p:nvPr>
+            <p:ph type="title"/>
+          </p:nvPr>
+        </p:nvSpPr>
+        <p:spPr/>
+        <p:txBody>
+          <a:bodyPr/>
+          <a:lstStyle/>
+          <a:p>
+            <a:r>
+              <a:rPr lang="bg-BG" dirty="0"/>
+              <a:t>Масиви от собствени данни</a:t>
+            </a:r>
+          </a:p>
+        </p:txBody>
+      </p:sp>
+      <p:sp>
+        <p:nvSpPr>
+          <p:cNvPr id="3" name="Контейнер за съдържание 2">
+            <a:extLst>
+              <a:ext uri="{FF2B5EF4-FFF2-40B4-BE49-F238E27FC236}">
+                <a16:creationId xmlns:a16="http://schemas.microsoft.com/office/drawing/2014/main" id="{798DEFCB-FCF2-4BD0-B400-5BACA2FFBEF7}"/>
+              </a:ext>
+            </a:extLst>
+          </p:cNvPr>
+          <p:cNvSpPr>
+            <a:spLocks noGrp="1"/>
+          </p:cNvSpPr>
+          <p:nvPr>
+            <p:ph idx="1"/>
+          </p:nvPr>
+        </p:nvSpPr>
+        <p:spPr/>
+        <p:txBody>
+          <a:bodyPr/>
+          <a:lstStyle/>
+          <a:p>
+            <a:endParaRPr lang="bg-BG"/>
+          </a:p>
+        </p:txBody>
+      </p:sp>
+    </p:spTree>
+    <p:extLst>
+      <p:ext uri="{BB962C8B-B14F-4D97-AF65-F5344CB8AC3E}">
+        <p14:creationId xmlns:p14="http://schemas.microsoft.com/office/powerpoint/2010/main" val="2956491106"/>
+      </p:ext>
+    </p:extLst>
+  </p:cSld>
+  <p:clrMapOvr>
+    <a:masterClrMapping/>
+  </p:clrMapOvr>
+</p:sld>
+</file>
+
+<file path=ppt/slides/slide172.xml><?xml version="1.0" encoding="utf-8"?>
+<p:sld xmlns:a="http://schemas.openxmlformats.org/drawingml/2006/main" xmlns:r="http://schemas.openxmlformats.org/officeDocument/2006/relationships" xmlns:p="http://schemas.openxmlformats.org/presentationml/2006/main">
+  <p:cSld>
+    <p:spTree>
+      <p:nvGrpSpPr>
+        <p:cNvPr id="1" name=""/>
+        <p:cNvGrpSpPr/>
+        <p:nvPr/>
+      </p:nvGrpSpPr>
+      <p:grpSpPr>
+        <a:xfrm>
+          <a:off x="0" y="0"/>
+          <a:ext cx="0" cy="0"/>
+          <a:chOff x="0" y="0"/>
+          <a:chExt cx="0" cy="0"/>
+        </a:xfrm>
+      </p:grpSpPr>
+      <p:sp>
+        <p:nvSpPr>
+          <p:cNvPr id="2" name="Заглавие 1">
+            <a:extLst>
+              <a:ext uri="{FF2B5EF4-FFF2-40B4-BE49-F238E27FC236}">
+                <a16:creationId xmlns:a16="http://schemas.microsoft.com/office/drawing/2014/main" id="{301C5825-3318-4902-9287-D16E8A197CC5}"/>
+              </a:ext>
+            </a:extLst>
+          </p:cNvPr>
+          <p:cNvSpPr>
+            <a:spLocks noGrp="1"/>
+          </p:cNvSpPr>
+          <p:nvPr>
+            <p:ph type="title"/>
+          </p:nvPr>
+        </p:nvSpPr>
+        <p:spPr/>
+        <p:txBody>
+          <a:bodyPr/>
+          <a:lstStyle/>
+          <a:p>
+            <a:r>
+              <a:rPr lang="bg-BG" dirty="0"/>
+              <a:t>Източници</a:t>
+            </a:r>
+            <a:endParaRPr lang="en-GB" dirty="0"/>
+          </a:p>
+        </p:txBody>
+      </p:sp>
+      <p:sp>
+        <p:nvSpPr>
+          <p:cNvPr id="3" name="Контейнер за съдържание 2">
+            <a:extLst>
+              <a:ext uri="{FF2B5EF4-FFF2-40B4-BE49-F238E27FC236}">
+                <a16:creationId xmlns:a16="http://schemas.microsoft.com/office/drawing/2014/main" id="{BEB607A1-BD2B-46F1-A5E1-AF8B58FEA8FC}"/>
+              </a:ext>
+            </a:extLst>
+          </p:cNvPr>
+          <p:cNvSpPr>
+            <a:spLocks noGrp="1"/>
+          </p:cNvSpPr>
+          <p:nvPr>
+            <p:ph idx="1"/>
+          </p:nvPr>
+        </p:nvSpPr>
+        <p:spPr/>
+        <p:txBody>
+          <a:bodyPr/>
+          <a:lstStyle/>
+          <a:p>
+            <a:r>
+              <a:rPr lang="bg-BG" dirty="0"/>
+              <a:t>Голяма част от информацията е сверена с</a:t>
+            </a:r>
+            <a:r>
+              <a:rPr lang="en-GB" dirty="0"/>
+              <a:t> </a:t>
+            </a:r>
+            <a:r>
+              <a:rPr lang="en-GB" dirty="0">
+                <a:hlinkClick r:id="rId2"/>
+              </a:rPr>
+              <a:t>https://en.cppreference.com</a:t>
+            </a:r>
+            <a:endParaRPr lang="en-GB" dirty="0"/>
+          </a:p>
+          <a:p>
+            <a:r>
+              <a:rPr lang="bg-BG" dirty="0"/>
+              <a:t>Използвани са дефиниции и описания от материали на доц. Трифон Трифонов</a:t>
+            </a:r>
+          </a:p>
+          <a:p>
+            <a:r>
+              <a:rPr lang="bg-BG" dirty="0"/>
+              <a:t>Авторският код е проверяван на </a:t>
+            </a:r>
+            <a:r>
+              <a:rPr lang="en-GB" dirty="0">
+                <a:hlinkClick r:id="rId3"/>
+              </a:rPr>
+              <a:t>VisualStudio2017</a:t>
+            </a:r>
+            <a:endParaRPr lang="bg-BG" dirty="0"/>
+          </a:p>
+        </p:txBody>
+      </p:sp>
+    </p:spTree>
+    <p:extLst>
+      <p:ext uri="{BB962C8B-B14F-4D97-AF65-F5344CB8AC3E}">
+        <p14:creationId xmlns:p14="http://schemas.microsoft.com/office/powerpoint/2010/main" val="2971376904"/>
       </p:ext>
     </p:extLst>
   </p:cSld>
